--- a/Vendor_Boards/Microchip_PICDEM 2 plus_board_2010/tutorials/GCBASIC_Part16_storage.pptx
+++ b/Vendor_Boards/Microchip_PICDEM 2 plus_board_2010/tutorials/GCBASIC_Part16_storage.pptx
@@ -5,31 +5,29 @@
     <p:sldMasterId id="2147483660" r:id="rId1"/>
   </p:sldMasterIdLst>
   <p:notesMasterIdLst>
-    <p:notesMasterId r:id="rId21"/>
+    <p:notesMasterId r:id="rId19"/>
   </p:notesMasterIdLst>
   <p:handoutMasterIdLst>
-    <p:handoutMasterId r:id="rId22"/>
+    <p:handoutMasterId r:id="rId20"/>
   </p:handoutMasterIdLst>
   <p:sldIdLst>
-    <p:sldId id="294" r:id="rId2"/>
-    <p:sldId id="256" r:id="rId3"/>
-    <p:sldId id="295" r:id="rId4"/>
-    <p:sldId id="283" r:id="rId5"/>
-    <p:sldId id="296" r:id="rId6"/>
-    <p:sldId id="282" r:id="rId7"/>
-    <p:sldId id="291" r:id="rId8"/>
-    <p:sldId id="350" r:id="rId9"/>
-    <p:sldId id="348" r:id="rId10"/>
+    <p:sldId id="369" r:id="rId2"/>
+    <p:sldId id="371" r:id="rId3"/>
+    <p:sldId id="372" r:id="rId4"/>
+    <p:sldId id="373" r:id="rId5"/>
+    <p:sldId id="374" r:id="rId6"/>
+    <p:sldId id="375" r:id="rId7"/>
+    <p:sldId id="376" r:id="rId8"/>
+    <p:sldId id="377" r:id="rId9"/>
+    <p:sldId id="380" r:id="rId10"/>
     <p:sldId id="360" r:id="rId11"/>
     <p:sldId id="367" r:id="rId12"/>
     <p:sldId id="363" r:id="rId13"/>
-    <p:sldId id="364" r:id="rId14"/>
-    <p:sldId id="368" r:id="rId15"/>
-    <p:sldId id="365" r:id="rId16"/>
-    <p:sldId id="366" r:id="rId17"/>
-    <p:sldId id="288" r:id="rId18"/>
-    <p:sldId id="353" r:id="rId19"/>
-    <p:sldId id="352" r:id="rId20"/>
+    <p:sldId id="365" r:id="rId14"/>
+    <p:sldId id="366" r:id="rId15"/>
+    <p:sldId id="288" r:id="rId16"/>
+    <p:sldId id="382" r:id="rId17"/>
+    <p:sldId id="381" r:id="rId18"/>
   </p:sldIdLst>
   <p:sldSz cx="9144000" cy="5143500" type="screen16x9"/>
   <p:notesSz cx="6858000" cy="9144000"/>
@@ -214,7 +212,7 @@
             <a:fld id="{742E545A-AB39-44F0-B5A6-04A90C6C9399}" type="datetimeFigureOut">
               <a:rPr lang="en-GB" smtClean="0"/>
               <a:pPr/>
-              <a:t>14/12/2024</a:t>
+              <a:t>28/01/2025</a:t>
             </a:fld>
             <a:endParaRPr lang="en-GB" dirty="0"/>
           </a:p>
@@ -381,7 +379,7 @@
             <a:fld id="{FF100B3C-2E11-428B-8555-A77018253716}" type="datetimeFigureOut">
               <a:rPr lang="en-GB" smtClean="0"/>
               <a:pPr/>
-              <a:t>14/12/2024</a:t>
+              <a:t>28/01/2025</a:t>
             </a:fld>
             <a:endParaRPr lang="en-GB" dirty="0"/>
           </a:p>
@@ -652,91 +650,6 @@
 </p:notesMaster>
 </file>
 
-<file path=ppt/notesSlides/notesSlide1.xml><?xml version="1.0" encoding="utf-8"?>
-<p:notes xmlns:a="http://schemas.openxmlformats.org/drawingml/2006/main" xmlns:r="http://schemas.openxmlformats.org/officeDocument/2006/relationships" xmlns:p="http://schemas.openxmlformats.org/presentationml/2006/main">
-  <p:cSld>
-    <p:spTree>
-      <p:nvGrpSpPr>
-        <p:cNvPr id="1" name=""/>
-        <p:cNvGrpSpPr/>
-        <p:nvPr/>
-      </p:nvGrpSpPr>
-      <p:grpSpPr>
-        <a:xfrm>
-          <a:off x="0" y="0"/>
-          <a:ext cx="0" cy="0"/>
-          <a:chOff x="0" y="0"/>
-          <a:chExt cx="0" cy="0"/>
-        </a:xfrm>
-      </p:grpSpPr>
-      <p:sp>
-        <p:nvSpPr>
-          <p:cNvPr id="2" name="Slide Image Placeholder 1"/>
-          <p:cNvSpPr>
-            <a:spLocks noGrp="1" noRot="1" noChangeAspect="1"/>
-          </p:cNvSpPr>
-          <p:nvPr>
-            <p:ph type="sldImg"/>
-          </p:nvPr>
-        </p:nvSpPr>
-        <p:spPr/>
-      </p:sp>
-      <p:sp>
-        <p:nvSpPr>
-          <p:cNvPr id="3" name="Notes Placeholder 2"/>
-          <p:cNvSpPr>
-            <a:spLocks noGrp="1"/>
-          </p:cNvSpPr>
-          <p:nvPr>
-            <p:ph type="body" idx="1"/>
-          </p:nvPr>
-        </p:nvSpPr>
-        <p:spPr/>
-        <p:txBody>
-          <a:bodyPr/>
-          <a:lstStyle/>
-          <a:p>
-            <a:endParaRPr lang="en-GB" dirty="0"/>
-          </a:p>
-        </p:txBody>
-      </p:sp>
-      <p:sp>
-        <p:nvSpPr>
-          <p:cNvPr id="4" name="Slide Number Placeholder 3"/>
-          <p:cNvSpPr>
-            <a:spLocks noGrp="1"/>
-          </p:cNvSpPr>
-          <p:nvPr>
-            <p:ph type="sldNum" sz="quarter" idx="10"/>
-          </p:nvPr>
-        </p:nvSpPr>
-        <p:spPr/>
-        <p:txBody>
-          <a:bodyPr/>
-          <a:lstStyle/>
-          <a:p>
-            <a:fld id="{8733471A-AA0F-4CD3-BA89-C1C7FB68C6DB}" type="slidenum">
-              <a:rPr lang="en-GB" smtClean="0"/>
-              <a:pPr/>
-              <a:t>1</a:t>
-            </a:fld>
-            <a:endParaRPr lang="en-GB" dirty="0"/>
-          </a:p>
-        </p:txBody>
-      </p:sp>
-    </p:spTree>
-    <p:extLst>
-      <p:ext uri="{BB962C8B-B14F-4D97-AF65-F5344CB8AC3E}">
-        <p14:creationId xmlns:p14="http://schemas.microsoft.com/office/powerpoint/2010/main" val="3016735464"/>
-      </p:ext>
-    </p:extLst>
-  </p:cSld>
-  <p:clrMapOvr>
-    <a:masterClrMapping/>
-  </p:clrMapOvr>
-</p:notes>
-</file>
-
 <file path=ppt/slideLayouts/slideLayout1.xml><?xml version="1.0" encoding="utf-8"?>
 <p:sldLayout xmlns:a="http://schemas.openxmlformats.org/drawingml/2006/main" xmlns:r="http://schemas.openxmlformats.org/officeDocument/2006/relationships" xmlns:p="http://schemas.openxmlformats.org/presentationml/2006/main" preserve="1">
   <p:cSld name="Main Title">
@@ -759,7 +672,7 @@
           <p:cNvPr id="7" name="Rectangle 6">
             <a:extLst>
               <a:ext uri="{FF2B5EF4-FFF2-40B4-BE49-F238E27FC236}">
-                <a16:creationId xmlns="" xmlns:a16="http://schemas.microsoft.com/office/drawing/2014/main" id="{9C757326-0232-4CDF-81FF-302CA676961B}"/>
+                <a16:creationId xmlns:a16="http://schemas.microsoft.com/office/drawing/2014/main" xmlns="" id="{9C757326-0232-4CDF-81FF-302CA676961B}"/>
               </a:ext>
             </a:extLst>
           </p:cNvPr>
@@ -811,7 +724,7 @@
           <p:cNvPr id="8" name="Picture 7">
             <a:extLst>
               <a:ext uri="{FF2B5EF4-FFF2-40B4-BE49-F238E27FC236}">
-                <a16:creationId xmlns="" xmlns:a16="http://schemas.microsoft.com/office/drawing/2014/main" id="{4987E008-68E6-4A43-85BC-1A6ACDF91DE1}"/>
+                <a16:creationId xmlns:a16="http://schemas.microsoft.com/office/drawing/2014/main" xmlns="" id="{4987E008-68E6-4A43-85BC-1A6ACDF91DE1}"/>
               </a:ext>
             </a:extLst>
           </p:cNvPr>
@@ -840,7 +753,7 @@
           <p:cNvPr id="11" name="Picture 10">
             <a:extLst>
               <a:ext uri="{FF2B5EF4-FFF2-40B4-BE49-F238E27FC236}">
-                <a16:creationId xmlns="" xmlns:a16="http://schemas.microsoft.com/office/drawing/2014/main" id="{A1F8C892-C868-4DF6-91AB-B18CE632B10F}"/>
+                <a16:creationId xmlns:a16="http://schemas.microsoft.com/office/drawing/2014/main" xmlns="" id="{A1F8C892-C868-4DF6-91AB-B18CE632B10F}"/>
               </a:ext>
             </a:extLst>
           </p:cNvPr>
@@ -1026,7 +939,7 @@
           <p:cNvPr id="12" name="Text Placeholder 2">
             <a:extLst>
               <a:ext uri="{FF2B5EF4-FFF2-40B4-BE49-F238E27FC236}">
-                <a16:creationId xmlns="" xmlns:a16="http://schemas.microsoft.com/office/drawing/2014/main" id="{D547E580-E6D6-4D97-BB04-05795A830147}"/>
+                <a16:creationId xmlns:a16="http://schemas.microsoft.com/office/drawing/2014/main" xmlns="" id="{D547E580-E6D6-4D97-BB04-05795A830147}"/>
               </a:ext>
             </a:extLst>
           </p:cNvPr>
@@ -1179,7 +1092,7 @@
           <p:cNvPr id="9" name="Picture 8">
             <a:extLst>
               <a:ext uri="{FF2B5EF4-FFF2-40B4-BE49-F238E27FC236}">
-                <a16:creationId xmlns="" xmlns:a16="http://schemas.microsoft.com/office/drawing/2014/main" id="{7CE2C968-D10A-4226-8FDC-CBC4C7EDD0B7}"/>
+                <a16:creationId xmlns:a16="http://schemas.microsoft.com/office/drawing/2014/main" xmlns="" id="{7CE2C968-D10A-4226-8FDC-CBC4C7EDD0B7}"/>
               </a:ext>
             </a:extLst>
           </p:cNvPr>
@@ -1381,7 +1294,7 @@
             <a:fld id="{C473AACB-D821-4991-9D88-46EB8D29E619}" type="datetimeFigureOut">
               <a:rPr lang="en-GB" smtClean="0"/>
               <a:pPr/>
-              <a:t>14/12/2024</a:t>
+              <a:t>28/01/2025</a:t>
             </a:fld>
             <a:endParaRPr lang="en-GB" dirty="0"/>
           </a:p>
@@ -1465,7 +1378,7 @@
           <p:cNvPr id="9" name="Picture 8">
             <a:extLst>
               <a:ext uri="{FF2B5EF4-FFF2-40B4-BE49-F238E27FC236}">
-                <a16:creationId xmlns="" xmlns:a16="http://schemas.microsoft.com/office/drawing/2014/main" id="{6AB5D66D-00C1-40EA-BFC8-305566F10369}"/>
+                <a16:creationId xmlns:a16="http://schemas.microsoft.com/office/drawing/2014/main" xmlns="" id="{6AB5D66D-00C1-40EA-BFC8-305566F10369}"/>
               </a:ext>
             </a:extLst>
           </p:cNvPr>
@@ -1675,7 +1588,7 @@
             <a:fld id="{C473AACB-D821-4991-9D88-46EB8D29E619}" type="datetimeFigureOut">
               <a:rPr lang="en-GB" smtClean="0"/>
               <a:pPr/>
-              <a:t>14/12/2024</a:t>
+              <a:t>28/01/2025</a:t>
             </a:fld>
             <a:endParaRPr lang="en-GB" dirty="0"/>
           </a:p>
@@ -1928,7 +1841,7 @@
             <a:fld id="{C473AACB-D821-4991-9D88-46EB8D29E619}" type="datetimeFigureOut">
               <a:rPr lang="en-GB" smtClean="0"/>
               <a:pPr/>
-              <a:t>14/12/2024</a:t>
+              <a:t>28/01/2025</a:t>
             </a:fld>
             <a:endParaRPr lang="en-GB" dirty="0"/>
           </a:p>
@@ -1982,7 +1895,7 @@
           <p:cNvPr id="8" name="Picture 7">
             <a:extLst>
               <a:ext uri="{FF2B5EF4-FFF2-40B4-BE49-F238E27FC236}">
-                <a16:creationId xmlns="" xmlns:a16="http://schemas.microsoft.com/office/drawing/2014/main" id="{AD4D4CB4-D965-4BB6-B218-086244C13BAE}"/>
+                <a16:creationId xmlns:a16="http://schemas.microsoft.com/office/drawing/2014/main" xmlns="" id="{AD4D4CB4-D965-4BB6-B218-086244C13BAE}"/>
               </a:ext>
             </a:extLst>
           </p:cNvPr>
@@ -2273,7 +2186,7 @@
             <a:fld id="{C473AACB-D821-4991-9D88-46EB8D29E619}" type="datetimeFigureOut">
               <a:rPr lang="en-GB" smtClean="0"/>
               <a:pPr/>
-              <a:t>14/12/2024</a:t>
+              <a:t>28/01/2025</a:t>
             </a:fld>
             <a:endParaRPr lang="en-GB" dirty="0"/>
           </a:p>
@@ -2417,7 +2330,7 @@
           <p:cNvPr id="11" name="Picture 10">
             <a:extLst>
               <a:ext uri="{FF2B5EF4-FFF2-40B4-BE49-F238E27FC236}">
-                <a16:creationId xmlns="" xmlns:a16="http://schemas.microsoft.com/office/drawing/2014/main" id="{A3B58C4E-0EF0-466C-9740-EC9F485CBD03}"/>
+                <a16:creationId xmlns:a16="http://schemas.microsoft.com/office/drawing/2014/main" xmlns="" id="{A3B58C4E-0EF0-466C-9740-EC9F485CBD03}"/>
               </a:ext>
             </a:extLst>
           </p:cNvPr>
@@ -2645,7 +2558,7 @@
             <a:fld id="{C473AACB-D821-4991-9D88-46EB8D29E619}" type="datetimeFigureOut">
               <a:rPr lang="en-GB" smtClean="0"/>
               <a:pPr/>
-              <a:t>14/12/2024</a:t>
+              <a:t>28/01/2025</a:t>
             </a:fld>
             <a:endParaRPr lang="en-GB" dirty="0"/>
           </a:p>
@@ -2699,7 +2612,7 @@
           <p:cNvPr id="7" name="Picture 6">
             <a:extLst>
               <a:ext uri="{FF2B5EF4-FFF2-40B4-BE49-F238E27FC236}">
-                <a16:creationId xmlns="" xmlns:a16="http://schemas.microsoft.com/office/drawing/2014/main" id="{2D0B9223-1250-44AA-A6C3-F2013B85AEF3}"/>
+                <a16:creationId xmlns:a16="http://schemas.microsoft.com/office/drawing/2014/main" xmlns="" id="{2D0B9223-1250-44AA-A6C3-F2013B85AEF3}"/>
               </a:ext>
             </a:extLst>
           </p:cNvPr>
@@ -2991,7 +2904,7 @@
             <a:fld id="{C473AACB-D821-4991-9D88-46EB8D29E619}" type="datetimeFigureOut">
               <a:rPr lang="en-GB" smtClean="0"/>
               <a:pPr/>
-              <a:t>14/12/2024</a:t>
+              <a:t>28/01/2025</a:t>
             </a:fld>
             <a:endParaRPr lang="en-GB" dirty="0"/>
           </a:p>
@@ -3127,7 +3040,7 @@
           <p:cNvPr id="11" name="Picture 10">
             <a:extLst>
               <a:ext uri="{FF2B5EF4-FFF2-40B4-BE49-F238E27FC236}">
-                <a16:creationId xmlns="" xmlns:a16="http://schemas.microsoft.com/office/drawing/2014/main" id="{D49E1C7C-7E53-49A2-B2C9-52307876DB7E}"/>
+                <a16:creationId xmlns:a16="http://schemas.microsoft.com/office/drawing/2014/main" xmlns="" id="{D49E1C7C-7E53-49A2-B2C9-52307876DB7E}"/>
               </a:ext>
             </a:extLst>
           </p:cNvPr>
@@ -3415,7 +3328,7 @@
             <a:fld id="{C473AACB-D821-4991-9D88-46EB8D29E619}" type="datetimeFigureOut">
               <a:rPr lang="en-GB" smtClean="0"/>
               <a:pPr/>
-              <a:t>14/12/2024</a:t>
+              <a:t>28/01/2025</a:t>
             </a:fld>
             <a:endParaRPr lang="en-GB" dirty="0"/>
           </a:p>
@@ -3469,7 +3382,7 @@
           <p:cNvPr id="9" name="Picture 8">
             <a:extLst>
               <a:ext uri="{FF2B5EF4-FFF2-40B4-BE49-F238E27FC236}">
-                <a16:creationId xmlns="" xmlns:a16="http://schemas.microsoft.com/office/drawing/2014/main" id="{23082AB0-2BB5-46FE-9A17-15E1ACC06965}"/>
+                <a16:creationId xmlns:a16="http://schemas.microsoft.com/office/drawing/2014/main" xmlns="" id="{23082AB0-2BB5-46FE-9A17-15E1ACC06965}"/>
               </a:ext>
             </a:extLst>
           </p:cNvPr>
@@ -3528,7 +3441,7 @@
           <p:cNvPr id="8" name="Picture 7">
             <a:extLst>
               <a:ext uri="{FF2B5EF4-FFF2-40B4-BE49-F238E27FC236}">
-                <a16:creationId xmlns="" xmlns:a16="http://schemas.microsoft.com/office/drawing/2014/main" id="{1862E859-E5AF-4D76-9FC9-2355B24FF141}"/>
+                <a16:creationId xmlns:a16="http://schemas.microsoft.com/office/drawing/2014/main" xmlns="" id="{1862E859-E5AF-4D76-9FC9-2355B24FF141}"/>
               </a:ext>
             </a:extLst>
           </p:cNvPr>
@@ -3650,7 +3563,7 @@
             <a:fld id="{C473AACB-D821-4991-9D88-46EB8D29E619}" type="datetimeFigureOut">
               <a:rPr lang="en-GB" smtClean="0"/>
               <a:pPr/>
-              <a:t>14/12/2024</a:t>
+              <a:t>28/01/2025</a:t>
             </a:fld>
             <a:endParaRPr lang="en-GB" dirty="0"/>
           </a:p>
@@ -3734,7 +3647,7 @@
           <p:cNvPr id="8" name="Picture 7">
             <a:extLst>
               <a:ext uri="{FF2B5EF4-FFF2-40B4-BE49-F238E27FC236}">
-                <a16:creationId xmlns="" xmlns:a16="http://schemas.microsoft.com/office/drawing/2014/main" id="{91908D0E-7544-4687-965B-72EF64AA4C54}"/>
+                <a16:creationId xmlns:a16="http://schemas.microsoft.com/office/drawing/2014/main" xmlns="" id="{91908D0E-7544-4687-965B-72EF64AA4C54}"/>
               </a:ext>
             </a:extLst>
           </p:cNvPr>
@@ -3861,7 +3774,7 @@
             <a:fld id="{C473AACB-D821-4991-9D88-46EB8D29E619}" type="datetimeFigureOut">
               <a:rPr lang="en-GB" smtClean="0"/>
               <a:pPr/>
-              <a:t>14/12/2024</a:t>
+              <a:t>28/01/2025</a:t>
             </a:fld>
             <a:endParaRPr lang="en-GB" dirty="0"/>
           </a:p>
@@ -3945,7 +3858,7 @@
           <p:cNvPr id="8" name="Picture 7">
             <a:extLst>
               <a:ext uri="{FF2B5EF4-FFF2-40B4-BE49-F238E27FC236}">
-                <a16:creationId xmlns="" xmlns:a16="http://schemas.microsoft.com/office/drawing/2014/main" id="{5B5B8CA2-02D4-408C-B548-182D4F5F54B2}"/>
+                <a16:creationId xmlns:a16="http://schemas.microsoft.com/office/drawing/2014/main" xmlns="" id="{5B5B8CA2-02D4-408C-B548-182D4F5F54B2}"/>
               </a:ext>
             </a:extLst>
           </p:cNvPr>
@@ -4079,7 +3992,7 @@
             <a:fld id="{C473AACB-D821-4991-9D88-46EB8D29E619}" type="datetimeFigureOut">
               <a:rPr lang="en-GB" smtClean="0"/>
               <a:pPr/>
-              <a:t>14/12/2024</a:t>
+              <a:t>28/01/2025</a:t>
             </a:fld>
             <a:endParaRPr lang="en-GB" dirty="0"/>
           </a:p>
@@ -4163,7 +4076,7 @@
           <p:cNvPr id="11" name="Picture 10">
             <a:extLst>
               <a:ext uri="{FF2B5EF4-FFF2-40B4-BE49-F238E27FC236}">
-                <a16:creationId xmlns="" xmlns:a16="http://schemas.microsoft.com/office/drawing/2014/main" id="{EA8DB33B-8BF9-4C99-B31C-55246227EFDE}"/>
+                <a16:creationId xmlns:a16="http://schemas.microsoft.com/office/drawing/2014/main" xmlns="" id="{EA8DB33B-8BF9-4C99-B31C-55246227EFDE}"/>
               </a:ext>
             </a:extLst>
           </p:cNvPr>
@@ -4894,7 +4807,7 @@
             <a:fld id="{C473AACB-D821-4991-9D88-46EB8D29E619}" type="datetimeFigureOut">
               <a:rPr lang="en-GB" smtClean="0"/>
               <a:pPr/>
-              <a:t>14/12/2024</a:t>
+              <a:t>28/01/2025</a:t>
             </a:fld>
             <a:endParaRPr lang="en-GB" dirty="0"/>
           </a:p>
@@ -4978,7 +4891,7 @@
           <p:cNvPr id="11" name="Picture 10">
             <a:extLst>
               <a:ext uri="{FF2B5EF4-FFF2-40B4-BE49-F238E27FC236}">
-                <a16:creationId xmlns="" xmlns:a16="http://schemas.microsoft.com/office/drawing/2014/main" id="{EA8DB33B-8BF9-4C99-B31C-55246227EFDE}"/>
+                <a16:creationId xmlns:a16="http://schemas.microsoft.com/office/drawing/2014/main" xmlns="" id="{EA8DB33B-8BF9-4C99-B31C-55246227EFDE}"/>
               </a:ext>
             </a:extLst>
           </p:cNvPr>
@@ -5708,7 +5621,7 @@
             <a:fld id="{C473AACB-D821-4991-9D88-46EB8D29E619}" type="datetimeFigureOut">
               <a:rPr lang="en-GB" smtClean="0"/>
               <a:pPr/>
-              <a:t>14/12/2024</a:t>
+              <a:t>28/01/2025</a:t>
             </a:fld>
             <a:endParaRPr lang="en-GB" dirty="0"/>
           </a:p>
@@ -5957,7 +5870,7 @@
             <a:fld id="{C473AACB-D821-4991-9D88-46EB8D29E619}" type="datetimeFigureOut">
               <a:rPr lang="en-GB" smtClean="0"/>
               <a:pPr/>
-              <a:t>14/12/2024</a:t>
+              <a:t>28/01/2025</a:t>
             </a:fld>
             <a:endParaRPr lang="en-GB" dirty="0"/>
           </a:p>
@@ -6011,7 +5924,7 @@
           <p:cNvPr id="7" name="Picture 6">
             <a:extLst>
               <a:ext uri="{FF2B5EF4-FFF2-40B4-BE49-F238E27FC236}">
-                <a16:creationId xmlns="" xmlns:a16="http://schemas.microsoft.com/office/drawing/2014/main" id="{6331EFED-43C1-4CBA-8BE3-308E3AA13B9B}"/>
+                <a16:creationId xmlns:a16="http://schemas.microsoft.com/office/drawing/2014/main" xmlns="" id="{6331EFED-43C1-4CBA-8BE3-308E3AA13B9B}"/>
               </a:ext>
             </a:extLst>
           </p:cNvPr>
@@ -6221,7 +6134,7 @@
             <a:fld id="{C473AACB-D821-4991-9D88-46EB8D29E619}" type="datetimeFigureOut">
               <a:rPr lang="en-GB" smtClean="0"/>
               <a:pPr/>
-              <a:t>14/12/2024</a:t>
+              <a:t>28/01/2025</a:t>
             </a:fld>
             <a:endParaRPr lang="en-GB" dirty="0"/>
           </a:p>
@@ -6275,7 +6188,7 @@
           <p:cNvPr id="9" name="Picture 8">
             <a:extLst>
               <a:ext uri="{FF2B5EF4-FFF2-40B4-BE49-F238E27FC236}">
-                <a16:creationId xmlns="" xmlns:a16="http://schemas.microsoft.com/office/drawing/2014/main" id="{1034EA63-4BE3-4A73-A7E6-4A75BE4C1D48}"/>
+                <a16:creationId xmlns:a16="http://schemas.microsoft.com/office/drawing/2014/main" xmlns="" id="{1034EA63-4BE3-4A73-A7E6-4A75BE4C1D48}"/>
               </a:ext>
             </a:extLst>
           </p:cNvPr>
@@ -6334,7 +6247,7 @@
           <p:cNvPr id="10" name="Picture 9">
             <a:extLst>
               <a:ext uri="{FF2B5EF4-FFF2-40B4-BE49-F238E27FC236}">
-                <a16:creationId xmlns="" xmlns:a16="http://schemas.microsoft.com/office/drawing/2014/main" id="{204DC1E6-B5F4-4160-90F3-351FB3242E92}"/>
+                <a16:creationId xmlns:a16="http://schemas.microsoft.com/office/drawing/2014/main" xmlns="" id="{204DC1E6-B5F4-4160-90F3-351FB3242E92}"/>
               </a:ext>
             </a:extLst>
           </p:cNvPr>
@@ -6661,7 +6574,7 @@
             <a:fld id="{C473AACB-D821-4991-9D88-46EB8D29E619}" type="datetimeFigureOut">
               <a:rPr lang="en-GB" smtClean="0"/>
               <a:pPr/>
-              <a:t>14/12/2024</a:t>
+              <a:t>28/01/2025</a:t>
             </a:fld>
             <a:endParaRPr lang="en-GB" dirty="0"/>
           </a:p>
@@ -6745,7 +6658,7 @@
           <p:cNvPr id="6" name="Picture 5">
             <a:extLst>
               <a:ext uri="{FF2B5EF4-FFF2-40B4-BE49-F238E27FC236}">
-                <a16:creationId xmlns="" xmlns:a16="http://schemas.microsoft.com/office/drawing/2014/main" id="{E7897C67-3827-4595-8E3A-71E9F2EAB3AF}"/>
+                <a16:creationId xmlns:a16="http://schemas.microsoft.com/office/drawing/2014/main" xmlns="" id="{E7897C67-3827-4595-8E3A-71E9F2EAB3AF}"/>
               </a:ext>
             </a:extLst>
           </p:cNvPr>
@@ -6816,7 +6729,7 @@
             <a:fld id="{C473AACB-D821-4991-9D88-46EB8D29E619}" type="datetimeFigureOut">
               <a:rPr lang="en-GB" smtClean="0"/>
               <a:pPr/>
-              <a:t>14/12/2024</a:t>
+              <a:t>28/01/2025</a:t>
             </a:fld>
             <a:endParaRPr lang="en-GB" dirty="0"/>
           </a:p>
@@ -6913,7 +6826,7 @@
             <a:fld id="{C473AACB-D821-4991-9D88-46EB8D29E619}" type="datetimeFigureOut">
               <a:rPr lang="en-GB" smtClean="0"/>
               <a:pPr/>
-              <a:t>14/12/2024</a:t>
+              <a:t>28/01/2025</a:t>
             </a:fld>
             <a:endParaRPr lang="en-GB" dirty="0"/>
           </a:p>
@@ -6967,7 +6880,7 @@
           <p:cNvPr id="6" name="Picture 5">
             <a:extLst>
               <a:ext uri="{FF2B5EF4-FFF2-40B4-BE49-F238E27FC236}">
-                <a16:creationId xmlns="" xmlns:a16="http://schemas.microsoft.com/office/drawing/2014/main" id="{F1825398-026A-4668-BB48-C16AD1C9062B}"/>
+                <a16:creationId xmlns:a16="http://schemas.microsoft.com/office/drawing/2014/main" xmlns="" id="{F1825398-026A-4668-BB48-C16AD1C9062B}"/>
               </a:ext>
             </a:extLst>
           </p:cNvPr>
@@ -7690,7 +7603,7 @@
             <a:fld id="{C473AACB-D821-4991-9D88-46EB8D29E619}" type="datetimeFigureOut">
               <a:rPr lang="en-GB" smtClean="0"/>
               <a:pPr/>
-              <a:t>14/12/2024</a:t>
+              <a:t>28/01/2025</a:t>
             </a:fld>
             <a:endParaRPr lang="en-GB" dirty="0"/>
           </a:p>
@@ -8250,41 +8163,35 @@
             <p:ph type="body" idx="1"/>
           </p:nvPr>
         </p:nvSpPr>
-        <p:spPr>
-          <a:xfrm>
-            <a:off x="4144617" y="2776047"/>
-            <a:ext cx="3163687" cy="645300"/>
-          </a:xfrm>
-        </p:spPr>
+        <p:spPr/>
         <p:txBody>
           <a:bodyPr>
-            <a:normAutofit fontScale="77500" lnSpcReduction="20000"/>
+            <a:normAutofit fontScale="85000" lnSpcReduction="20000"/>
           </a:bodyPr>
           <a:lstStyle/>
           <a:p>
             <a:r>
               <a:rPr lang="en-GB" dirty="0" smtClean="0"/>
-              <a:t>PIC18FxxQ24</a:t>
-            </a:r>
-          </a:p>
-          <a:p>
-            <a:pPr marL="538163" indent="-538163"/>
-            <a:r>
-              <a:rPr lang="en-GB" dirty="0" smtClean="0"/>
+              <a:t>PIC16Fxxxx chip Family ( Legacy )</a:t>
+            </a:r>
+          </a:p>
+          <a:p>
+            <a:r>
+              <a:rPr lang="en-GB" dirty="0"/>
               <a:t>Part 16 - </a:t>
             </a:r>
             <a:r>
-              <a:rPr lang="en-GB" sz="1600" dirty="0"/>
+              <a:rPr lang="en-GB" sz="1400" dirty="0"/>
               <a:t>Progmem, SAF memory, EEPROM and DATA blocks</a:t>
             </a:r>
-            <a:endParaRPr lang="en-GB" dirty="0"/>
+            <a:endParaRPr lang="en-GB" sz="1600" dirty="0"/>
           </a:p>
         </p:txBody>
       </p:sp>
     </p:spTree>
     <p:extLst>
       <p:ext uri="{BB962C8B-B14F-4D97-AF65-F5344CB8AC3E}">
-        <p14:creationId xmlns:p14="http://schemas.microsoft.com/office/powerpoint/2010/main" val="1934043723"/>
+        <p14:creationId xmlns:p14="http://schemas.microsoft.com/office/powerpoint/2010/main" val="2283940108"/>
       </p:ext>
     </p:extLst>
   </p:cSld>
@@ -8318,70 +8225,6 @@
           <a:chExt cx="0" cy="0"/>
         </a:xfrm>
       </p:grpSpPr>
-      <p:pic>
-        <p:nvPicPr>
-          <p:cNvPr id="1026" name="Picture 2"/>
-          <p:cNvPicPr>
-            <a:picLocks noChangeAspect="1" noChangeArrowheads="1"/>
-          </p:cNvPicPr>
-          <p:nvPr/>
-        </p:nvPicPr>
-        <p:blipFill>
-          <a:blip r:embed="rId2">
-            <a:extLst>
-              <a:ext uri="{28A0092B-C50C-407E-A947-70E740481C1C}">
-                <a14:useLocalDpi xmlns:a14="http://schemas.microsoft.com/office/drawing/2010/main" val="0"/>
-              </a:ext>
-            </a:extLst>
-          </a:blip>
-          <a:srcRect/>
-          <a:stretch>
-            <a:fillRect/>
-          </a:stretch>
-        </p:blipFill>
-        <p:spPr bwMode="auto">
-          <a:xfrm>
-            <a:off x="5151304" y="1"/>
-            <a:ext cx="3992695" cy="5143500"/>
-          </a:xfrm>
-          <a:prstGeom prst="rect">
-            <a:avLst/>
-          </a:prstGeom>
-          <a:noFill/>
-          <a:ln>
-            <a:noFill/>
-          </a:ln>
-          <a:effectLst/>
-          <a:extLst>
-            <a:ext uri="{909E8E84-426E-40DD-AFC4-6F175D3DCCD1}">
-              <a14:hiddenFill xmlns:a14="http://schemas.microsoft.com/office/drawing/2010/main">
-                <a:solidFill>
-                  <a:schemeClr val="accent1"/>
-                </a:solidFill>
-              </a14:hiddenFill>
-            </a:ext>
-            <a:ext uri="{91240B29-F687-4F45-9708-019B960494DF}">
-              <a14:hiddenLine xmlns:a14="http://schemas.microsoft.com/office/drawing/2010/main" w="9525">
-                <a:solidFill>
-                  <a:schemeClr val="tx1"/>
-                </a:solidFill>
-                <a:miter lim="800000"/>
-                <a:headEnd/>
-                <a:tailEnd/>
-              </a14:hiddenLine>
-            </a:ext>
-            <a:ext uri="{AF507438-7753-43E0-B8FC-AC1667EBCBE1}">
-              <a14:hiddenEffects xmlns:a14="http://schemas.microsoft.com/office/drawing/2010/main">
-                <a:effectLst>
-                  <a:outerShdw dist="35921" dir="2700000" algn="ctr" rotWithShape="0">
-                    <a:schemeClr val="bg2"/>
-                  </a:outerShdw>
-                </a:effectLst>
-              </a14:hiddenEffects>
-            </a:ext>
-          </a:extLst>
-        </p:spPr>
-      </p:pic>
       <p:sp>
         <p:nvSpPr>
           <p:cNvPr id="2" name="Title 1"/>
@@ -8421,7 +8264,7 @@
           <p:nvPr>
             <p:extLst>
               <p:ext uri="{D42A27DB-BD31-4B8C-83A1-F6EECF244321}">
-                <p14:modId xmlns:p14="http://schemas.microsoft.com/office/powerpoint/2010/main" val="18321409"/>
+                <p14:modId xmlns:p14="http://schemas.microsoft.com/office/powerpoint/2010/main" val="1355085427"/>
               </p:ext>
             </p:extLst>
           </p:nvPr>
@@ -8538,35 +8381,9 @@
                       </a:pPr>
                       <a:r>
                         <a:rPr lang="en-ZA" dirty="0" smtClean="0"/>
-                        <a:t>Program,</a:t>
+                        <a:t>Program</a:t>
                       </a:r>
-                    </a:p>
-                    <a:p>
-                      <a:pPr marL="0" marR="0" lvl="0" indent="0" algn="l" defTabSz="850636" rtl="0" eaLnBrk="1" fontAlgn="auto" latinLnBrk="0" hangingPunct="1">
-                        <a:lnSpc>
-                          <a:spcPct val="100000"/>
-                        </a:lnSpc>
-                        <a:spcBef>
-                          <a:spcPts val="0"/>
-                        </a:spcBef>
-                        <a:spcAft>
-                          <a:spcPts val="0"/>
-                        </a:spcAft>
-                        <a:buClrTx/>
-                        <a:buSzTx/>
-                        <a:buFontTx/>
-                        <a:buNone/>
-                        <a:tabLst/>
-                        <a:defRPr/>
-                      </a:pPr>
-                      <a:r>
-                        <a:rPr lang="en-ZA" baseline="0" dirty="0" smtClean="0"/>
-                        <a:t>and, </a:t>
-                      </a:r>
-                      <a:r>
-                        <a:rPr lang="en-GB" b="0" dirty="0" smtClean="0"/>
-                        <a:t>Storage Area Flash (SAF) block </a:t>
-                      </a:r>
+                      <a:endParaRPr lang="en-ZA" dirty="0" smtClean="0"/>
                     </a:p>
                   </a:txBody>
                   <a:tcPr/>
@@ -8672,156 +8489,6 @@
           </a:graphicData>
         </a:graphic>
       </p:graphicFrame>
-      <p:sp>
-        <p:nvSpPr>
-          <p:cNvPr id="4" name="Rectangle 3"/>
-          <p:cNvSpPr/>
-          <p:nvPr/>
-        </p:nvSpPr>
-        <p:spPr>
-          <a:xfrm>
-            <a:off x="8172400" y="411510"/>
-            <a:ext cx="971600" cy="1008112"/>
-          </a:xfrm>
-          <a:prstGeom prst="rect">
-            <a:avLst/>
-          </a:prstGeom>
-          <a:noFill/>
-          <a:ln>
-            <a:solidFill>
-              <a:srgbClr val="FF0000"/>
-            </a:solidFill>
-          </a:ln>
-        </p:spPr>
-        <p:style>
-          <a:lnRef idx="2">
-            <a:schemeClr val="accent1">
-              <a:shade val="50000"/>
-            </a:schemeClr>
-          </a:lnRef>
-          <a:fillRef idx="1">
-            <a:schemeClr val="accent1"/>
-          </a:fillRef>
-          <a:effectRef idx="0">
-            <a:schemeClr val="accent1"/>
-          </a:effectRef>
-          <a:fontRef idx="minor">
-            <a:schemeClr val="lt1"/>
-          </a:fontRef>
-        </p:style>
-        <p:txBody>
-          <a:bodyPr rtlCol="0" anchor="ctr"/>
-          <a:lstStyle/>
-          <a:p>
-            <a:pPr algn="ctr"/>
-            <a:endParaRPr lang="en-GB"/>
-          </a:p>
-        </p:txBody>
-      </p:sp>
-      <p:sp>
-        <p:nvSpPr>
-          <p:cNvPr id="7" name="Rectangle 6"/>
-          <p:cNvSpPr/>
-          <p:nvPr/>
-        </p:nvSpPr>
-        <p:spPr>
-          <a:xfrm>
-            <a:off x="6012160" y="3511550"/>
-            <a:ext cx="3188146" cy="273050"/>
-          </a:xfrm>
-          <a:prstGeom prst="rect">
-            <a:avLst/>
-          </a:prstGeom>
-          <a:noFill/>
-          <a:ln>
-            <a:solidFill>
-              <a:srgbClr val="FF0000"/>
-            </a:solidFill>
-          </a:ln>
-        </p:spPr>
-        <p:style>
-          <a:lnRef idx="2">
-            <a:schemeClr val="accent1">
-              <a:shade val="50000"/>
-            </a:schemeClr>
-          </a:lnRef>
-          <a:fillRef idx="1">
-            <a:schemeClr val="accent1"/>
-          </a:fillRef>
-          <a:effectRef idx="0">
-            <a:schemeClr val="accent1"/>
-          </a:effectRef>
-          <a:fontRef idx="minor">
-            <a:schemeClr val="lt1"/>
-          </a:fontRef>
-        </p:style>
-        <p:txBody>
-          <a:bodyPr rtlCol="0" anchor="ctr"/>
-          <a:lstStyle/>
-          <a:p>
-            <a:pPr algn="ctr"/>
-            <a:endParaRPr lang="en-GB"/>
-          </a:p>
-        </p:txBody>
-      </p:sp>
-      <p:sp>
-        <p:nvSpPr>
-          <p:cNvPr id="10" name="Rectangle 9"/>
-          <p:cNvSpPr/>
-          <p:nvPr/>
-        </p:nvSpPr>
-        <p:spPr>
-          <a:xfrm>
-            <a:off x="8172400" y="1280395"/>
-            <a:ext cx="1008112" cy="136525"/>
-          </a:xfrm>
-          <a:prstGeom prst="rect">
-            <a:avLst/>
-          </a:prstGeom>
-          <a:noFill/>
-          <a:ln>
-            <a:solidFill>
-              <a:srgbClr val="FF0000"/>
-            </a:solidFill>
-          </a:ln>
-        </p:spPr>
-        <p:style>
-          <a:lnRef idx="2">
-            <a:schemeClr val="accent1">
-              <a:shade val="50000"/>
-            </a:schemeClr>
-          </a:lnRef>
-          <a:fillRef idx="1">
-            <a:schemeClr val="accent1"/>
-          </a:fillRef>
-          <a:effectRef idx="0">
-            <a:schemeClr val="accent1"/>
-          </a:effectRef>
-          <a:fontRef idx="minor">
-            <a:schemeClr val="lt1"/>
-          </a:fontRef>
-        </p:style>
-        <p:txBody>
-          <a:bodyPr rtlCol="0" anchor="ctr"/>
-          <a:lstStyle/>
-          <a:p>
-            <a:pPr algn="ctr"/>
-            <a:r>
-              <a:rPr lang="en-GB" sz="700" b="1" dirty="0" smtClean="0">
-                <a:solidFill>
-                  <a:schemeClr val="tx1"/>
-                </a:solidFill>
-              </a:rPr>
-              <a:t>SAF</a:t>
-            </a:r>
-            <a:endParaRPr lang="en-GB" b="1" dirty="0">
-              <a:solidFill>
-                <a:schemeClr val="tx1"/>
-              </a:solidFill>
-            </a:endParaRPr>
-          </a:p>
-        </p:txBody>
-      </p:sp>
     </p:spTree>
     <p:extLst>
       <p:ext uri="{BB962C8B-B14F-4D97-AF65-F5344CB8AC3E}">
@@ -9292,7 +8959,19 @@
               <a:pPr algn="ctr"/>
               <a:r>
                 <a:rPr lang="en-GB" sz="1600" b="1" dirty="0" smtClean="0"/>
-                <a:t>( 32 KW )</a:t>
+                <a:t>( </a:t>
+              </a:r>
+              <a:r>
+                <a:rPr lang="en-GB" sz="1600" b="1" dirty="0" smtClean="0"/>
+                <a:t>1 to 16</a:t>
+              </a:r>
+              <a:r>
+                <a:rPr lang="en-GB" sz="1600" b="1" dirty="0" smtClean="0"/>
+                <a:t> </a:t>
+              </a:r>
+              <a:r>
+                <a:rPr lang="en-GB" sz="1600" b="1" dirty="0" smtClean="0"/>
+                <a:t>KW )</a:t>
               </a:r>
             </a:p>
           </p:txBody>
@@ -9322,8 +9001,9 @@
               <a:pPr algn="ctr"/>
               <a:r>
                 <a:rPr lang="en-GB" sz="1600" b="1" dirty="0" smtClean="0"/>
-                <a:t>PIC18FxxQ24</a:t>
+                <a:t>PIC16Fxxxx</a:t>
               </a:r>
+              <a:endParaRPr lang="en-GB" sz="1600" b="1" dirty="0" smtClean="0"/>
             </a:p>
           </p:txBody>
         </p:sp>
@@ -9513,7 +9193,19 @@
               <a:pPr algn="ctr"/>
               <a:r>
                 <a:rPr lang="en-GB" sz="1600" b="1" dirty="0" smtClean="0"/>
-                <a:t>( 32 KW )</a:t>
+                <a:t>( </a:t>
+              </a:r>
+              <a:r>
+                <a:rPr lang="en-GB" sz="1600" b="1" dirty="0" smtClean="0"/>
+                <a:t>1 to 16</a:t>
+              </a:r>
+              <a:r>
+                <a:rPr lang="en-GB" sz="1600" b="1" dirty="0" smtClean="0"/>
+                <a:t> </a:t>
+              </a:r>
+              <a:r>
+                <a:rPr lang="en-GB" sz="1600" b="1" dirty="0" smtClean="0"/>
+                <a:t>KW )</a:t>
               </a:r>
             </a:p>
           </p:txBody>
@@ -9543,8 +9235,9 @@
               <a:pPr algn="ctr"/>
               <a:r>
                 <a:rPr lang="en-GB" sz="1600" b="1" dirty="0" smtClean="0"/>
-                <a:t>PIC18FxxQ24</a:t>
+                <a:t>PIC16Fxxxx</a:t>
               </a:r>
+              <a:endParaRPr lang="en-GB" sz="1600" b="1" dirty="0" smtClean="0"/>
             </a:p>
           </p:txBody>
         </p:sp>
@@ -10096,8 +9789,13 @@
               <a:pPr algn="ctr"/>
               <a:r>
                 <a:rPr lang="en-GB" sz="1600" b="1" dirty="0" smtClean="0"/>
-                <a:t>( 32 KW )</a:t>
+                <a:t>( </a:t>
               </a:r>
+              <a:r>
+                <a:rPr lang="en-GB" sz="1600" b="1" dirty="0" smtClean="0"/>
+                <a:t>1 to 16 KW)</a:t>
+              </a:r>
+              <a:endParaRPr lang="en-GB" sz="1600" b="1" dirty="0" smtClean="0"/>
             </a:p>
           </p:txBody>
         </p:sp>
@@ -10126,8 +9824,9 @@
               <a:pPr algn="ctr"/>
               <a:r>
                 <a:rPr lang="en-GB" sz="1600" b="1" dirty="0" smtClean="0"/>
-                <a:t>PIC18FxxQ24</a:t>
+                <a:t>PIC16Fxxxx</a:t>
               </a:r>
+              <a:endParaRPr lang="en-GB" sz="1600" b="1" dirty="0" smtClean="0"/>
             </a:p>
           </p:txBody>
         </p:sp>
@@ -10364,8 +10063,13 @@
               <a:pPr algn="ctr"/>
               <a:r>
                 <a:rPr lang="en-GB" sz="1600" b="1" dirty="0" smtClean="0"/>
-                <a:t>( 32 KW )</a:t>
+                <a:t>( </a:t>
               </a:r>
+              <a:r>
+                <a:rPr lang="en-GB" sz="1600" b="1" dirty="0" smtClean="0"/>
+                <a:t>1 to 16 KW)</a:t>
+              </a:r>
+              <a:endParaRPr lang="en-GB" sz="1600" b="1" dirty="0" smtClean="0"/>
             </a:p>
           </p:txBody>
         </p:sp>
@@ -10394,8 +10098,9 @@
               <a:pPr algn="ctr"/>
               <a:r>
                 <a:rPr lang="en-GB" sz="1600" b="1" dirty="0" smtClean="0"/>
-                <a:t>PIC18FxxQ24</a:t>
+                <a:t>PIC16Fxxxx</a:t>
               </a:r>
+              <a:endParaRPr lang="en-GB" sz="1600" b="1" dirty="0" smtClean="0"/>
             </a:p>
           </p:txBody>
         </p:sp>
@@ -10455,883 +10160,7 @@
             <p:ph type="title"/>
           </p:nvPr>
         </p:nvSpPr>
-        <p:spPr>
-          <a:xfrm>
-            <a:off x="179512" y="483518"/>
-            <a:ext cx="5400600" cy="432048"/>
-          </a:xfrm>
-        </p:spPr>
-        <p:txBody>
-          <a:bodyPr vert="horz" lIns="85064" tIns="42531" rIns="85064" bIns="42531" rtlCol="0" anchor="ctr">
-            <a:normAutofit fontScale="90000"/>
-          </a:bodyPr>
-          <a:lstStyle/>
-          <a:p>
-            <a:pPr algn="l"/>
-            <a:r>
-              <a:rPr lang="en-GB" dirty="0" smtClean="0"/>
-              <a:t>SAF</a:t>
-            </a:r>
-          </a:p>
-        </p:txBody>
-      </p:sp>
-      <p:sp>
-        <p:nvSpPr>
-          <p:cNvPr id="24" name="TextBox 23"/>
-          <p:cNvSpPr txBox="1"/>
-          <p:nvPr/>
-        </p:nvSpPr>
-        <p:spPr>
-          <a:xfrm>
-            <a:off x="328606" y="1529774"/>
-            <a:ext cx="2664296" cy="3377609"/>
-          </a:xfrm>
-          <a:prstGeom prst="rect">
-            <a:avLst/>
-          </a:prstGeom>
-          <a:solidFill>
-            <a:schemeClr val="bg1"/>
-          </a:solidFill>
-        </p:spPr>
-        <p:txBody>
-          <a:bodyPr vert="horz" lIns="85064" tIns="42531" rIns="85064" bIns="42531" rtlCol="0">
-            <a:noAutofit/>
-          </a:bodyPr>
-          <a:lstStyle/>
-          <a:p>
-            <a:pPr marL="318988" indent="-318988">
-              <a:spcBef>
-                <a:spcPct val="20000"/>
-              </a:spcBef>
-              <a:buFont typeface="Arial" pitchFamily="34" charset="0"/>
-              <a:buChar char="•"/>
-            </a:pPr>
-            <a:r>
-              <a:rPr lang="en-ZA" sz="1800" b="1" dirty="0" smtClean="0">
-                <a:solidFill>
-                  <a:srgbClr val="FF0000"/>
-                </a:solidFill>
-              </a:rPr>
-              <a:t>SAF usage</a:t>
-            </a:r>
-          </a:p>
-          <a:p>
-            <a:pPr marL="744306" lvl="1" indent="-318988">
-              <a:spcBef>
-                <a:spcPct val="20000"/>
-              </a:spcBef>
-              <a:buFont typeface="Arial" pitchFamily="34" charset="0"/>
-              <a:buChar char="•"/>
-            </a:pPr>
-            <a:r>
-              <a:rPr lang="en-ZA" sz="1800" dirty="0" smtClean="0"/>
-              <a:t>Reference data</a:t>
-            </a:r>
-          </a:p>
-          <a:p>
-            <a:pPr marL="744306" lvl="1" indent="-318988">
-              <a:spcBef>
-                <a:spcPct val="20000"/>
-              </a:spcBef>
-              <a:buFont typeface="Arial" pitchFamily="34" charset="0"/>
-              <a:buChar char="•"/>
-            </a:pPr>
-            <a:endParaRPr lang="en-ZA" sz="1800" dirty="0" smtClean="0"/>
-          </a:p>
-          <a:p>
-            <a:pPr marL="744306" lvl="1" indent="-318988">
-              <a:spcBef>
-                <a:spcPct val="20000"/>
-              </a:spcBef>
-              <a:buFont typeface="Arial" pitchFamily="34" charset="0"/>
-              <a:buChar char="•"/>
-            </a:pPr>
-            <a:r>
-              <a:rPr lang="en-ZA" sz="1800" dirty="0" smtClean="0"/>
-              <a:t>Must not be overwritten by user program – you MUST adjust program to </a:t>
-            </a:r>
-            <a:r>
-              <a:rPr lang="en-ZA" sz="1800" b="1" dirty="0" smtClean="0"/>
-              <a:t>NOT</a:t>
-            </a:r>
-            <a:r>
-              <a:rPr lang="en-ZA" sz="1800" dirty="0" smtClean="0"/>
-              <a:t> use SAF block</a:t>
-            </a:r>
-          </a:p>
-          <a:p>
-            <a:pPr marL="318988" indent="-318988">
-              <a:spcBef>
-                <a:spcPct val="20000"/>
-              </a:spcBef>
-              <a:buFont typeface="Arial" pitchFamily="34" charset="0"/>
-              <a:buChar char="•"/>
-            </a:pPr>
-            <a:r>
-              <a:rPr lang="en-ZA" sz="1800" dirty="0" smtClean="0"/>
-              <a:t>Uses SAF offset addressing</a:t>
-            </a:r>
-          </a:p>
-          <a:p>
-            <a:pPr marL="318988" indent="-318988">
-              <a:spcBef>
-                <a:spcPct val="20000"/>
-              </a:spcBef>
-              <a:buFont typeface="Arial" pitchFamily="34" charset="0"/>
-              <a:buChar char="•"/>
-            </a:pPr>
-            <a:endParaRPr lang="en-ZA" sz="1800" dirty="0" smtClean="0"/>
-          </a:p>
-          <a:p>
-            <a:pPr marL="318988" indent="-318988">
-              <a:spcBef>
-                <a:spcPct val="20000"/>
-              </a:spcBef>
-              <a:buFont typeface="Arial" pitchFamily="34" charset="0"/>
-              <a:buChar char="•"/>
-            </a:pPr>
-            <a:endParaRPr lang="en-GB" sz="1800" dirty="0" smtClean="0"/>
-          </a:p>
-        </p:txBody>
-      </p:sp>
-      <p:sp>
-        <p:nvSpPr>
-          <p:cNvPr id="17" name="TextBox 16"/>
-          <p:cNvSpPr txBox="1"/>
-          <p:nvPr/>
-        </p:nvSpPr>
-        <p:spPr>
-          <a:xfrm>
-            <a:off x="5708744" y="2571750"/>
-            <a:ext cx="375424" cy="353943"/>
-          </a:xfrm>
-          <a:prstGeom prst="rect">
-            <a:avLst/>
-          </a:prstGeom>
-          <a:noFill/>
-        </p:spPr>
-        <p:txBody>
-          <a:bodyPr wrap="none" rtlCol="0">
-            <a:spAutoFit/>
-          </a:bodyPr>
-          <a:lstStyle/>
-          <a:p>
-            <a:r>
-              <a:rPr lang="en-ZA" dirty="0" smtClean="0"/>
-              <a:t>or</a:t>
-            </a:r>
-            <a:endParaRPr lang="en-GB" dirty="0"/>
-          </a:p>
-        </p:txBody>
-      </p:sp>
-      <p:grpSp>
-        <p:nvGrpSpPr>
-          <p:cNvPr id="27" name="Group 26"/>
-          <p:cNvGrpSpPr/>
-          <p:nvPr/>
-        </p:nvGrpSpPr>
-        <p:grpSpPr>
-          <a:xfrm>
-            <a:off x="6162809" y="1199763"/>
-            <a:ext cx="2784353" cy="2956163"/>
-            <a:chOff x="6156176" y="991321"/>
-            <a:chExt cx="2784353" cy="2956163"/>
-          </a:xfrm>
-        </p:grpSpPr>
-        <p:sp>
-          <p:nvSpPr>
-            <p:cNvPr id="28" name="Rectangle 27"/>
-            <p:cNvSpPr/>
-            <p:nvPr/>
-          </p:nvSpPr>
-          <p:spPr>
-            <a:xfrm>
-              <a:off x="6156176" y="1059582"/>
-              <a:ext cx="2760474" cy="2880320"/>
-            </a:xfrm>
-            <a:prstGeom prst="rect">
-              <a:avLst/>
-            </a:prstGeom>
-            <a:solidFill>
-              <a:schemeClr val="bg1"/>
-            </a:solidFill>
-          </p:spPr>
-          <p:style>
-            <a:lnRef idx="2">
-              <a:schemeClr val="accent1">
-                <a:shade val="50000"/>
-              </a:schemeClr>
-            </a:lnRef>
-            <a:fillRef idx="1">
-              <a:schemeClr val="accent1"/>
-            </a:fillRef>
-            <a:effectRef idx="0">
-              <a:schemeClr val="accent1"/>
-            </a:effectRef>
-            <a:fontRef idx="minor">
-              <a:schemeClr val="lt1"/>
-            </a:fontRef>
-          </p:style>
-          <p:txBody>
-            <a:bodyPr rtlCol="0" anchor="ctr"/>
-            <a:lstStyle/>
-            <a:p>
-              <a:pPr algn="ctr"/>
-              <a:endParaRPr lang="en-GB"/>
-            </a:p>
-          </p:txBody>
-        </p:sp>
-        <p:sp>
-          <p:nvSpPr>
-            <p:cNvPr id="29" name="Rectangle 28"/>
-            <p:cNvSpPr/>
-            <p:nvPr/>
-          </p:nvSpPr>
-          <p:spPr>
-            <a:xfrm>
-              <a:off x="6156176" y="2875996"/>
-              <a:ext cx="2760474" cy="711448"/>
-            </a:xfrm>
-            <a:prstGeom prst="rect">
-              <a:avLst/>
-            </a:prstGeom>
-          </p:spPr>
-          <p:style>
-            <a:lnRef idx="2">
-              <a:schemeClr val="accent1">
-                <a:shade val="50000"/>
-              </a:schemeClr>
-            </a:lnRef>
-            <a:fillRef idx="1">
-              <a:schemeClr val="accent1"/>
-            </a:fillRef>
-            <a:effectRef idx="0">
-              <a:schemeClr val="accent1"/>
-            </a:effectRef>
-            <a:fontRef idx="minor">
-              <a:schemeClr val="lt1"/>
-            </a:fontRef>
-          </p:style>
-          <p:txBody>
-            <a:bodyPr rtlCol="0" anchor="ctr"/>
-            <a:lstStyle/>
-            <a:p>
-              <a:pPr algn="ctr"/>
-              <a:r>
-                <a:rPr lang="en-ZA" dirty="0" smtClean="0"/>
-                <a:t>Program</a:t>
-              </a:r>
-              <a:endParaRPr lang="en-GB" dirty="0"/>
-            </a:p>
-          </p:txBody>
-        </p:sp>
-        <p:sp>
-          <p:nvSpPr>
-            <p:cNvPr id="30" name="Rectangle 29"/>
-            <p:cNvSpPr/>
-            <p:nvPr/>
-          </p:nvSpPr>
-          <p:spPr>
-            <a:xfrm>
-              <a:off x="6156176" y="3587444"/>
-              <a:ext cx="2760474" cy="360040"/>
-            </a:xfrm>
-            <a:prstGeom prst="rect">
-              <a:avLst/>
-            </a:prstGeom>
-            <a:solidFill>
-              <a:srgbClr val="FF0000"/>
-            </a:solidFill>
-          </p:spPr>
-          <p:style>
-            <a:lnRef idx="2">
-              <a:schemeClr val="accent1">
-                <a:shade val="50000"/>
-              </a:schemeClr>
-            </a:lnRef>
-            <a:fillRef idx="1">
-              <a:schemeClr val="accent1"/>
-            </a:fillRef>
-            <a:effectRef idx="0">
-              <a:schemeClr val="accent1"/>
-            </a:effectRef>
-            <a:fontRef idx="minor">
-              <a:schemeClr val="lt1"/>
-            </a:fontRef>
-          </p:style>
-          <p:txBody>
-            <a:bodyPr rtlCol="0" anchor="ctr"/>
-            <a:lstStyle/>
-            <a:p>
-              <a:pPr algn="ctr"/>
-              <a:r>
-                <a:rPr lang="en-ZA" dirty="0" smtClean="0"/>
-                <a:t>SAF Data</a:t>
-              </a:r>
-              <a:endParaRPr lang="en-GB" dirty="0"/>
-            </a:p>
-          </p:txBody>
-        </p:sp>
-        <p:sp>
-          <p:nvSpPr>
-            <p:cNvPr id="31" name="Rectangle 30"/>
-            <p:cNvSpPr/>
-            <p:nvPr/>
-          </p:nvSpPr>
-          <p:spPr>
-            <a:xfrm>
-              <a:off x="6156176" y="1347614"/>
-              <a:ext cx="329580" cy="114548"/>
-            </a:xfrm>
-            <a:prstGeom prst="rect">
-              <a:avLst/>
-            </a:prstGeom>
-          </p:spPr>
-          <p:style>
-            <a:lnRef idx="2">
-              <a:schemeClr val="accent1">
-                <a:shade val="50000"/>
-              </a:schemeClr>
-            </a:lnRef>
-            <a:fillRef idx="1">
-              <a:schemeClr val="accent1"/>
-            </a:fillRef>
-            <a:effectRef idx="0">
-              <a:schemeClr val="accent1"/>
-            </a:effectRef>
-            <a:fontRef idx="minor">
-              <a:schemeClr val="lt1"/>
-            </a:fontRef>
-          </p:style>
-          <p:txBody>
-            <a:bodyPr rtlCol="0" anchor="ctr"/>
-            <a:lstStyle/>
-            <a:p>
-              <a:pPr algn="ctr"/>
-              <a:endParaRPr lang="en-GB" dirty="0"/>
-            </a:p>
-          </p:txBody>
-        </p:sp>
-        <p:sp>
-          <p:nvSpPr>
-            <p:cNvPr id="32" name="Rectangle 31"/>
-            <p:cNvSpPr/>
-            <p:nvPr/>
-          </p:nvSpPr>
-          <p:spPr>
-            <a:xfrm>
-              <a:off x="6156176" y="991321"/>
-              <a:ext cx="2784353" cy="2948581"/>
-            </a:xfrm>
-            <a:prstGeom prst="rect">
-              <a:avLst/>
-            </a:prstGeom>
-            <a:noFill/>
-            <a:ln w="38100">
-              <a:noFill/>
-            </a:ln>
-          </p:spPr>
-          <p:style>
-            <a:lnRef idx="2">
-              <a:schemeClr val="accent1">
-                <a:shade val="50000"/>
-              </a:schemeClr>
-            </a:lnRef>
-            <a:fillRef idx="1">
-              <a:schemeClr val="accent1"/>
-            </a:fillRef>
-            <a:effectRef idx="0">
-              <a:schemeClr val="accent1"/>
-            </a:effectRef>
-            <a:fontRef idx="minor">
-              <a:schemeClr val="lt1"/>
-            </a:fontRef>
-          </p:style>
-          <p:txBody>
-            <a:bodyPr rtlCol="0" anchor="ctr"/>
-            <a:lstStyle/>
-            <a:p>
-              <a:pPr algn="ctr"/>
-              <a:endParaRPr lang="en-GB"/>
-            </a:p>
-          </p:txBody>
-        </p:sp>
-        <p:sp>
-          <p:nvSpPr>
-            <p:cNvPr id="33" name="TextBox 32"/>
-            <p:cNvSpPr txBox="1"/>
-            <p:nvPr/>
-          </p:nvSpPr>
-          <p:spPr>
-            <a:xfrm>
-              <a:off x="6732242" y="2044496"/>
-              <a:ext cx="1872206" cy="830997"/>
-            </a:xfrm>
-            <a:prstGeom prst="rect">
-              <a:avLst/>
-            </a:prstGeom>
-            <a:noFill/>
-          </p:spPr>
-          <p:txBody>
-            <a:bodyPr wrap="square" rtlCol="0">
-              <a:spAutoFit/>
-            </a:bodyPr>
-            <a:lstStyle/>
-            <a:p>
-              <a:pPr algn="ctr"/>
-              <a:r>
-                <a:rPr lang="en-GB" sz="1600" b="1" dirty="0" smtClean="0"/>
-                <a:t>Program Flash</a:t>
-              </a:r>
-              <a:r>
-                <a:rPr lang="en-GB" sz="1600" b="1" dirty="0"/>
-                <a:t> </a:t>
-              </a:r>
-              <a:r>
-                <a:rPr lang="en-GB" sz="1600" b="1" dirty="0" smtClean="0"/>
-                <a:t>Memory</a:t>
-              </a:r>
-            </a:p>
-            <a:p>
-              <a:pPr algn="ctr"/>
-              <a:r>
-                <a:rPr lang="en-GB" sz="1600" b="1" dirty="0" smtClean="0"/>
-                <a:t>( 32 KW )</a:t>
-              </a:r>
-            </a:p>
-          </p:txBody>
-        </p:sp>
-        <p:sp>
-          <p:nvSpPr>
-            <p:cNvPr id="34" name="TextBox 33"/>
-            <p:cNvSpPr txBox="1"/>
-            <p:nvPr/>
-          </p:nvSpPr>
-          <p:spPr>
-            <a:xfrm>
-              <a:off x="6612249" y="1015311"/>
-              <a:ext cx="1872206" cy="338554"/>
-            </a:xfrm>
-            <a:prstGeom prst="rect">
-              <a:avLst/>
-            </a:prstGeom>
-            <a:noFill/>
-          </p:spPr>
-          <p:txBody>
-            <a:bodyPr wrap="square" rtlCol="0">
-              <a:spAutoFit/>
-            </a:bodyPr>
-            <a:lstStyle/>
-            <a:p>
-              <a:pPr algn="ctr"/>
-              <a:r>
-                <a:rPr lang="en-GB" sz="1600" b="1" dirty="0" smtClean="0"/>
-                <a:t>PIC18FxxQ24</a:t>
-              </a:r>
-            </a:p>
-          </p:txBody>
-        </p:sp>
-      </p:grpSp>
-      <p:grpSp>
-        <p:nvGrpSpPr>
-          <p:cNvPr id="35" name="Group 34"/>
-          <p:cNvGrpSpPr/>
-          <p:nvPr/>
-        </p:nvGrpSpPr>
-        <p:grpSpPr>
-          <a:xfrm>
-            <a:off x="2923438" y="1167231"/>
-            <a:ext cx="2784353" cy="2948581"/>
-            <a:chOff x="2923438" y="1167231"/>
-            <a:chExt cx="2784353" cy="2948581"/>
-          </a:xfrm>
-        </p:grpSpPr>
-        <p:sp>
-          <p:nvSpPr>
-            <p:cNvPr id="36" name="Rectangle 35"/>
-            <p:cNvSpPr/>
-            <p:nvPr/>
-          </p:nvSpPr>
-          <p:spPr>
-            <a:xfrm>
-              <a:off x="2923438" y="1235492"/>
-              <a:ext cx="2760474" cy="2880320"/>
-            </a:xfrm>
-            <a:prstGeom prst="rect">
-              <a:avLst/>
-            </a:prstGeom>
-            <a:solidFill>
-              <a:schemeClr val="bg1"/>
-            </a:solidFill>
-          </p:spPr>
-          <p:style>
-            <a:lnRef idx="2">
-              <a:schemeClr val="accent1">
-                <a:shade val="50000"/>
-              </a:schemeClr>
-            </a:lnRef>
-            <a:fillRef idx="1">
-              <a:schemeClr val="accent1"/>
-            </a:fillRef>
-            <a:effectRef idx="0">
-              <a:schemeClr val="accent1"/>
-            </a:effectRef>
-            <a:fontRef idx="minor">
-              <a:schemeClr val="lt1"/>
-            </a:fontRef>
-          </p:style>
-          <p:txBody>
-            <a:bodyPr rtlCol="0" anchor="ctr"/>
-            <a:lstStyle/>
-            <a:p>
-              <a:pPr algn="ctr"/>
-              <a:endParaRPr lang="en-GB"/>
-            </a:p>
-          </p:txBody>
-        </p:sp>
-        <p:sp>
-          <p:nvSpPr>
-            <p:cNvPr id="37" name="Rectangle 36"/>
-            <p:cNvSpPr/>
-            <p:nvPr/>
-          </p:nvSpPr>
-          <p:spPr>
-            <a:xfrm>
-              <a:off x="2925344" y="1591785"/>
-              <a:ext cx="2760474" cy="628621"/>
-            </a:xfrm>
-            <a:prstGeom prst="rect">
-              <a:avLst/>
-            </a:prstGeom>
-          </p:spPr>
-          <p:style>
-            <a:lnRef idx="2">
-              <a:schemeClr val="accent1">
-                <a:shade val="50000"/>
-              </a:schemeClr>
-            </a:lnRef>
-            <a:fillRef idx="1">
-              <a:schemeClr val="accent1"/>
-            </a:fillRef>
-            <a:effectRef idx="0">
-              <a:schemeClr val="accent1"/>
-            </a:effectRef>
-            <a:fontRef idx="minor">
-              <a:schemeClr val="lt1"/>
-            </a:fontRef>
-          </p:style>
-          <p:txBody>
-            <a:bodyPr rtlCol="0" anchor="ctr"/>
-            <a:lstStyle/>
-            <a:p>
-              <a:pPr algn="ctr"/>
-              <a:r>
-                <a:rPr lang="en-ZA" dirty="0" smtClean="0"/>
-                <a:t>Program</a:t>
-              </a:r>
-              <a:endParaRPr lang="en-GB" dirty="0"/>
-            </a:p>
-          </p:txBody>
-        </p:sp>
-        <p:sp>
-          <p:nvSpPr>
-            <p:cNvPr id="38" name="Rectangle 37"/>
-            <p:cNvSpPr/>
-            <p:nvPr/>
-          </p:nvSpPr>
-          <p:spPr>
-            <a:xfrm>
-              <a:off x="2923438" y="3755772"/>
-              <a:ext cx="2750386" cy="360040"/>
-            </a:xfrm>
-            <a:prstGeom prst="rect">
-              <a:avLst/>
-            </a:prstGeom>
-            <a:solidFill>
-              <a:srgbClr val="FF0000"/>
-            </a:solidFill>
-          </p:spPr>
-          <p:style>
-            <a:lnRef idx="2">
-              <a:schemeClr val="accent1">
-                <a:shade val="50000"/>
-              </a:schemeClr>
-            </a:lnRef>
-            <a:fillRef idx="1">
-              <a:schemeClr val="accent1"/>
-            </a:fillRef>
-            <a:effectRef idx="0">
-              <a:schemeClr val="accent1"/>
-            </a:effectRef>
-            <a:fontRef idx="minor">
-              <a:schemeClr val="lt1"/>
-            </a:fontRef>
-          </p:style>
-          <p:txBody>
-            <a:bodyPr rtlCol="0" anchor="ctr"/>
-            <a:lstStyle/>
-            <a:p>
-              <a:pPr algn="ctr"/>
-              <a:r>
-                <a:rPr lang="en-ZA" dirty="0" smtClean="0"/>
-                <a:t>SAF Data</a:t>
-              </a:r>
-              <a:endParaRPr lang="en-GB" dirty="0"/>
-            </a:p>
-          </p:txBody>
-        </p:sp>
-        <p:sp>
-          <p:nvSpPr>
-            <p:cNvPr id="39" name="Rectangle 38"/>
-            <p:cNvSpPr/>
-            <p:nvPr/>
-          </p:nvSpPr>
-          <p:spPr>
-            <a:xfrm>
-              <a:off x="2923438" y="1167231"/>
-              <a:ext cx="2784353" cy="2948581"/>
-            </a:xfrm>
-            <a:prstGeom prst="rect">
-              <a:avLst/>
-            </a:prstGeom>
-            <a:noFill/>
-            <a:ln w="38100">
-              <a:noFill/>
-            </a:ln>
-          </p:spPr>
-          <p:style>
-            <a:lnRef idx="2">
-              <a:schemeClr val="accent1">
-                <a:shade val="50000"/>
-              </a:schemeClr>
-            </a:lnRef>
-            <a:fillRef idx="1">
-              <a:schemeClr val="accent1"/>
-            </a:fillRef>
-            <a:effectRef idx="0">
-              <a:schemeClr val="accent1"/>
-            </a:effectRef>
-            <a:fontRef idx="minor">
-              <a:schemeClr val="lt1"/>
-            </a:fontRef>
-          </p:style>
-          <p:txBody>
-            <a:bodyPr rtlCol="0" anchor="ctr"/>
-            <a:lstStyle/>
-            <a:p>
-              <a:pPr algn="ctr"/>
-              <a:endParaRPr lang="en-GB"/>
-            </a:p>
-          </p:txBody>
-        </p:sp>
-        <p:sp>
-          <p:nvSpPr>
-            <p:cNvPr id="40" name="TextBox 39"/>
-            <p:cNvSpPr txBox="1"/>
-            <p:nvPr/>
-          </p:nvSpPr>
-          <p:spPr>
-            <a:xfrm>
-              <a:off x="3499504" y="2220406"/>
-              <a:ext cx="1872206" cy="830997"/>
-            </a:xfrm>
-            <a:prstGeom prst="rect">
-              <a:avLst/>
-            </a:prstGeom>
-            <a:noFill/>
-          </p:spPr>
-          <p:txBody>
-            <a:bodyPr wrap="square" rtlCol="0">
-              <a:spAutoFit/>
-            </a:bodyPr>
-            <a:lstStyle/>
-            <a:p>
-              <a:pPr algn="ctr"/>
-              <a:r>
-                <a:rPr lang="en-GB" sz="1600" b="1" dirty="0" smtClean="0"/>
-                <a:t>Program Flash</a:t>
-              </a:r>
-              <a:r>
-                <a:rPr lang="en-GB" sz="1600" b="1" dirty="0"/>
-                <a:t> </a:t>
-              </a:r>
-              <a:r>
-                <a:rPr lang="en-GB" sz="1600" b="1" dirty="0" smtClean="0"/>
-                <a:t>Memory</a:t>
-              </a:r>
-            </a:p>
-            <a:p>
-              <a:pPr algn="ctr"/>
-              <a:r>
-                <a:rPr lang="en-GB" sz="1600" b="1" dirty="0" smtClean="0"/>
-                <a:t>( 32 KW )</a:t>
-              </a:r>
-            </a:p>
-          </p:txBody>
-        </p:sp>
-        <p:sp>
-          <p:nvSpPr>
-            <p:cNvPr id="41" name="TextBox 40"/>
-            <p:cNvSpPr txBox="1"/>
-            <p:nvPr/>
-          </p:nvSpPr>
-          <p:spPr>
-            <a:xfrm>
-              <a:off x="3379511" y="1191221"/>
-              <a:ext cx="1872206" cy="338554"/>
-            </a:xfrm>
-            <a:prstGeom prst="rect">
-              <a:avLst/>
-            </a:prstGeom>
-            <a:noFill/>
-          </p:spPr>
-          <p:txBody>
-            <a:bodyPr wrap="square" rtlCol="0">
-              <a:spAutoFit/>
-            </a:bodyPr>
-            <a:lstStyle/>
-            <a:p>
-              <a:pPr algn="ctr"/>
-              <a:r>
-                <a:rPr lang="en-GB" sz="1600" b="1" dirty="0" smtClean="0"/>
-                <a:t>PIC18FxxQ24</a:t>
-              </a:r>
-            </a:p>
-          </p:txBody>
-        </p:sp>
-      </p:grpSp>
-      <p:sp>
-        <p:nvSpPr>
-          <p:cNvPr id="3" name="Rectangle 2"/>
-          <p:cNvSpPr/>
-          <p:nvPr/>
-        </p:nvSpPr>
-        <p:spPr>
-          <a:xfrm>
-            <a:off x="3528392" y="4227934"/>
-            <a:ext cx="4572000" cy="877163"/>
-          </a:xfrm>
-          <a:prstGeom prst="rect">
-            <a:avLst/>
-          </a:prstGeom>
-          <a:solidFill>
-            <a:schemeClr val="bg1"/>
-          </a:solidFill>
-          <a:ln>
-            <a:solidFill>
-              <a:schemeClr val="tx1"/>
-            </a:solidFill>
-          </a:ln>
-        </p:spPr>
-        <p:txBody>
-          <a:bodyPr>
-            <a:spAutoFit/>
-          </a:bodyPr>
-          <a:lstStyle/>
-          <a:p>
-            <a:pPr algn="ctr"/>
-            <a:r>
-              <a:rPr lang="en-GB" dirty="0" smtClean="0"/>
-              <a:t>SAF is </a:t>
-            </a:r>
-            <a:r>
-              <a:rPr lang="en-GB" dirty="0"/>
-              <a:t>designated for storing non-volatile data and can be protected to ensure data integrity and security.</a:t>
-            </a:r>
-          </a:p>
-        </p:txBody>
-      </p:sp>
-      <p:cxnSp>
-        <p:nvCxnSpPr>
-          <p:cNvPr id="5" name="Straight Connector 4"/>
-          <p:cNvCxnSpPr/>
-          <p:nvPr/>
-        </p:nvCxnSpPr>
-        <p:spPr>
-          <a:xfrm flipV="1">
-            <a:off x="6162809" y="1548473"/>
-            <a:ext cx="2760474" cy="7583"/>
-          </a:xfrm>
-          <a:prstGeom prst="line">
-            <a:avLst/>
-          </a:prstGeom>
-        </p:spPr>
-        <p:style>
-          <a:lnRef idx="1">
-            <a:schemeClr val="accent1"/>
-          </a:lnRef>
-          <a:fillRef idx="0">
-            <a:schemeClr val="accent1"/>
-          </a:fillRef>
-          <a:effectRef idx="0">
-            <a:schemeClr val="accent1"/>
-          </a:effectRef>
-          <a:fontRef idx="minor">
-            <a:schemeClr val="tx1"/>
-          </a:fontRef>
-        </p:style>
-      </p:cxnSp>
-    </p:spTree>
-    <p:extLst>
-      <p:ext uri="{BB962C8B-B14F-4D97-AF65-F5344CB8AC3E}">
-        <p14:creationId xmlns:p14="http://schemas.microsoft.com/office/powerpoint/2010/main" val="2939141204"/>
-      </p:ext>
-    </p:extLst>
-  </p:cSld>
-  <p:clrMapOvr>
-    <a:masterClrMapping/>
-  </p:clrMapOvr>
-  <mc:AlternateContent xmlns:mc="http://schemas.openxmlformats.org/markup-compatibility/2006" xmlns:p14="http://schemas.microsoft.com/office/powerpoint/2010/main">
-    <mc:Choice Requires="p14">
-      <p:transition spd="slow" p14:dur="2000" advClick="0"/>
-    </mc:Choice>
-    <mc:Fallback xmlns="">
-      <p:transition spd="slow" advClick="0"/>
-    </mc:Fallback>
-  </mc:AlternateContent>
-  <p:timing>
-    <p:tnLst>
-      <p:par>
-        <p:cTn id="1" dur="indefinite" restart="never" nodeType="tmRoot"/>
-      </p:par>
-    </p:tnLst>
-  </p:timing>
-</p:sld>
-</file>
-
-<file path=ppt/slides/slide14.xml><?xml version="1.0" encoding="utf-8"?>
-<p:sld xmlns:a="http://schemas.openxmlformats.org/drawingml/2006/main" xmlns:r="http://schemas.openxmlformats.org/officeDocument/2006/relationships" xmlns:p="http://schemas.openxmlformats.org/presentationml/2006/main">
-  <p:cSld>
-    <p:spTree>
-      <p:nvGrpSpPr>
-        <p:cNvPr id="1" name=""/>
-        <p:cNvGrpSpPr/>
-        <p:nvPr/>
-      </p:nvGrpSpPr>
-      <p:grpSpPr>
-        <a:xfrm>
-          <a:off x="0" y="0"/>
-          <a:ext cx="0" cy="0"/>
-          <a:chOff x="0" y="0"/>
-          <a:chExt cx="0" cy="0"/>
-        </a:xfrm>
-      </p:grpSpPr>
-      <p:sp>
-        <p:nvSpPr>
-          <p:cNvPr id="2" name="Title 1"/>
-          <p:cNvSpPr>
-            <a:spLocks noGrp="1"/>
-          </p:cNvSpPr>
-          <p:nvPr>
-            <p:ph type="title"/>
-          </p:nvPr>
-        </p:nvSpPr>
-        <p:spPr>
-          <a:xfrm>
-            <a:off x="179512" y="483518"/>
-            <a:ext cx="5400600" cy="535434"/>
-          </a:xfrm>
-        </p:spPr>
+        <p:spPr/>
         <p:txBody>
           <a:bodyPr vert="horz" lIns="85064" tIns="42531" rIns="85064" bIns="42531" rtlCol="0" anchor="t">
             <a:normAutofit/>
@@ -11341,934 +10170,8 @@
             <a:pPr algn="l"/>
             <a:r>
               <a:rPr lang="en-GB" dirty="0" smtClean="0"/>
-              <a:t>Progmem</a:t>
-            </a:r>
-          </a:p>
-        </p:txBody>
-      </p:sp>
-      <p:sp>
-        <p:nvSpPr>
-          <p:cNvPr id="22" name="TextBox 21"/>
-          <p:cNvSpPr txBox="1"/>
-          <p:nvPr/>
-        </p:nvSpPr>
-        <p:spPr>
-          <a:xfrm>
-            <a:off x="5708744" y="2649855"/>
-            <a:ext cx="375424" cy="353943"/>
-          </a:xfrm>
-          <a:prstGeom prst="rect">
-            <a:avLst/>
-          </a:prstGeom>
-          <a:noFill/>
-        </p:spPr>
-        <p:txBody>
-          <a:bodyPr wrap="none" rtlCol="0">
-            <a:spAutoFit/>
-          </a:bodyPr>
-          <a:lstStyle/>
-          <a:p>
-            <a:r>
-              <a:rPr lang="en-ZA" dirty="0" smtClean="0"/>
-              <a:t>or</a:t>
-            </a:r>
-            <a:endParaRPr lang="en-GB" dirty="0"/>
-          </a:p>
-        </p:txBody>
-      </p:sp>
-      <p:sp>
-        <p:nvSpPr>
-          <p:cNvPr id="24" name="TextBox 23"/>
-          <p:cNvSpPr txBox="1"/>
-          <p:nvPr/>
-        </p:nvSpPr>
-        <p:spPr>
-          <a:xfrm>
-            <a:off x="323528" y="1558301"/>
-            <a:ext cx="2664296" cy="1008112"/>
-          </a:xfrm>
-          <a:prstGeom prst="rect">
-            <a:avLst/>
-          </a:prstGeom>
-        </p:spPr>
-        <p:txBody>
-          <a:bodyPr vert="horz" lIns="85064" tIns="42531" rIns="85064" bIns="42531" rtlCol="0">
-            <a:noAutofit/>
-          </a:bodyPr>
-          <a:lstStyle/>
-          <a:p>
-            <a:pPr marL="318988" indent="-318988">
-              <a:spcBef>
-                <a:spcPct val="20000"/>
-              </a:spcBef>
-              <a:buFont typeface="Arial" pitchFamily="34" charset="0"/>
-              <a:buChar char="•"/>
-            </a:pPr>
-            <a:r>
-              <a:rPr lang="en-ZA" sz="1800" b="1" dirty="0" err="1" smtClean="0">
-                <a:solidFill>
-                  <a:srgbClr val="FF0000"/>
-                </a:solidFill>
-              </a:rPr>
-              <a:t>Progmem</a:t>
-            </a:r>
-            <a:r>
-              <a:rPr lang="en-ZA" sz="1800" b="1" dirty="0" smtClean="0">
-                <a:solidFill>
-                  <a:srgbClr val="FF0000"/>
-                </a:solidFill>
-              </a:rPr>
-              <a:t> usage</a:t>
-            </a:r>
-          </a:p>
-          <a:p>
-            <a:pPr marL="744306" lvl="1" indent="-318988">
-              <a:spcBef>
-                <a:spcPct val="20000"/>
-              </a:spcBef>
-              <a:buFont typeface="Arial" pitchFamily="34" charset="0"/>
-              <a:buChar char="•"/>
-            </a:pPr>
-            <a:r>
-              <a:rPr lang="en-ZA" sz="1600" dirty="0" smtClean="0"/>
-              <a:t>Your program</a:t>
-            </a:r>
-          </a:p>
-          <a:p>
-            <a:pPr marL="744306" lvl="1" indent="-318988">
-              <a:spcBef>
-                <a:spcPct val="20000"/>
-              </a:spcBef>
-            </a:pPr>
-            <a:r>
-              <a:rPr lang="en-ZA" sz="1600" dirty="0" smtClean="0"/>
-              <a:t>and/or</a:t>
-            </a:r>
-          </a:p>
-          <a:p>
-            <a:pPr marL="744306" lvl="1" indent="-318988">
-              <a:spcBef>
-                <a:spcPct val="20000"/>
-              </a:spcBef>
-              <a:buFont typeface="Arial" pitchFamily="34" charset="0"/>
-              <a:buChar char="•"/>
-            </a:pPr>
-            <a:r>
-              <a:rPr lang="en-ZA" sz="1600" dirty="0" smtClean="0"/>
-              <a:t>Reference data</a:t>
-            </a:r>
-          </a:p>
-          <a:p>
-            <a:pPr marL="744306" lvl="1" indent="-318988">
-              <a:spcBef>
-                <a:spcPct val="20000"/>
-              </a:spcBef>
-              <a:buFont typeface="Arial" pitchFamily="34" charset="0"/>
-              <a:buChar char="•"/>
-            </a:pPr>
-            <a:r>
-              <a:rPr lang="en-ZA" sz="1600" dirty="0" smtClean="0"/>
-              <a:t>Pictures</a:t>
-            </a:r>
-          </a:p>
-          <a:p>
-            <a:pPr marL="318988" indent="-318988">
-              <a:spcBef>
-                <a:spcPct val="20000"/>
-              </a:spcBef>
-              <a:buFont typeface="Arial" pitchFamily="34" charset="0"/>
-              <a:buChar char="•"/>
-            </a:pPr>
-            <a:endParaRPr lang="en-ZA" sz="1600" dirty="0"/>
-          </a:p>
-          <a:p>
-            <a:pPr marL="318988" indent="-318988">
-              <a:spcBef>
-                <a:spcPct val="20000"/>
-              </a:spcBef>
-              <a:buFont typeface="Arial" pitchFamily="34" charset="0"/>
-              <a:buChar char="•"/>
-            </a:pPr>
-            <a:r>
-              <a:rPr lang="en-ZA" sz="1800" dirty="0" smtClean="0"/>
-              <a:t>Uses PFM direct addressing</a:t>
-            </a:r>
-          </a:p>
-          <a:p>
-            <a:pPr marL="744306" lvl="1" indent="-318988">
-              <a:spcBef>
-                <a:spcPct val="20000"/>
-              </a:spcBef>
-              <a:buFont typeface="Arial" pitchFamily="34" charset="0"/>
-              <a:buChar char="•"/>
-            </a:pPr>
-            <a:endParaRPr lang="en-ZA" sz="1800" dirty="0" smtClean="0"/>
-          </a:p>
-          <a:p>
-            <a:pPr marL="318988" indent="-318988">
-              <a:spcBef>
-                <a:spcPct val="20000"/>
-              </a:spcBef>
-              <a:buFont typeface="Arial" pitchFamily="34" charset="0"/>
-              <a:buChar char="•"/>
-            </a:pPr>
-            <a:endParaRPr lang="en-GB" sz="1800" dirty="0" smtClean="0"/>
-          </a:p>
-        </p:txBody>
-      </p:sp>
-      <p:grpSp>
-        <p:nvGrpSpPr>
-          <p:cNvPr id="7" name="Group 6"/>
-          <p:cNvGrpSpPr/>
-          <p:nvPr/>
-        </p:nvGrpSpPr>
-        <p:grpSpPr>
-          <a:xfrm>
-            <a:off x="6162809" y="1199763"/>
-            <a:ext cx="2784353" cy="2956163"/>
-            <a:chOff x="6156176" y="991321"/>
-            <a:chExt cx="2784353" cy="2956163"/>
-          </a:xfrm>
-        </p:grpSpPr>
-        <p:sp>
-          <p:nvSpPr>
-            <p:cNvPr id="4" name="Rectangle 3"/>
-            <p:cNvSpPr/>
-            <p:nvPr/>
-          </p:nvSpPr>
-          <p:spPr>
-            <a:xfrm>
-              <a:off x="6156176" y="1059582"/>
-              <a:ext cx="2760474" cy="2880320"/>
-            </a:xfrm>
-            <a:prstGeom prst="rect">
-              <a:avLst/>
-            </a:prstGeom>
-            <a:solidFill>
-              <a:schemeClr val="bg1"/>
-            </a:solidFill>
-          </p:spPr>
-          <p:style>
-            <a:lnRef idx="2">
-              <a:schemeClr val="accent1">
-                <a:shade val="50000"/>
-              </a:schemeClr>
-            </a:lnRef>
-            <a:fillRef idx="1">
-              <a:schemeClr val="accent1"/>
-            </a:fillRef>
-            <a:effectRef idx="0">
-              <a:schemeClr val="accent1"/>
-            </a:effectRef>
-            <a:fontRef idx="minor">
-              <a:schemeClr val="lt1"/>
-            </a:fontRef>
-          </p:style>
-          <p:txBody>
-            <a:bodyPr rtlCol="0" anchor="ctr"/>
-            <a:lstStyle/>
-            <a:p>
-              <a:pPr algn="ctr"/>
-              <a:endParaRPr lang="en-GB"/>
-            </a:p>
-          </p:txBody>
-        </p:sp>
-        <p:sp>
-          <p:nvSpPr>
-            <p:cNvPr id="21" name="Rectangle 20"/>
-            <p:cNvSpPr/>
-            <p:nvPr/>
-          </p:nvSpPr>
-          <p:spPr>
-            <a:xfrm>
-              <a:off x="6156176" y="3236036"/>
-              <a:ext cx="2760474" cy="711448"/>
-            </a:xfrm>
-            <a:prstGeom prst="rect">
-              <a:avLst/>
-            </a:prstGeom>
-          </p:spPr>
-          <p:style>
-            <a:lnRef idx="2">
-              <a:schemeClr val="accent1">
-                <a:shade val="50000"/>
-              </a:schemeClr>
-            </a:lnRef>
-            <a:fillRef idx="1">
-              <a:schemeClr val="accent1"/>
-            </a:fillRef>
-            <a:effectRef idx="0">
-              <a:schemeClr val="accent1"/>
-            </a:effectRef>
-            <a:fontRef idx="minor">
-              <a:schemeClr val="lt1"/>
-            </a:fontRef>
-          </p:style>
-          <p:txBody>
-            <a:bodyPr rtlCol="0" anchor="ctr"/>
-            <a:lstStyle/>
-            <a:p>
-              <a:pPr algn="ctr"/>
-              <a:r>
-                <a:rPr lang="en-ZA" dirty="0" smtClean="0"/>
-                <a:t>Program</a:t>
-              </a:r>
-              <a:endParaRPr lang="en-GB" dirty="0"/>
-            </a:p>
-          </p:txBody>
-        </p:sp>
-        <p:sp>
-          <p:nvSpPr>
-            <p:cNvPr id="26" name="Rectangle 25"/>
-            <p:cNvSpPr/>
-            <p:nvPr/>
-          </p:nvSpPr>
-          <p:spPr>
-            <a:xfrm>
-              <a:off x="6156176" y="1347614"/>
-              <a:ext cx="2760474" cy="360040"/>
-            </a:xfrm>
-            <a:prstGeom prst="rect">
-              <a:avLst/>
-            </a:prstGeom>
-            <a:solidFill>
-              <a:srgbClr val="FF0000"/>
-            </a:solidFill>
-          </p:spPr>
-          <p:style>
-            <a:lnRef idx="2">
-              <a:schemeClr val="accent1">
-                <a:shade val="50000"/>
-              </a:schemeClr>
-            </a:lnRef>
-            <a:fillRef idx="1">
-              <a:schemeClr val="accent1"/>
-            </a:fillRef>
-            <a:effectRef idx="0">
-              <a:schemeClr val="accent1"/>
-            </a:effectRef>
-            <a:fontRef idx="minor">
-              <a:schemeClr val="lt1"/>
-            </a:fontRef>
-          </p:style>
-          <p:txBody>
-            <a:bodyPr rtlCol="0" anchor="ctr"/>
-            <a:lstStyle/>
-            <a:p>
-              <a:pPr algn="ctr"/>
-              <a:r>
-                <a:rPr lang="en-ZA" dirty="0" smtClean="0"/>
-                <a:t>Reference Data</a:t>
-              </a:r>
-              <a:endParaRPr lang="en-GB" dirty="0"/>
-            </a:p>
-          </p:txBody>
-        </p:sp>
-        <p:sp>
-          <p:nvSpPr>
-            <p:cNvPr id="23" name="Rectangle 22"/>
-            <p:cNvSpPr/>
-            <p:nvPr/>
-          </p:nvSpPr>
-          <p:spPr>
-            <a:xfrm>
-              <a:off x="6156176" y="1347614"/>
-              <a:ext cx="329580" cy="114548"/>
-            </a:xfrm>
-            <a:prstGeom prst="rect">
-              <a:avLst/>
-            </a:prstGeom>
-          </p:spPr>
-          <p:style>
-            <a:lnRef idx="2">
-              <a:schemeClr val="accent1">
-                <a:shade val="50000"/>
-              </a:schemeClr>
-            </a:lnRef>
-            <a:fillRef idx="1">
-              <a:schemeClr val="accent1"/>
-            </a:fillRef>
-            <a:effectRef idx="0">
-              <a:schemeClr val="accent1"/>
-            </a:effectRef>
-            <a:fontRef idx="minor">
-              <a:schemeClr val="lt1"/>
-            </a:fontRef>
-          </p:style>
-          <p:txBody>
-            <a:bodyPr rtlCol="0" anchor="ctr"/>
-            <a:lstStyle/>
-            <a:p>
-              <a:pPr algn="ctr"/>
-              <a:endParaRPr lang="en-GB" dirty="0"/>
-            </a:p>
-          </p:txBody>
-        </p:sp>
-        <p:sp>
-          <p:nvSpPr>
-            <p:cNvPr id="17" name="Rectangle 16"/>
-            <p:cNvSpPr/>
-            <p:nvPr/>
-          </p:nvSpPr>
-          <p:spPr>
-            <a:xfrm>
-              <a:off x="6156176" y="991321"/>
-              <a:ext cx="2784353" cy="2948581"/>
-            </a:xfrm>
-            <a:prstGeom prst="rect">
-              <a:avLst/>
-            </a:prstGeom>
-            <a:noFill/>
-            <a:ln w="38100">
-              <a:noFill/>
-            </a:ln>
-          </p:spPr>
-          <p:style>
-            <a:lnRef idx="2">
-              <a:schemeClr val="accent1">
-                <a:shade val="50000"/>
-              </a:schemeClr>
-            </a:lnRef>
-            <a:fillRef idx="1">
-              <a:schemeClr val="accent1"/>
-            </a:fillRef>
-            <a:effectRef idx="0">
-              <a:schemeClr val="accent1"/>
-            </a:effectRef>
-            <a:fontRef idx="minor">
-              <a:schemeClr val="lt1"/>
-            </a:fontRef>
-          </p:style>
-          <p:txBody>
-            <a:bodyPr rtlCol="0" anchor="ctr"/>
-            <a:lstStyle/>
-            <a:p>
-              <a:pPr algn="ctr"/>
-              <a:endParaRPr lang="en-GB"/>
-            </a:p>
-          </p:txBody>
-        </p:sp>
-        <p:sp>
-          <p:nvSpPr>
-            <p:cNvPr id="5" name="TextBox 4"/>
-            <p:cNvSpPr txBox="1"/>
-            <p:nvPr/>
-          </p:nvSpPr>
-          <p:spPr>
-            <a:xfrm>
-              <a:off x="6732242" y="2044496"/>
-              <a:ext cx="1872206" cy="830997"/>
-            </a:xfrm>
-            <a:prstGeom prst="rect">
-              <a:avLst/>
-            </a:prstGeom>
-            <a:noFill/>
-          </p:spPr>
-          <p:txBody>
-            <a:bodyPr wrap="square" rtlCol="0">
-              <a:spAutoFit/>
-            </a:bodyPr>
-            <a:lstStyle/>
-            <a:p>
-              <a:pPr algn="ctr"/>
-              <a:r>
-                <a:rPr lang="en-GB" sz="1600" b="1" dirty="0" smtClean="0"/>
-                <a:t>Program Flash</a:t>
-              </a:r>
-              <a:r>
-                <a:rPr lang="en-GB" sz="1600" b="1" dirty="0"/>
-                <a:t> </a:t>
-              </a:r>
-              <a:r>
-                <a:rPr lang="en-GB" sz="1600" b="1" dirty="0" smtClean="0"/>
-                <a:t>Memory</a:t>
-              </a:r>
-            </a:p>
-            <a:p>
-              <a:pPr algn="ctr"/>
-              <a:r>
-                <a:rPr lang="en-GB" sz="1600" b="1" dirty="0" smtClean="0"/>
-                <a:t>( 32 KW )</a:t>
-              </a:r>
-            </a:p>
-          </p:txBody>
-        </p:sp>
-        <p:sp>
-          <p:nvSpPr>
-            <p:cNvPr id="27" name="TextBox 26"/>
-            <p:cNvSpPr txBox="1"/>
-            <p:nvPr/>
-          </p:nvSpPr>
-          <p:spPr>
-            <a:xfrm>
-              <a:off x="6612249" y="1015311"/>
-              <a:ext cx="1872206" cy="338554"/>
-            </a:xfrm>
-            <a:prstGeom prst="rect">
-              <a:avLst/>
-            </a:prstGeom>
-            <a:noFill/>
-          </p:spPr>
-          <p:txBody>
-            <a:bodyPr wrap="square" rtlCol="0">
-              <a:spAutoFit/>
-            </a:bodyPr>
-            <a:lstStyle/>
-            <a:p>
-              <a:pPr algn="ctr"/>
-              <a:r>
-                <a:rPr lang="en-GB" sz="1600" b="1" dirty="0" smtClean="0"/>
-                <a:t>PIC18FxxQ24</a:t>
-              </a:r>
-            </a:p>
-          </p:txBody>
-        </p:sp>
-      </p:grpSp>
-      <p:grpSp>
-        <p:nvGrpSpPr>
-          <p:cNvPr id="6" name="Group 5"/>
-          <p:cNvGrpSpPr/>
-          <p:nvPr/>
-        </p:nvGrpSpPr>
-        <p:grpSpPr>
-          <a:xfrm>
-            <a:off x="2923438" y="1167231"/>
-            <a:ext cx="2784353" cy="2948581"/>
-            <a:chOff x="2923438" y="1167231"/>
-            <a:chExt cx="2784353" cy="2948581"/>
-          </a:xfrm>
-        </p:grpSpPr>
-        <p:sp>
-          <p:nvSpPr>
-            <p:cNvPr id="28" name="Rectangle 27"/>
-            <p:cNvSpPr/>
-            <p:nvPr/>
-          </p:nvSpPr>
-          <p:spPr>
-            <a:xfrm>
-              <a:off x="2923438" y="1235492"/>
-              <a:ext cx="2760474" cy="2880320"/>
-            </a:xfrm>
-            <a:prstGeom prst="rect">
-              <a:avLst/>
-            </a:prstGeom>
-            <a:solidFill>
-              <a:schemeClr val="bg1"/>
-            </a:solidFill>
-          </p:spPr>
-          <p:style>
-            <a:lnRef idx="2">
-              <a:schemeClr val="accent1">
-                <a:shade val="50000"/>
-              </a:schemeClr>
-            </a:lnRef>
-            <a:fillRef idx="1">
-              <a:schemeClr val="accent1"/>
-            </a:fillRef>
-            <a:effectRef idx="0">
-              <a:schemeClr val="accent1"/>
-            </a:effectRef>
-            <a:fontRef idx="minor">
-              <a:schemeClr val="lt1"/>
-            </a:fontRef>
-          </p:style>
-          <p:txBody>
-            <a:bodyPr rtlCol="0" anchor="ctr"/>
-            <a:lstStyle/>
-            <a:p>
-              <a:pPr algn="ctr"/>
-              <a:endParaRPr lang="en-GB"/>
-            </a:p>
-          </p:txBody>
-        </p:sp>
-        <p:sp>
-          <p:nvSpPr>
-            <p:cNvPr id="29" name="Rectangle 28"/>
-            <p:cNvSpPr/>
-            <p:nvPr/>
-          </p:nvSpPr>
-          <p:spPr>
-            <a:xfrm>
-              <a:off x="2925344" y="1591785"/>
-              <a:ext cx="2760474" cy="628621"/>
-            </a:xfrm>
-            <a:prstGeom prst="rect">
-              <a:avLst/>
-            </a:prstGeom>
-          </p:spPr>
-          <p:style>
-            <a:lnRef idx="2">
-              <a:schemeClr val="accent1">
-                <a:shade val="50000"/>
-              </a:schemeClr>
-            </a:lnRef>
-            <a:fillRef idx="1">
-              <a:schemeClr val="accent1"/>
-            </a:fillRef>
-            <a:effectRef idx="0">
-              <a:schemeClr val="accent1"/>
-            </a:effectRef>
-            <a:fontRef idx="minor">
-              <a:schemeClr val="lt1"/>
-            </a:fontRef>
-          </p:style>
-          <p:txBody>
-            <a:bodyPr rtlCol="0" anchor="ctr"/>
-            <a:lstStyle/>
-            <a:p>
-              <a:pPr algn="ctr"/>
-              <a:r>
-                <a:rPr lang="en-ZA" dirty="0" smtClean="0"/>
-                <a:t>Program</a:t>
-              </a:r>
-              <a:endParaRPr lang="en-GB" dirty="0"/>
-            </a:p>
-          </p:txBody>
-        </p:sp>
-        <p:sp>
-          <p:nvSpPr>
-            <p:cNvPr id="30" name="Rectangle 29"/>
-            <p:cNvSpPr/>
-            <p:nvPr/>
-          </p:nvSpPr>
-          <p:spPr>
-            <a:xfrm>
-              <a:off x="2925344" y="3755772"/>
-              <a:ext cx="2750946" cy="360040"/>
-            </a:xfrm>
-            <a:prstGeom prst="rect">
-              <a:avLst/>
-            </a:prstGeom>
-            <a:solidFill>
-              <a:srgbClr val="FF0000"/>
-            </a:solidFill>
-          </p:spPr>
-          <p:style>
-            <a:lnRef idx="2">
-              <a:schemeClr val="accent1">
-                <a:shade val="50000"/>
-              </a:schemeClr>
-            </a:lnRef>
-            <a:fillRef idx="1">
-              <a:schemeClr val="accent1"/>
-            </a:fillRef>
-            <a:effectRef idx="0">
-              <a:schemeClr val="accent1"/>
-            </a:effectRef>
-            <a:fontRef idx="minor">
-              <a:schemeClr val="lt1"/>
-            </a:fontRef>
-          </p:style>
-          <p:txBody>
-            <a:bodyPr rtlCol="0" anchor="ctr"/>
-            <a:lstStyle/>
-            <a:p>
-              <a:pPr algn="ctr"/>
-              <a:r>
-                <a:rPr lang="en-ZA" dirty="0" smtClean="0"/>
-                <a:t>Reference Data</a:t>
-              </a:r>
-              <a:endParaRPr lang="en-GB" dirty="0"/>
-            </a:p>
-          </p:txBody>
-        </p:sp>
-        <p:sp>
-          <p:nvSpPr>
-            <p:cNvPr id="32" name="Rectangle 31"/>
-            <p:cNvSpPr/>
-            <p:nvPr/>
-          </p:nvSpPr>
-          <p:spPr>
-            <a:xfrm>
-              <a:off x="2923438" y="1167231"/>
-              <a:ext cx="2784353" cy="2948581"/>
-            </a:xfrm>
-            <a:prstGeom prst="rect">
-              <a:avLst/>
-            </a:prstGeom>
-            <a:noFill/>
-            <a:ln w="38100">
-              <a:noFill/>
-            </a:ln>
-          </p:spPr>
-          <p:style>
-            <a:lnRef idx="2">
-              <a:schemeClr val="accent1">
-                <a:shade val="50000"/>
-              </a:schemeClr>
-            </a:lnRef>
-            <a:fillRef idx="1">
-              <a:schemeClr val="accent1"/>
-            </a:fillRef>
-            <a:effectRef idx="0">
-              <a:schemeClr val="accent1"/>
-            </a:effectRef>
-            <a:fontRef idx="minor">
-              <a:schemeClr val="lt1"/>
-            </a:fontRef>
-          </p:style>
-          <p:txBody>
-            <a:bodyPr rtlCol="0" anchor="ctr"/>
-            <a:lstStyle/>
-            <a:p>
-              <a:pPr algn="ctr"/>
-              <a:endParaRPr lang="en-GB"/>
-            </a:p>
-          </p:txBody>
-        </p:sp>
-        <p:sp>
-          <p:nvSpPr>
-            <p:cNvPr id="33" name="TextBox 32"/>
-            <p:cNvSpPr txBox="1"/>
-            <p:nvPr/>
-          </p:nvSpPr>
-          <p:spPr>
-            <a:xfrm>
-              <a:off x="3499504" y="2220406"/>
-              <a:ext cx="1872206" cy="830997"/>
-            </a:xfrm>
-            <a:prstGeom prst="rect">
-              <a:avLst/>
-            </a:prstGeom>
-            <a:noFill/>
-          </p:spPr>
-          <p:txBody>
-            <a:bodyPr wrap="square" rtlCol="0">
-              <a:spAutoFit/>
-            </a:bodyPr>
-            <a:lstStyle/>
-            <a:p>
-              <a:pPr algn="ctr"/>
-              <a:r>
-                <a:rPr lang="en-GB" sz="1600" b="1" dirty="0" smtClean="0"/>
-                <a:t>Program Flash</a:t>
-              </a:r>
-              <a:r>
-                <a:rPr lang="en-GB" sz="1600" b="1" dirty="0"/>
-                <a:t> </a:t>
-              </a:r>
-              <a:r>
-                <a:rPr lang="en-GB" sz="1600" b="1" dirty="0" smtClean="0"/>
-                <a:t>Memory</a:t>
-              </a:r>
-            </a:p>
-            <a:p>
-              <a:pPr algn="ctr"/>
-              <a:r>
-                <a:rPr lang="en-GB" sz="1600" b="1" dirty="0" smtClean="0"/>
-                <a:t>( 32 KW )</a:t>
-              </a:r>
-            </a:p>
-          </p:txBody>
-        </p:sp>
-        <p:sp>
-          <p:nvSpPr>
-            <p:cNvPr id="34" name="TextBox 33"/>
-            <p:cNvSpPr txBox="1"/>
-            <p:nvPr/>
-          </p:nvSpPr>
-          <p:spPr>
-            <a:xfrm>
-              <a:off x="3379511" y="1191221"/>
-              <a:ext cx="1872206" cy="338554"/>
-            </a:xfrm>
-            <a:prstGeom prst="rect">
-              <a:avLst/>
-            </a:prstGeom>
-            <a:noFill/>
-          </p:spPr>
-          <p:txBody>
-            <a:bodyPr wrap="square" rtlCol="0">
-              <a:spAutoFit/>
-            </a:bodyPr>
-            <a:lstStyle/>
-            <a:p>
-              <a:pPr algn="ctr"/>
-              <a:r>
-                <a:rPr lang="en-GB" sz="1600" b="1" dirty="0" smtClean="0"/>
-                <a:t>PIC18FxxQ24</a:t>
-              </a:r>
-            </a:p>
-          </p:txBody>
-        </p:sp>
-      </p:grpSp>
-    </p:spTree>
-    <p:extLst>
-      <p:ext uri="{BB962C8B-B14F-4D97-AF65-F5344CB8AC3E}">
-        <p14:creationId xmlns:p14="http://schemas.microsoft.com/office/powerpoint/2010/main" val="2534546150"/>
-      </p:ext>
-    </p:extLst>
-  </p:cSld>
-  <p:clrMapOvr>
-    <a:masterClrMapping/>
-  </p:clrMapOvr>
-  <mc:AlternateContent xmlns:mc="http://schemas.openxmlformats.org/markup-compatibility/2006" xmlns:p14="http://schemas.microsoft.com/office/powerpoint/2010/main">
-    <mc:Choice Requires="p14">
-      <p:transition spd="slow" p14:dur="2000" advClick="0"/>
-    </mc:Choice>
-    <mc:Fallback xmlns="">
-      <p:transition spd="slow" advClick="0"/>
-    </mc:Fallback>
-  </mc:AlternateContent>
-  <p:timing>
-    <p:tnLst>
-      <p:par>
-        <p:cTn id="1" dur="indefinite" restart="never" nodeType="tmRoot"/>
-      </p:par>
-    </p:tnLst>
-  </p:timing>
-</p:sld>
-</file>
-
-<file path=ppt/slides/slide15.xml><?xml version="1.0" encoding="utf-8"?>
-<p:sld xmlns:a="http://schemas.openxmlformats.org/drawingml/2006/main" xmlns:r="http://schemas.openxmlformats.org/officeDocument/2006/relationships" xmlns:p="http://schemas.openxmlformats.org/presentationml/2006/main">
-  <p:cSld>
-    <p:spTree>
-      <p:nvGrpSpPr>
-        <p:cNvPr id="1" name=""/>
-        <p:cNvGrpSpPr/>
-        <p:nvPr/>
-      </p:nvGrpSpPr>
-      <p:grpSpPr>
-        <a:xfrm>
-          <a:off x="0" y="0"/>
-          <a:ext cx="0" cy="0"/>
-          <a:chOff x="0" y="0"/>
-          <a:chExt cx="0" cy="0"/>
-        </a:xfrm>
-      </p:grpSpPr>
-      <p:sp>
-        <p:nvSpPr>
-          <p:cNvPr id="2" name="Title 1"/>
-          <p:cNvSpPr>
-            <a:spLocks noGrp="1"/>
-          </p:cNvSpPr>
-          <p:nvPr>
-            <p:ph type="title"/>
-          </p:nvPr>
-        </p:nvSpPr>
-        <p:spPr/>
-        <p:txBody>
-          <a:bodyPr vert="horz" lIns="85064" tIns="42531" rIns="85064" bIns="42531" rtlCol="0" anchor="t">
-            <a:normAutofit/>
-          </a:bodyPr>
-          <a:lstStyle/>
-          <a:p>
-            <a:pPr algn="l"/>
-            <a:r>
-              <a:rPr lang="en-GB" dirty="0" smtClean="0"/>
               <a:t>EEDATA &amp; DATA Blocks</a:t>
             </a:r>
-          </a:p>
-        </p:txBody>
-      </p:sp>
-      <p:pic>
-        <p:nvPicPr>
-          <p:cNvPr id="11" name="Picture 2"/>
-          <p:cNvPicPr>
-            <a:picLocks noChangeAspect="1" noChangeArrowheads="1"/>
-          </p:cNvPicPr>
-          <p:nvPr/>
-        </p:nvPicPr>
-        <p:blipFill>
-          <a:blip r:embed="rId2">
-            <a:extLst>
-              <a:ext uri="{28A0092B-C50C-407E-A947-70E740481C1C}">
-                <a14:useLocalDpi xmlns:a14="http://schemas.microsoft.com/office/drawing/2010/main" val="0"/>
-              </a:ext>
-            </a:extLst>
-          </a:blip>
-          <a:srcRect/>
-          <a:stretch>
-            <a:fillRect/>
-          </a:stretch>
-        </p:blipFill>
-        <p:spPr bwMode="auto">
-          <a:xfrm>
-            <a:off x="5151304" y="1"/>
-            <a:ext cx="3992695" cy="5143500"/>
-          </a:xfrm>
-          <a:prstGeom prst="rect">
-            <a:avLst/>
-          </a:prstGeom>
-          <a:noFill/>
-          <a:ln>
-            <a:noFill/>
-          </a:ln>
-          <a:effectLst/>
-          <a:extLst>
-            <a:ext uri="{909E8E84-426E-40DD-AFC4-6F175D3DCCD1}">
-              <a14:hiddenFill xmlns:a14="http://schemas.microsoft.com/office/drawing/2010/main">
-                <a:solidFill>
-                  <a:schemeClr val="accent1"/>
-                </a:solidFill>
-              </a14:hiddenFill>
-            </a:ext>
-            <a:ext uri="{91240B29-F687-4F45-9708-019B960494DF}">
-              <a14:hiddenLine xmlns:a14="http://schemas.microsoft.com/office/drawing/2010/main" w="9525">
-                <a:solidFill>
-                  <a:schemeClr val="tx1"/>
-                </a:solidFill>
-                <a:miter lim="800000"/>
-                <a:headEnd/>
-                <a:tailEnd/>
-              </a14:hiddenLine>
-            </a:ext>
-            <a:ext uri="{AF507438-7753-43E0-B8FC-AC1667EBCBE1}">
-              <a14:hiddenEffects xmlns:a14="http://schemas.microsoft.com/office/drawing/2010/main">
-                <a:effectLst>
-                  <a:outerShdw dist="35921" dir="2700000" algn="ctr" rotWithShape="0">
-                    <a:schemeClr val="bg2"/>
-                  </a:outerShdw>
-                </a:effectLst>
-              </a14:hiddenEffects>
-            </a:ext>
-          </a:extLst>
-        </p:spPr>
-      </p:pic>
-      <p:sp>
-        <p:nvSpPr>
-          <p:cNvPr id="13" name="Rectangle 12"/>
-          <p:cNvSpPr/>
-          <p:nvPr/>
-        </p:nvSpPr>
-        <p:spPr>
-          <a:xfrm>
-            <a:off x="6012160" y="3511550"/>
-            <a:ext cx="3188146" cy="273050"/>
-          </a:xfrm>
-          <a:prstGeom prst="rect">
-            <a:avLst/>
-          </a:prstGeom>
-          <a:noFill/>
-          <a:ln>
-            <a:solidFill>
-              <a:srgbClr val="FF0000"/>
-            </a:solidFill>
-          </a:ln>
-        </p:spPr>
-        <p:style>
-          <a:lnRef idx="2">
-            <a:schemeClr val="accent1">
-              <a:shade val="50000"/>
-            </a:schemeClr>
-          </a:lnRef>
-          <a:fillRef idx="1">
-            <a:schemeClr val="accent1"/>
-          </a:fillRef>
-          <a:effectRef idx="0">
-            <a:schemeClr val="accent1"/>
-          </a:effectRef>
-          <a:fontRef idx="minor">
-            <a:schemeClr val="lt1"/>
-          </a:fontRef>
-        </p:style>
-        <p:txBody>
-          <a:bodyPr rtlCol="0" anchor="ctr"/>
-          <a:lstStyle/>
-          <a:p>
-            <a:pPr algn="ctr"/>
-            <a:endParaRPr lang="en-GB"/>
           </a:p>
         </p:txBody>
       </p:sp>
@@ -12545,6 +10448,197 @@
 </p:sld>
 </file>
 
+<file path=ppt/slides/slide14.xml><?xml version="1.0" encoding="utf-8"?>
+<p:sld xmlns:a="http://schemas.openxmlformats.org/drawingml/2006/main" xmlns:r="http://schemas.openxmlformats.org/officeDocument/2006/relationships" xmlns:p="http://schemas.openxmlformats.org/presentationml/2006/main">
+  <p:cSld>
+    <p:spTree>
+      <p:nvGrpSpPr>
+        <p:cNvPr id="1" name=""/>
+        <p:cNvGrpSpPr/>
+        <p:nvPr/>
+      </p:nvGrpSpPr>
+      <p:grpSpPr>
+        <a:xfrm>
+          <a:off x="0" y="0"/>
+          <a:ext cx="0" cy="0"/>
+          <a:chOff x="0" y="0"/>
+          <a:chExt cx="0" cy="0"/>
+        </a:xfrm>
+      </p:grpSpPr>
+      <p:sp>
+        <p:nvSpPr>
+          <p:cNvPr id="2" name="Title 1"/>
+          <p:cNvSpPr>
+            <a:spLocks noGrp="1"/>
+          </p:cNvSpPr>
+          <p:nvPr>
+            <p:ph type="title"/>
+          </p:nvPr>
+        </p:nvSpPr>
+        <p:spPr/>
+        <p:txBody>
+          <a:bodyPr vert="horz" lIns="85064" tIns="42531" rIns="85064" bIns="42531" rtlCol="0" anchor="ctr">
+            <a:normAutofit/>
+          </a:bodyPr>
+          <a:lstStyle/>
+          <a:p>
+            <a:pPr algn="l"/>
+            <a:r>
+              <a:rPr lang="en-GB" dirty="0" smtClean="0"/>
+              <a:t>Lab</a:t>
+            </a:r>
+          </a:p>
+        </p:txBody>
+      </p:sp>
+      <p:sp>
+        <p:nvSpPr>
+          <p:cNvPr id="3" name="Content Placeholder 2"/>
+          <p:cNvSpPr>
+            <a:spLocks noGrp="1"/>
+          </p:cNvSpPr>
+          <p:nvPr>
+            <p:ph idx="1"/>
+          </p:nvPr>
+        </p:nvSpPr>
+        <p:spPr/>
+        <p:txBody>
+          <a:bodyPr>
+            <a:normAutofit/>
+          </a:bodyPr>
+          <a:lstStyle/>
+          <a:p>
+            <a:r>
+              <a:rPr lang="en-GB" sz="2000" dirty="0" smtClean="0"/>
+              <a:t>Walk the examples 	</a:t>
+            </a:r>
+          </a:p>
+          <a:p>
+            <a:pPr lvl="1"/>
+            <a:r>
+              <a:rPr lang="en-ZA" sz="1600" dirty="0" smtClean="0"/>
+              <a:t>PROGMEM</a:t>
+            </a:r>
+          </a:p>
+          <a:p>
+            <a:pPr lvl="1"/>
+            <a:r>
+              <a:rPr lang="en-ZA" sz="1600" dirty="0" smtClean="0"/>
+              <a:t>EEPROM </a:t>
+            </a:r>
+            <a:r>
+              <a:rPr lang="en-ZA" sz="1600" dirty="0" smtClean="0"/>
+              <a:t>and DATA blocks</a:t>
+            </a:r>
+            <a:endParaRPr lang="en-GB" sz="1600" dirty="0" smtClean="0"/>
+          </a:p>
+        </p:txBody>
+      </p:sp>
+    </p:spTree>
+    <p:extLst>
+      <p:ext uri="{BB962C8B-B14F-4D97-AF65-F5344CB8AC3E}">
+        <p14:creationId xmlns:p14="http://schemas.microsoft.com/office/powerpoint/2010/main" val="2233040175"/>
+      </p:ext>
+    </p:extLst>
+  </p:cSld>
+  <p:clrMapOvr>
+    <a:masterClrMapping/>
+  </p:clrMapOvr>
+  <mc:AlternateContent xmlns:mc="http://schemas.openxmlformats.org/markup-compatibility/2006" xmlns:p14="http://schemas.microsoft.com/office/powerpoint/2010/main">
+    <mc:Choice Requires="p14">
+      <p:transition spd="slow" p14:dur="2000" advClick="0"/>
+    </mc:Choice>
+    <mc:Fallback xmlns="">
+      <p:transition spd="slow" advClick="0"/>
+    </mc:Fallback>
+  </mc:AlternateContent>
+  <p:timing>
+    <p:tnLst>
+      <p:par>
+        <p:cTn id="1" dur="indefinite" restart="never" nodeType="tmRoot"/>
+      </p:par>
+    </p:tnLst>
+  </p:timing>
+</p:sld>
+</file>
+
+<file path=ppt/slides/slide15.xml><?xml version="1.0" encoding="utf-8"?>
+<p:sld xmlns:a="http://schemas.openxmlformats.org/drawingml/2006/main" xmlns:r="http://schemas.openxmlformats.org/officeDocument/2006/relationships" xmlns:p="http://schemas.openxmlformats.org/presentationml/2006/main">
+  <p:cSld>
+    <p:spTree>
+      <p:nvGrpSpPr>
+        <p:cNvPr id="1" name=""/>
+        <p:cNvGrpSpPr/>
+        <p:nvPr/>
+      </p:nvGrpSpPr>
+      <p:grpSpPr>
+        <a:xfrm>
+          <a:off x="0" y="0"/>
+          <a:ext cx="0" cy="0"/>
+          <a:chOff x="0" y="0"/>
+          <a:chExt cx="0" cy="0"/>
+        </a:xfrm>
+      </p:grpSpPr>
+      <p:sp>
+        <p:nvSpPr>
+          <p:cNvPr id="2" name="Title 1"/>
+          <p:cNvSpPr>
+            <a:spLocks noGrp="1"/>
+          </p:cNvSpPr>
+          <p:nvPr>
+            <p:ph type="title"/>
+          </p:nvPr>
+        </p:nvSpPr>
+        <p:spPr/>
+        <p:txBody>
+          <a:bodyPr/>
+          <a:lstStyle/>
+          <a:p>
+            <a:endParaRPr lang="en-GB" dirty="0"/>
+          </a:p>
+        </p:txBody>
+      </p:sp>
+      <p:sp>
+        <p:nvSpPr>
+          <p:cNvPr id="3" name="Content Placeholder 2"/>
+          <p:cNvSpPr>
+            <a:spLocks noGrp="1"/>
+          </p:cNvSpPr>
+          <p:nvPr>
+            <p:ph idx="1"/>
+          </p:nvPr>
+        </p:nvSpPr>
+        <p:spPr/>
+        <p:txBody>
+          <a:bodyPr/>
+          <a:lstStyle/>
+          <a:p>
+            <a:endParaRPr lang="en-GB" dirty="0"/>
+          </a:p>
+        </p:txBody>
+      </p:sp>
+    </p:spTree>
+  </p:cSld>
+  <p:clrMapOvr>
+    <a:masterClrMapping/>
+  </p:clrMapOvr>
+  <mc:AlternateContent xmlns:mc="http://schemas.openxmlformats.org/markup-compatibility/2006" xmlns:p14="http://schemas.microsoft.com/office/powerpoint/2010/main">
+    <mc:Choice Requires="p14">
+      <p:transition spd="slow" p14:dur="2000"/>
+    </mc:Choice>
+    <mc:Fallback xmlns="">
+      <p:transition spd="slow"/>
+    </mc:Fallback>
+  </mc:AlternateContent>
+  <p:timing>
+    <p:tnLst>
+      <p:par>
+        <p:cTn id="1" dur="indefinite" restart="never" nodeType="tmRoot"/>
+      </p:par>
+    </p:tnLst>
+  </p:timing>
+</p:sld>
+</file>
+
 <file path=ppt/slides/slide16.xml><?xml version="1.0" encoding="utf-8"?>
 <p:sld xmlns:a="http://schemas.openxmlformats.org/drawingml/2006/main" xmlns:r="http://schemas.openxmlformats.org/officeDocument/2006/relationships" xmlns:p="http://schemas.openxmlformats.org/presentationml/2006/main">
   <p:cSld>
@@ -12574,16 +10668,16 @@
         </p:nvSpPr>
         <p:spPr/>
         <p:txBody>
-          <a:bodyPr vert="horz" lIns="85064" tIns="42531" rIns="85064" bIns="42531" rtlCol="0" anchor="ctr">
+          <a:bodyPr>
             <a:normAutofit/>
           </a:bodyPr>
           <a:lstStyle/>
           <a:p>
-            <a:pPr algn="l"/>
             <a:r>
               <a:rPr lang="en-GB" dirty="0" smtClean="0"/>
-              <a:t>Lab</a:t>
-            </a:r>
+              <a:t>Videos...</a:t>
+            </a:r>
+            <a:endParaRPr lang="en-GB" dirty="0"/>
           </a:p>
         </p:txBody>
       </p:sp>
@@ -12597,46 +10691,381 @@
             <p:ph idx="1"/>
           </p:nvPr>
         </p:nvSpPr>
-        <p:spPr/>
+        <p:spPr>
+          <a:xfrm>
+            <a:off x="467544" y="987574"/>
+            <a:ext cx="6447501" cy="4111476"/>
+          </a:xfrm>
+          <a:solidFill>
+            <a:schemeClr val="bg1"/>
+          </a:solidFill>
+        </p:spPr>
         <p:txBody>
           <a:bodyPr>
-            <a:normAutofit/>
+            <a:noAutofit/>
           </a:bodyPr>
           <a:lstStyle/>
           <a:p>
-            <a:r>
-              <a:rPr lang="en-GB" sz="2000" dirty="0" smtClean="0"/>
-              <a:t>Walk the examples 	</a:t>
-            </a:r>
-          </a:p>
-          <a:p>
-            <a:pPr lvl="1"/>
-            <a:r>
-              <a:rPr lang="en-ZA" sz="1600" dirty="0" smtClean="0"/>
-              <a:t>PROGMEM</a:t>
-            </a:r>
-          </a:p>
-          <a:p>
-            <a:pPr lvl="1"/>
-            <a:r>
-              <a:rPr lang="en-ZA" sz="1600" dirty="0" smtClean="0"/>
-              <a:t>SAF</a:t>
-            </a:r>
-          </a:p>
-          <a:p>
-            <a:pPr lvl="1"/>
-            <a:r>
-              <a:rPr lang="en-ZA" sz="1600" dirty="0" smtClean="0"/>
-              <a:t>EEPROM and DATA blocks</a:t>
-            </a:r>
-            <a:endParaRPr lang="en-GB" sz="1600" dirty="0" smtClean="0"/>
+            <a:pPr marL="180000" indent="-478483">
+              <a:spcBef>
+                <a:spcPts val="300"/>
+              </a:spcBef>
+              <a:buFont typeface="+mj-lt"/>
+              <a:buAutoNum type="arabicPeriod"/>
+            </a:pPr>
+            <a:r>
+              <a:rPr lang="en-GB" sz="1100" dirty="0"/>
+              <a:t>Install the hardware and make the board work </a:t>
+            </a:r>
+            <a:r>
+              <a:rPr lang="en-GB" sz="1100" dirty="0" smtClean="0"/>
+              <a:t>– make LEDs work</a:t>
+            </a:r>
+            <a:endParaRPr lang="en-GB" sz="1100" b="1" dirty="0"/>
+          </a:p>
+          <a:p>
+            <a:pPr marL="180000" indent="-478483">
+              <a:spcBef>
+                <a:spcPts val="300"/>
+              </a:spcBef>
+              <a:buFont typeface="+mj-lt"/>
+              <a:buAutoNum type="arabicPeriod"/>
+            </a:pPr>
+            <a:r>
+              <a:rPr lang="en-GB" sz="1100" dirty="0"/>
+              <a:t>Make  four LEDs flash in a sequence</a:t>
+            </a:r>
+          </a:p>
+          <a:p>
+            <a:pPr marL="180000" indent="-478483">
+              <a:spcBef>
+                <a:spcPts val="300"/>
+              </a:spcBef>
+              <a:buFont typeface="+mj-lt"/>
+              <a:buAutoNum type="arabicPeriod"/>
+            </a:pPr>
+            <a:r>
+              <a:rPr lang="en-GB" sz="1100" dirty="0"/>
+              <a:t>Set the LEDs to represent the value of ADC</a:t>
+            </a:r>
+          </a:p>
+          <a:p>
+            <a:pPr marL="180000" indent="-478483">
+              <a:spcBef>
+                <a:spcPts val="300"/>
+              </a:spcBef>
+              <a:buFont typeface="+mj-lt"/>
+              <a:buAutoNum type="arabicPeriod"/>
+            </a:pPr>
+            <a:r>
+              <a:rPr lang="en-GB" sz="1100" dirty="0"/>
+              <a:t>Sequence the LEDs with a delay using the value of ADC</a:t>
+            </a:r>
+          </a:p>
+          <a:p>
+            <a:pPr marL="180000" indent="-478483">
+              <a:spcBef>
+                <a:spcPts val="300"/>
+              </a:spcBef>
+              <a:buFont typeface="+mj-lt"/>
+              <a:buAutoNum type="arabicPeriod"/>
+            </a:pPr>
+            <a:r>
+              <a:rPr lang="en-GB" sz="1100" dirty="0"/>
+              <a:t>Using an input to set the state of the LEDs</a:t>
+            </a:r>
+          </a:p>
+          <a:p>
+            <a:pPr marL="180000" indent="-478483">
+              <a:spcBef>
+                <a:spcPts val="300"/>
+              </a:spcBef>
+              <a:buFont typeface="+mj-lt"/>
+              <a:buAutoNum type="arabicPeriod"/>
+            </a:pPr>
+            <a:r>
+              <a:rPr lang="en-GB" sz="1100" dirty="0"/>
+              <a:t>Using the reset switch</a:t>
+            </a:r>
+          </a:p>
+          <a:p>
+            <a:pPr marL="180000" indent="-478483">
+              <a:spcBef>
+                <a:spcPts val="300"/>
+              </a:spcBef>
+              <a:buFont typeface="+mj-lt"/>
+              <a:buAutoNum type="arabicPeriod"/>
+            </a:pPr>
+            <a:r>
+              <a:rPr lang="en-GB" sz="1100" dirty="0"/>
+              <a:t>Using the switch, ADC – make the LEDs flash in a sequence with reverse</a:t>
+            </a:r>
+          </a:p>
+          <a:p>
+            <a:pPr marL="180000" indent="-478483">
+              <a:spcBef>
+                <a:spcPts val="300"/>
+              </a:spcBef>
+              <a:buFont typeface="+mj-lt"/>
+              <a:buAutoNum type="arabicPeriod"/>
+            </a:pPr>
+            <a:r>
+              <a:rPr lang="en-GB" sz="1100" dirty="0"/>
+              <a:t>Using the serial to display values</a:t>
+            </a:r>
+          </a:p>
+          <a:p>
+            <a:pPr marL="180000" indent="-478483">
+              <a:spcBef>
+                <a:spcPts val="300"/>
+              </a:spcBef>
+              <a:buFont typeface="+mj-lt"/>
+              <a:buAutoNum type="arabicPeriod"/>
+            </a:pPr>
+            <a:r>
+              <a:rPr lang="en-GB" sz="1100" dirty="0"/>
+              <a:t>Using the timer0 overflow, 8bit timer, 16bit timer to flash the LEDs</a:t>
+            </a:r>
+          </a:p>
+          <a:p>
+            <a:pPr marL="180000" indent="-478483">
+              <a:spcBef>
+                <a:spcPts val="300"/>
+              </a:spcBef>
+              <a:buFont typeface="+mj-lt"/>
+              <a:buAutoNum type="arabicPeriod"/>
+            </a:pPr>
+            <a:r>
+              <a:rPr lang="en-GB" sz="1100" dirty="0"/>
+              <a:t>Using </a:t>
+            </a:r>
+            <a:r>
+              <a:rPr lang="en-GB" sz="1100" dirty="0" err="1"/>
+              <a:t>EEProm</a:t>
+            </a:r>
+            <a:r>
+              <a:rPr lang="en-GB" sz="1100" dirty="0"/>
+              <a:t> – showing values on the serial terminal, and more constants insights</a:t>
+            </a:r>
+          </a:p>
+          <a:p>
+            <a:pPr marL="180000" indent="-478483">
+              <a:spcBef>
+                <a:spcPts val="300"/>
+              </a:spcBef>
+              <a:buFont typeface="+mj-lt"/>
+              <a:buAutoNum type="arabicPeriod"/>
+            </a:pPr>
+            <a:r>
+              <a:rPr lang="en-GB" sz="1100" dirty="0"/>
+              <a:t>Using I2C with serial to discover I2C devices</a:t>
+            </a:r>
+          </a:p>
+          <a:p>
+            <a:pPr marL="180000" indent="-478483">
+              <a:spcBef>
+                <a:spcPts val="300"/>
+              </a:spcBef>
+              <a:buFont typeface="+mj-lt"/>
+              <a:buAutoNum type="arabicPeriod"/>
+            </a:pPr>
+            <a:r>
+              <a:rPr lang="en-GB" sz="1100" dirty="0"/>
+              <a:t>Using an I2C GCLD display</a:t>
+            </a:r>
+          </a:p>
+          <a:p>
+            <a:pPr marL="180000" indent="-478483">
+              <a:spcBef>
+                <a:spcPts val="300"/>
+              </a:spcBef>
+              <a:buFont typeface="+mj-lt"/>
+              <a:buAutoNum type="arabicPeriod"/>
+            </a:pPr>
+            <a:r>
+              <a:rPr lang="en-GB" sz="1100" dirty="0"/>
+              <a:t>Using a SPI GCLD display</a:t>
+            </a:r>
+          </a:p>
+          <a:p>
+            <a:pPr marL="180000" indent="-478483">
+              <a:spcBef>
+                <a:spcPts val="300"/>
+              </a:spcBef>
+              <a:buFont typeface="+mj-lt"/>
+              <a:buAutoNum type="arabicPeriod"/>
+            </a:pPr>
+            <a:r>
+              <a:rPr lang="en-GB" sz="1100" dirty="0"/>
+              <a:t>Using PWM, </a:t>
+            </a:r>
+            <a:r>
+              <a:rPr lang="en-GB" sz="1100" dirty="0" smtClean="0"/>
+              <a:t>many ways</a:t>
+            </a:r>
+            <a:r>
+              <a:rPr lang="en-GB" sz="1100" dirty="0"/>
+              <a:t>,  to dim the LEDS</a:t>
+            </a:r>
+          </a:p>
+          <a:p>
+            <a:pPr marL="180000" indent="-478483">
+              <a:spcBef>
+                <a:spcPts val="300"/>
+              </a:spcBef>
+              <a:buFont typeface="+mj-lt"/>
+              <a:buAutoNum type="arabicPeriod"/>
+            </a:pPr>
+            <a:r>
+              <a:rPr lang="en-GB" sz="1100" dirty="0"/>
+              <a:t>Using an external interrupt to control an LED</a:t>
+            </a:r>
+          </a:p>
+          <a:p>
+            <a:pPr marL="180000" indent="-478483">
+              <a:spcBef>
+                <a:spcPts val="300"/>
+              </a:spcBef>
+              <a:buFont typeface="+mj-lt"/>
+              <a:buAutoNum type="arabicPeriod"/>
+            </a:pPr>
+            <a:r>
+              <a:rPr lang="en-GB" sz="1100" b="1" dirty="0"/>
+              <a:t>Using storage within the chip – Progmem, </a:t>
+            </a:r>
+            <a:r>
+              <a:rPr lang="en-GB" sz="1100" b="1" dirty="0" smtClean="0"/>
+              <a:t>EEPROM </a:t>
+            </a:r>
+            <a:r>
+              <a:rPr lang="en-GB" sz="1100" b="1" dirty="0"/>
+              <a:t>and DATA blocks</a:t>
+            </a:r>
+          </a:p>
+          <a:p>
+            <a:pPr marL="180000" indent="-478483">
+              <a:spcBef>
+                <a:spcPts val="300"/>
+              </a:spcBef>
+              <a:buFont typeface="+mj-lt"/>
+              <a:buAutoNum type="arabicPeriod"/>
+            </a:pPr>
+            <a:r>
+              <a:rPr lang="en-GB" sz="1100" dirty="0" smtClean="0"/>
+              <a:t>The </a:t>
+            </a:r>
+            <a:r>
+              <a:rPr lang="en-GB" sz="1100" dirty="0"/>
+              <a:t>GCBASIC tool chain</a:t>
+            </a:r>
+          </a:p>
+          <a:p>
+            <a:pPr marL="180000" indent="-478483">
+              <a:spcBef>
+                <a:spcPts val="300"/>
+              </a:spcBef>
+              <a:buFont typeface="+mj-lt"/>
+              <a:buAutoNum type="arabicPeriod"/>
+            </a:pPr>
+            <a:r>
+              <a:rPr lang="en-GB" sz="1100" dirty="0"/>
+              <a:t>Assembly , alternatives assemblers and MPLAB-X</a:t>
+            </a:r>
+          </a:p>
+          <a:p>
+            <a:pPr marL="180000" indent="-478483">
+              <a:spcBef>
+                <a:spcPts val="300"/>
+              </a:spcBef>
+              <a:buFont typeface="+mj-lt"/>
+              <a:buAutoNum type="arabicPeriod"/>
+            </a:pPr>
+            <a:r>
+              <a:rPr lang="en-GB" sz="1100" dirty="0"/>
+              <a:t>Summary</a:t>
+            </a:r>
+          </a:p>
+          <a:p>
+            <a:pPr marL="180000" indent="-478483">
+              <a:spcBef>
+                <a:spcPts val="300"/>
+              </a:spcBef>
+              <a:buFont typeface="+mj-lt"/>
+              <a:buAutoNum type="arabicPeriod"/>
+            </a:pPr>
+            <a:endParaRPr lang="en-GB" sz="400" dirty="0" smtClean="0">
+              <a:solidFill>
+                <a:schemeClr val="bg1">
+                  <a:lumMod val="75000"/>
+                </a:schemeClr>
+              </a:solidFill>
+            </a:endParaRPr>
+          </a:p>
+          <a:p>
+            <a:pPr marL="180000" indent="-478483">
+              <a:spcBef>
+                <a:spcPts val="300"/>
+              </a:spcBef>
+              <a:buNone/>
+            </a:pPr>
+            <a:endParaRPr lang="en-GB" sz="700" dirty="0" smtClean="0"/>
+          </a:p>
+          <a:p>
+            <a:pPr marL="180000" indent="-478483">
+              <a:spcBef>
+                <a:spcPts val="300"/>
+              </a:spcBef>
+              <a:buFont typeface="+mj-lt"/>
+              <a:buAutoNum type="arabicPeriod"/>
+            </a:pPr>
+            <a:endParaRPr lang="en-GB" sz="700" dirty="0" smtClean="0"/>
+          </a:p>
+          <a:p>
+            <a:pPr marL="180000" indent="-478483">
+              <a:spcBef>
+                <a:spcPts val="300"/>
+              </a:spcBef>
+              <a:buFont typeface="+mj-lt"/>
+              <a:buAutoNum type="arabicPeriod"/>
+            </a:pPr>
+            <a:endParaRPr lang="en-GB" sz="500" dirty="0" smtClean="0"/>
+          </a:p>
+          <a:p>
+            <a:pPr marL="180000" indent="-478483">
+              <a:spcBef>
+                <a:spcPts val="300"/>
+              </a:spcBef>
+              <a:buFont typeface="+mj-lt"/>
+              <a:buAutoNum type="arabicPeriod"/>
+            </a:pPr>
+            <a:endParaRPr lang="en-GB" sz="500" dirty="0" smtClean="0"/>
+          </a:p>
+          <a:p>
+            <a:pPr marL="180000" indent="-478483">
+              <a:spcBef>
+                <a:spcPts val="300"/>
+              </a:spcBef>
+              <a:buFont typeface="+mj-lt"/>
+              <a:buAutoNum type="arabicPeriod"/>
+            </a:pPr>
+            <a:endParaRPr lang="en-GB" sz="500" dirty="0" smtClean="0"/>
+          </a:p>
+          <a:p>
+            <a:pPr marL="180000" indent="-478483">
+              <a:spcBef>
+                <a:spcPts val="300"/>
+              </a:spcBef>
+              <a:buFont typeface="+mj-lt"/>
+              <a:buAutoNum type="arabicPeriod"/>
+            </a:pPr>
+            <a:endParaRPr lang="en-GB" sz="500" dirty="0"/>
           </a:p>
         </p:txBody>
       </p:sp>
     </p:spTree>
     <p:extLst>
       <p:ext uri="{BB962C8B-B14F-4D97-AF65-F5344CB8AC3E}">
-        <p14:creationId xmlns:p14="http://schemas.microsoft.com/office/powerpoint/2010/main" val="2233040175"/>
+        <p14:creationId xmlns:p14="http://schemas.microsoft.com/office/powerpoint/2010/main" val="865205494"/>
       </p:ext>
     </p:extLst>
   </p:cSld>
@@ -12645,10 +11074,10 @@
   </p:clrMapOvr>
   <mc:AlternateContent xmlns:mc="http://schemas.openxmlformats.org/markup-compatibility/2006" xmlns:p14="http://schemas.microsoft.com/office/powerpoint/2010/main">
     <mc:Choice Requires="p14">
-      <p:transition spd="slow" p14:dur="2000" advClick="0"/>
+      <p:transition spd="slow" p14:dur="2000"/>
     </mc:Choice>
     <mc:Fallback xmlns="">
-      <p:transition spd="slow" advClick="0"/>
+      <p:transition spd="slow"/>
     </mc:Fallback>
   </mc:AlternateContent>
   <p:timing>
@@ -12680,7 +11109,7 @@
       </p:grpSpPr>
       <p:sp>
         <p:nvSpPr>
-          <p:cNvPr id="2" name="Title 1"/>
+          <p:cNvPr id="4" name="Title 3"/>
           <p:cNvSpPr>
             <a:spLocks noGrp="1"/>
           </p:cNvSpPr>
@@ -12693,927 +11122,59 @@
           <a:bodyPr/>
           <a:lstStyle/>
           <a:p>
+            <a:r>
+              <a:rPr lang="en-GB" dirty="0" smtClean="0"/>
+              <a:t>GCBASIC</a:t>
+            </a:r>
             <a:endParaRPr lang="en-GB" dirty="0"/>
           </a:p>
         </p:txBody>
       </p:sp>
       <p:sp>
         <p:nvSpPr>
-          <p:cNvPr id="3" name="Content Placeholder 2"/>
+          <p:cNvPr id="5" name="Text Placeholder 4"/>
           <p:cNvSpPr>
             <a:spLocks noGrp="1"/>
           </p:cNvSpPr>
           <p:nvPr>
-            <p:ph idx="1"/>
+            <p:ph type="body" idx="1"/>
           </p:nvPr>
         </p:nvSpPr>
         <p:spPr/>
         <p:txBody>
-          <a:bodyPr/>
-          <a:lstStyle/>
-          <a:p>
-            <a:endParaRPr lang="en-GB" dirty="0"/>
-          </a:p>
-        </p:txBody>
-      </p:sp>
-    </p:spTree>
-  </p:cSld>
-  <p:clrMapOvr>
-    <a:masterClrMapping/>
-  </p:clrMapOvr>
-  <mc:AlternateContent xmlns:mc="http://schemas.openxmlformats.org/markup-compatibility/2006" xmlns:p14="http://schemas.microsoft.com/office/powerpoint/2010/main">
-    <mc:Choice Requires="p14">
-      <p:transition spd="slow" p14:dur="2000"/>
-    </mc:Choice>
-    <mc:Fallback xmlns="">
-      <p:transition spd="slow"/>
-    </mc:Fallback>
-  </mc:AlternateContent>
-  <p:timing>
-    <p:tnLst>
-      <p:par>
-        <p:cTn id="1" dur="indefinite" restart="never" nodeType="tmRoot"/>
-      </p:par>
-    </p:tnLst>
-  </p:timing>
-</p:sld>
-</file>
-
-<file path=ppt/slides/slide18.xml><?xml version="1.0" encoding="utf-8"?>
-<p:sld xmlns:a="http://schemas.openxmlformats.org/drawingml/2006/main" xmlns:r="http://schemas.openxmlformats.org/officeDocument/2006/relationships" xmlns:p="http://schemas.openxmlformats.org/presentationml/2006/main">
-  <p:cSld>
-    <p:spTree>
-      <p:nvGrpSpPr>
-        <p:cNvPr id="1" name=""/>
-        <p:cNvGrpSpPr/>
-        <p:nvPr/>
-      </p:nvGrpSpPr>
-      <p:grpSpPr>
-        <a:xfrm>
-          <a:off x="0" y="0"/>
-          <a:ext cx="0" cy="0"/>
-          <a:chOff x="0" y="0"/>
-          <a:chExt cx="0" cy="0"/>
-        </a:xfrm>
-      </p:grpSpPr>
-      <p:sp>
-        <p:nvSpPr>
-          <p:cNvPr id="2" name="Title 1"/>
-          <p:cNvSpPr>
-            <a:spLocks noGrp="1"/>
-          </p:cNvSpPr>
-          <p:nvPr>
-            <p:ph type="title"/>
-          </p:nvPr>
-        </p:nvSpPr>
-        <p:spPr/>
-        <p:txBody>
           <a:bodyPr>
-            <a:normAutofit/>
+            <a:normAutofit fontScale="85000" lnSpcReduction="20000"/>
           </a:bodyPr>
           <a:lstStyle/>
           <a:p>
             <a:r>
               <a:rPr lang="en-GB" dirty="0" smtClean="0"/>
-              <a:t>Videos...</a:t>
-            </a:r>
-            <a:endParaRPr lang="en-GB" dirty="0"/>
-          </a:p>
-        </p:txBody>
-      </p:sp>
-      <p:sp>
-        <p:nvSpPr>
-          <p:cNvPr id="3" name="Content Placeholder 2"/>
-          <p:cNvSpPr>
-            <a:spLocks noGrp="1"/>
-          </p:cNvSpPr>
-          <p:nvPr>
-            <p:ph idx="1"/>
-          </p:nvPr>
-        </p:nvSpPr>
-        <p:spPr>
-          <a:xfrm>
-            <a:off x="467544" y="987574"/>
-            <a:ext cx="6447501" cy="4111476"/>
-          </a:xfrm>
-          <a:solidFill>
-            <a:schemeClr val="bg1"/>
-          </a:solidFill>
-        </p:spPr>
-        <p:txBody>
-          <a:bodyPr>
-            <a:noAutofit/>
-          </a:bodyPr>
-          <a:lstStyle/>
-          <a:p>
-            <a:pPr marL="180000" indent="-478483">
-              <a:spcBef>
-                <a:spcPts val="300"/>
-              </a:spcBef>
-              <a:buFont typeface="+mj-lt"/>
-              <a:buAutoNum type="arabicPeriod"/>
-            </a:pPr>
-            <a:r>
-              <a:rPr lang="en-GB" sz="1100" dirty="0"/>
-              <a:t>Install the hardware and make the board work – three LED programs</a:t>
-            </a:r>
-          </a:p>
-          <a:p>
-            <a:pPr marL="180000" indent="-478483">
-              <a:spcBef>
-                <a:spcPts val="300"/>
-              </a:spcBef>
-              <a:buFont typeface="+mj-lt"/>
-              <a:buAutoNum type="arabicPeriod"/>
-            </a:pPr>
-            <a:r>
-              <a:rPr lang="en-GB" sz="1100" dirty="0"/>
-              <a:t>Make  four LEDs flash in a sequence</a:t>
-            </a:r>
-          </a:p>
-          <a:p>
-            <a:pPr marL="180000" indent="-478483">
-              <a:spcBef>
-                <a:spcPts val="300"/>
-              </a:spcBef>
-              <a:buFont typeface="+mj-lt"/>
-              <a:buAutoNum type="arabicPeriod"/>
-            </a:pPr>
-            <a:r>
-              <a:rPr lang="en-GB" sz="1100" dirty="0"/>
-              <a:t>Set the LEDs to represent the value of ADC</a:t>
-            </a:r>
-          </a:p>
-          <a:p>
-            <a:pPr marL="180000" indent="-478483">
-              <a:spcBef>
-                <a:spcPts val="300"/>
-              </a:spcBef>
-              <a:buFont typeface="+mj-lt"/>
-              <a:buAutoNum type="arabicPeriod"/>
-            </a:pPr>
-            <a:r>
-              <a:rPr lang="en-GB" sz="1100" dirty="0"/>
-              <a:t>Sequence the LEDs with a delay using the value of ADC</a:t>
-            </a:r>
-          </a:p>
-          <a:p>
-            <a:pPr marL="180000" indent="-478483">
-              <a:spcBef>
-                <a:spcPts val="300"/>
-              </a:spcBef>
-              <a:buFont typeface="+mj-lt"/>
-              <a:buAutoNum type="arabicPeriod"/>
-            </a:pPr>
-            <a:r>
-              <a:rPr lang="en-GB" sz="1100" dirty="0"/>
-              <a:t>Using an input to set the state of the LEDs</a:t>
-            </a:r>
-          </a:p>
-          <a:p>
-            <a:pPr marL="180000" indent="-478483">
-              <a:spcBef>
-                <a:spcPts val="300"/>
-              </a:spcBef>
-              <a:buFont typeface="+mj-lt"/>
-              <a:buAutoNum type="arabicPeriod"/>
-            </a:pPr>
-            <a:r>
-              <a:rPr lang="en-GB" sz="1100" dirty="0"/>
-              <a:t>Using the reset switch</a:t>
-            </a:r>
-          </a:p>
-          <a:p>
-            <a:pPr marL="180000" indent="-478483">
-              <a:spcBef>
-                <a:spcPts val="300"/>
-              </a:spcBef>
-              <a:buFont typeface="+mj-lt"/>
-              <a:buAutoNum type="arabicPeriod"/>
-            </a:pPr>
-            <a:r>
-              <a:rPr lang="en-GB" sz="1100" dirty="0"/>
-              <a:t>Using the switch, ADC – make the LEDs flash in a sequence with reverse</a:t>
-            </a:r>
-          </a:p>
-          <a:p>
-            <a:pPr marL="180000" indent="-478483">
-              <a:spcBef>
-                <a:spcPts val="300"/>
-              </a:spcBef>
-              <a:buFont typeface="+mj-lt"/>
-              <a:buAutoNum type="arabicPeriod"/>
-            </a:pPr>
-            <a:r>
-              <a:rPr lang="en-GB" sz="1100" dirty="0"/>
-              <a:t>Using the serial to display values</a:t>
-            </a:r>
-          </a:p>
-          <a:p>
-            <a:pPr marL="180000" indent="-478483">
-              <a:spcBef>
-                <a:spcPts val="300"/>
-              </a:spcBef>
-              <a:buFont typeface="+mj-lt"/>
-              <a:buAutoNum type="arabicPeriod"/>
-            </a:pPr>
-            <a:r>
-              <a:rPr lang="en-GB" sz="1100" dirty="0"/>
-              <a:t>Using the </a:t>
-            </a:r>
-            <a:r>
-              <a:rPr lang="en-GB" sz="1100" dirty="0" smtClean="0"/>
-              <a:t>timer0 </a:t>
-            </a:r>
-            <a:r>
-              <a:rPr lang="en-GB" sz="1100" dirty="0"/>
-              <a:t>overflow, 8bit timer, 16bit timer to flash the LEDs</a:t>
-            </a:r>
-          </a:p>
-          <a:p>
-            <a:pPr marL="180000" indent="-478483">
-              <a:spcBef>
-                <a:spcPts val="300"/>
-              </a:spcBef>
-              <a:buFont typeface="+mj-lt"/>
-              <a:buAutoNum type="arabicPeriod"/>
-            </a:pPr>
-            <a:r>
-              <a:rPr lang="en-GB" sz="1100" dirty="0"/>
-              <a:t>Using EEProm – showing values on the serial terminal, and more constants insights</a:t>
-            </a:r>
-          </a:p>
-          <a:p>
-            <a:pPr marL="180000" indent="-478483">
-              <a:spcBef>
-                <a:spcPts val="300"/>
-              </a:spcBef>
-              <a:buFont typeface="+mj-lt"/>
-              <a:buAutoNum type="arabicPeriod"/>
-            </a:pPr>
-            <a:r>
-              <a:rPr lang="en-GB" sz="1100" dirty="0"/>
-              <a:t>Using I2C with serial to discover I2C devices</a:t>
-            </a:r>
-          </a:p>
-          <a:p>
-            <a:pPr marL="180000" indent="-478483">
-              <a:spcBef>
-                <a:spcPts val="300"/>
-              </a:spcBef>
-              <a:buFont typeface="+mj-lt"/>
-              <a:buAutoNum type="arabicPeriod"/>
-            </a:pPr>
-            <a:r>
-              <a:rPr lang="en-GB" sz="1100" dirty="0"/>
-              <a:t>Using </a:t>
-            </a:r>
-            <a:r>
-              <a:rPr lang="en-GB" sz="1100" dirty="0" smtClean="0"/>
-              <a:t>I2C </a:t>
-            </a:r>
-            <a:r>
-              <a:rPr lang="en-GB" sz="1100" dirty="0"/>
-              <a:t>GCLD </a:t>
-            </a:r>
-            <a:r>
-              <a:rPr lang="en-GB" sz="1100" dirty="0" smtClean="0"/>
-              <a:t>display solutions</a:t>
-            </a:r>
-            <a:endParaRPr lang="en-GB" sz="1100" dirty="0"/>
-          </a:p>
-          <a:p>
-            <a:pPr marL="180000" indent="-478483">
-              <a:spcBef>
-                <a:spcPts val="300"/>
-              </a:spcBef>
-              <a:buFont typeface="+mj-lt"/>
-              <a:buAutoNum type="arabicPeriod"/>
-            </a:pPr>
-            <a:r>
-              <a:rPr lang="en-GB" sz="1100" dirty="0"/>
-              <a:t>Using a </a:t>
-            </a:r>
-            <a:r>
-              <a:rPr lang="en-GB" sz="1100" dirty="0" smtClean="0"/>
-              <a:t>SPI GLCD  display solutions</a:t>
-            </a:r>
-            <a:endParaRPr lang="en-GB" sz="1100" dirty="0"/>
-          </a:p>
-          <a:p>
-            <a:pPr marL="180000" indent="-478483">
-              <a:spcBef>
-                <a:spcPts val="300"/>
-              </a:spcBef>
-              <a:buFont typeface="+mj-lt"/>
-              <a:buAutoNum type="arabicPeriod"/>
-            </a:pPr>
-            <a:r>
-              <a:rPr lang="en-GB" sz="1100" dirty="0"/>
-              <a:t>Using PWM, </a:t>
-            </a:r>
-            <a:r>
-              <a:rPr lang="en-GB" sz="1100" dirty="0" smtClean="0"/>
-              <a:t>6  </a:t>
-            </a:r>
-            <a:r>
-              <a:rPr lang="en-GB" sz="1100" dirty="0"/>
-              <a:t>ways,  to dim the LEDS</a:t>
-            </a:r>
-          </a:p>
-          <a:p>
-            <a:pPr marL="180000" indent="-478483">
-              <a:spcBef>
-                <a:spcPts val="300"/>
-              </a:spcBef>
-              <a:buFont typeface="+mj-lt"/>
-              <a:buAutoNum type="arabicPeriod"/>
-            </a:pPr>
-            <a:r>
-              <a:rPr lang="en-GB" sz="1100" dirty="0"/>
-              <a:t>Using an external interrupt to control an LED</a:t>
-            </a:r>
-          </a:p>
-          <a:p>
-            <a:pPr marL="180000" indent="-478483">
-              <a:spcBef>
-                <a:spcPts val="300"/>
-              </a:spcBef>
-              <a:buFont typeface="+mj-lt"/>
-              <a:buAutoNum type="arabicPeriod"/>
-            </a:pPr>
-            <a:r>
-              <a:rPr lang="en-GB" sz="1100" dirty="0"/>
-              <a:t>Using storage within the chip – Progmem, SAF memory, EEPROM and DATA blocks</a:t>
-            </a:r>
-          </a:p>
-          <a:p>
-            <a:pPr marL="180000" indent="-478483">
-              <a:spcBef>
-                <a:spcPts val="300"/>
-              </a:spcBef>
-              <a:buFont typeface="+mj-lt"/>
-              <a:buAutoNum type="arabicPeriod"/>
-            </a:pPr>
-            <a:r>
-              <a:rPr lang="en-GB" sz="1100" b="1" dirty="0"/>
-              <a:t>Using CLC</a:t>
-            </a:r>
-          </a:p>
-          <a:p>
-            <a:pPr marL="180000" indent="-478483">
-              <a:spcBef>
-                <a:spcPts val="300"/>
-              </a:spcBef>
-              <a:buFont typeface="+mj-lt"/>
-              <a:buAutoNum type="arabicPeriod"/>
-            </a:pPr>
-            <a:r>
-              <a:rPr lang="en-GB" sz="1100" dirty="0"/>
-              <a:t>The GCBASIC tool chain</a:t>
-            </a:r>
-          </a:p>
-          <a:p>
-            <a:pPr marL="180000" indent="-478483">
-              <a:spcBef>
-                <a:spcPts val="300"/>
-              </a:spcBef>
-              <a:buFont typeface="+mj-lt"/>
-              <a:buAutoNum type="arabicPeriod"/>
-            </a:pPr>
-            <a:r>
-              <a:rPr lang="en-GB" sz="1100" dirty="0"/>
-              <a:t>Assembly , alternatives assemblers and MPLAB-X</a:t>
-            </a:r>
-          </a:p>
-          <a:p>
-            <a:pPr marL="180000" indent="-478483">
-              <a:spcBef>
-                <a:spcPts val="300"/>
-              </a:spcBef>
-              <a:buFont typeface="+mj-lt"/>
-              <a:buAutoNum type="arabicPeriod"/>
-            </a:pPr>
-            <a:r>
-              <a:rPr lang="en-GB" sz="1100" dirty="0"/>
-              <a:t>Summary</a:t>
-            </a:r>
-          </a:p>
-          <a:p>
-            <a:pPr marL="180000" indent="-478483">
-              <a:spcBef>
-                <a:spcPts val="300"/>
-              </a:spcBef>
-              <a:buFont typeface="+mj-lt"/>
-              <a:buAutoNum type="arabicPeriod"/>
-            </a:pPr>
-            <a:endParaRPr lang="en-GB" sz="400" dirty="0" smtClean="0">
-              <a:solidFill>
-                <a:schemeClr val="bg1">
-                  <a:lumMod val="75000"/>
-                </a:schemeClr>
-              </a:solidFill>
-            </a:endParaRPr>
-          </a:p>
-          <a:p>
-            <a:pPr marL="180000" indent="-478483">
-              <a:spcBef>
-                <a:spcPts val="300"/>
-              </a:spcBef>
-              <a:buNone/>
-            </a:pPr>
-            <a:endParaRPr lang="en-GB" sz="700" dirty="0" smtClean="0"/>
-          </a:p>
-          <a:p>
-            <a:pPr marL="180000" indent="-478483">
-              <a:spcBef>
-                <a:spcPts val="300"/>
-              </a:spcBef>
-              <a:buFont typeface="+mj-lt"/>
-              <a:buAutoNum type="arabicPeriod"/>
-            </a:pPr>
-            <a:endParaRPr lang="en-GB" sz="700" dirty="0" smtClean="0"/>
-          </a:p>
-          <a:p>
-            <a:pPr marL="180000" indent="-478483">
-              <a:spcBef>
-                <a:spcPts val="300"/>
-              </a:spcBef>
-              <a:buFont typeface="+mj-lt"/>
-              <a:buAutoNum type="arabicPeriod"/>
-            </a:pPr>
-            <a:endParaRPr lang="en-GB" sz="500" dirty="0" smtClean="0"/>
-          </a:p>
-          <a:p>
-            <a:pPr marL="180000" indent="-478483">
-              <a:spcBef>
-                <a:spcPts val="300"/>
-              </a:spcBef>
-              <a:buFont typeface="+mj-lt"/>
-              <a:buAutoNum type="arabicPeriod"/>
-            </a:pPr>
-            <a:endParaRPr lang="en-GB" sz="500" dirty="0" smtClean="0"/>
-          </a:p>
-          <a:p>
-            <a:pPr marL="180000" indent="-478483">
-              <a:spcBef>
-                <a:spcPts val="300"/>
-              </a:spcBef>
-              <a:buFont typeface="+mj-lt"/>
-              <a:buAutoNum type="arabicPeriod"/>
-            </a:pPr>
-            <a:endParaRPr lang="en-GB" sz="500" dirty="0" smtClean="0"/>
-          </a:p>
-          <a:p>
-            <a:pPr marL="180000" indent="-478483">
-              <a:spcBef>
-                <a:spcPts val="300"/>
-              </a:spcBef>
-              <a:buFont typeface="+mj-lt"/>
-              <a:buAutoNum type="arabicPeriod"/>
-            </a:pPr>
-            <a:endParaRPr lang="en-GB" sz="500" dirty="0"/>
+              <a:t>PIC16Fxxxx chip Family ( Legacy )</a:t>
+            </a:r>
+          </a:p>
+          <a:p>
+            <a:r>
+              <a:rPr lang="en-GB" dirty="0"/>
+              <a:t>Part 16 - </a:t>
+            </a:r>
+            <a:r>
+              <a:rPr lang="en-GB" sz="1400" dirty="0"/>
+              <a:t>Progmem, SAF memory, EEPROM and DATA blocks</a:t>
+            </a:r>
+            <a:endParaRPr lang="en-GB" sz="1600" dirty="0"/>
           </a:p>
         </p:txBody>
       </p:sp>
     </p:spTree>
     <p:extLst>
       <p:ext uri="{BB962C8B-B14F-4D97-AF65-F5344CB8AC3E}">
-        <p14:creationId xmlns:p14="http://schemas.microsoft.com/office/powerpoint/2010/main" val="21571518"/>
+        <p14:creationId xmlns:p14="http://schemas.microsoft.com/office/powerpoint/2010/main" val="1311308851"/>
       </p:ext>
     </p:extLst>
   </p:cSld>
   <p:clrMapOvr>
     <a:masterClrMapping/>
   </p:clrMapOvr>
-  <mc:AlternateContent xmlns:mc="http://schemas.openxmlformats.org/markup-compatibility/2006" xmlns:p14="http://schemas.microsoft.com/office/powerpoint/2010/main">
-    <mc:Choice Requires="p14">
-      <p:transition spd="slow" p14:dur="2000"/>
-    </mc:Choice>
-    <mc:Fallback xmlns="">
-      <p:transition spd="slow"/>
-    </mc:Fallback>
-  </mc:AlternateContent>
-  <p:timing>
-    <p:tnLst>
-      <p:par>
-        <p:cTn id="1" dur="indefinite" restart="never" nodeType="tmRoot"/>
-      </p:par>
-    </p:tnLst>
-  </p:timing>
-</p:sld>
-</file>
-
-<file path=ppt/slides/slide19.xml><?xml version="1.0" encoding="utf-8"?>
-<p:sld xmlns:a="http://schemas.openxmlformats.org/drawingml/2006/main" xmlns:r="http://schemas.openxmlformats.org/officeDocument/2006/relationships" xmlns:p="http://schemas.openxmlformats.org/presentationml/2006/main">
-  <p:cSld>
-    <p:spTree>
-      <p:nvGrpSpPr>
-        <p:cNvPr id="1" name=""/>
-        <p:cNvGrpSpPr/>
-        <p:nvPr/>
-      </p:nvGrpSpPr>
-      <p:grpSpPr>
-        <a:xfrm>
-          <a:off x="0" y="0"/>
-          <a:ext cx="0" cy="0"/>
-          <a:chOff x="0" y="0"/>
-          <a:chExt cx="0" cy="0"/>
-        </a:xfrm>
-      </p:grpSpPr>
-      <p:sp>
-        <p:nvSpPr>
-          <p:cNvPr id="2" name="Title 1"/>
-          <p:cNvSpPr>
-            <a:spLocks noGrp="1"/>
-          </p:cNvSpPr>
-          <p:nvPr>
-            <p:ph type="ctrTitle"/>
-          </p:nvPr>
-        </p:nvSpPr>
-        <p:spPr/>
-        <p:txBody>
-          <a:bodyPr/>
-          <a:lstStyle/>
-          <a:p>
-            <a:r>
-              <a:rPr lang="en-GB" dirty="0" smtClean="0"/>
-              <a:t>GCBASIC</a:t>
-            </a:r>
-            <a:endParaRPr lang="en-GB" dirty="0"/>
-          </a:p>
-        </p:txBody>
-      </p:sp>
-      <p:pic>
-        <p:nvPicPr>
-          <p:cNvPr id="1026" name="Picture 2" descr="D:\Build\AnobiumTransparent.jpg"/>
-          <p:cNvPicPr>
-            <a:picLocks noChangeAspect="1" noChangeArrowheads="1"/>
-          </p:cNvPicPr>
-          <p:nvPr/>
-        </p:nvPicPr>
-        <p:blipFill>
-          <a:blip r:embed="rId2" cstate="print"/>
-          <a:srcRect/>
-          <a:stretch>
-            <a:fillRect/>
-          </a:stretch>
-        </p:blipFill>
-        <p:spPr bwMode="auto">
-          <a:xfrm>
-            <a:off x="5292080" y="911052"/>
-            <a:ext cx="1828859" cy="771550"/>
-          </a:xfrm>
-          <a:prstGeom prst="rect">
-            <a:avLst/>
-          </a:prstGeom>
-          <a:noFill/>
-        </p:spPr>
-      </p:pic>
-      <p:sp>
-        <p:nvSpPr>
-          <p:cNvPr id="4" name="AutoShape 2" descr="ICSP connection"/>
-          <p:cNvSpPr>
-            <a:spLocks noChangeAspect="1" noChangeArrowheads="1"/>
-          </p:cNvSpPr>
-          <p:nvPr/>
-        </p:nvSpPr>
-        <p:spPr bwMode="auto">
-          <a:xfrm>
-            <a:off x="155575" y="-144462"/>
-            <a:ext cx="304800" cy="304801"/>
-          </a:xfrm>
-          <a:prstGeom prst="rect">
-            <a:avLst/>
-          </a:prstGeom>
-          <a:noFill/>
-        </p:spPr>
-        <p:txBody>
-          <a:bodyPr vert="horz" wrap="square" lIns="85064" tIns="42531" rIns="85064" bIns="42531" numCol="1" anchor="t" anchorCtr="0" compatLnSpc="1">
-            <a:prstTxWarp prst="textNoShape">
-              <a:avLst/>
-            </a:prstTxWarp>
-          </a:bodyPr>
-          <a:lstStyle/>
-          <a:p>
-            <a:endParaRPr lang="en-GB" dirty="0"/>
-          </a:p>
-        </p:txBody>
-      </p:sp>
-      <p:sp>
-        <p:nvSpPr>
-          <p:cNvPr id="8" name="Text Placeholder 4"/>
-          <p:cNvSpPr txBox="1">
-            <a:spLocks/>
-          </p:cNvSpPr>
-          <p:nvPr/>
-        </p:nvSpPr>
-        <p:spPr>
-          <a:xfrm>
-            <a:off x="3805512" y="2931790"/>
-            <a:ext cx="3342861" cy="645300"/>
-          </a:xfrm>
-          <a:prstGeom prst="rect">
-            <a:avLst/>
-          </a:prstGeom>
-        </p:spPr>
-        <p:txBody>
-          <a:bodyPr vert="horz" lIns="68580" tIns="34290" rIns="68580" bIns="34290" rtlCol="0" anchor="t">
-            <a:normAutofit fontScale="85000" lnSpcReduction="20000"/>
-          </a:bodyPr>
-          <a:lstStyle>
-            <a:lvl1pPr marL="0" indent="0" algn="r" defTabSz="342900" rtl="0" eaLnBrk="1" latinLnBrk="0" hangingPunct="1">
-              <a:spcBef>
-                <a:spcPts val="750"/>
-              </a:spcBef>
-              <a:spcAft>
-                <a:spcPts val="0"/>
-              </a:spcAft>
-              <a:buClr>
-                <a:schemeClr val="accent1"/>
-              </a:buClr>
-              <a:buSzPct val="80000"/>
-              <a:buFont typeface="Wingdings 3" charset="2"/>
-              <a:buNone/>
-              <a:defRPr sz="1400" kern="1200">
-                <a:solidFill>
-                  <a:schemeClr val="tx1">
-                    <a:lumMod val="50000"/>
-                    <a:lumOff val="50000"/>
-                  </a:schemeClr>
-                </a:solidFill>
-                <a:latin typeface="+mn-lt"/>
-                <a:ea typeface="+mn-ea"/>
-                <a:cs typeface="+mn-cs"/>
-              </a:defRPr>
-            </a:lvl1pPr>
-            <a:lvl2pPr marL="342900" indent="0" algn="ctr" defTabSz="342900" rtl="0" eaLnBrk="1" latinLnBrk="0" hangingPunct="1">
-              <a:spcBef>
-                <a:spcPts val="750"/>
-              </a:spcBef>
-              <a:spcAft>
-                <a:spcPts val="0"/>
-              </a:spcAft>
-              <a:buClr>
-                <a:schemeClr val="accent1"/>
-              </a:buClr>
-              <a:buSzPct val="80000"/>
-              <a:buFont typeface="Wingdings 3" charset="2"/>
-              <a:buNone/>
-              <a:defRPr sz="1200" kern="1200">
-                <a:solidFill>
-                  <a:schemeClr val="tx1">
-                    <a:tint val="75000"/>
-                  </a:schemeClr>
-                </a:solidFill>
-                <a:latin typeface="+mn-lt"/>
-                <a:ea typeface="+mn-ea"/>
-                <a:cs typeface="+mn-cs"/>
-              </a:defRPr>
-            </a:lvl2pPr>
-            <a:lvl3pPr marL="685800" indent="0" algn="ctr" defTabSz="342900" rtl="0" eaLnBrk="1" latinLnBrk="0" hangingPunct="1">
-              <a:spcBef>
-                <a:spcPts val="750"/>
-              </a:spcBef>
-              <a:spcAft>
-                <a:spcPts val="0"/>
-              </a:spcAft>
-              <a:buClr>
-                <a:schemeClr val="accent1"/>
-              </a:buClr>
-              <a:buSzPct val="80000"/>
-              <a:buFont typeface="Wingdings 3" charset="2"/>
-              <a:buNone/>
-              <a:defRPr sz="1100" kern="1200">
-                <a:solidFill>
-                  <a:schemeClr val="tx1">
-                    <a:tint val="75000"/>
-                  </a:schemeClr>
-                </a:solidFill>
-                <a:latin typeface="+mn-lt"/>
-                <a:ea typeface="+mn-ea"/>
-                <a:cs typeface="+mn-cs"/>
-              </a:defRPr>
-            </a:lvl3pPr>
-            <a:lvl4pPr marL="1028700" indent="0" algn="ctr" defTabSz="342900" rtl="0" eaLnBrk="1" latinLnBrk="0" hangingPunct="1">
-              <a:spcBef>
-                <a:spcPts val="750"/>
-              </a:spcBef>
-              <a:spcAft>
-                <a:spcPts val="0"/>
-              </a:spcAft>
-              <a:buClr>
-                <a:schemeClr val="accent1"/>
-              </a:buClr>
-              <a:buSzPct val="80000"/>
-              <a:buFont typeface="Wingdings 3" charset="2"/>
-              <a:buNone/>
-              <a:defRPr sz="900" kern="1200">
-                <a:solidFill>
-                  <a:schemeClr val="tx1">
-                    <a:tint val="75000"/>
-                  </a:schemeClr>
-                </a:solidFill>
-                <a:latin typeface="+mn-lt"/>
-                <a:ea typeface="+mn-ea"/>
-                <a:cs typeface="+mn-cs"/>
-              </a:defRPr>
-            </a:lvl4pPr>
-            <a:lvl5pPr marL="1371600" indent="0" algn="ctr" defTabSz="342900" rtl="0" eaLnBrk="1" latinLnBrk="0" hangingPunct="1">
-              <a:spcBef>
-                <a:spcPts val="750"/>
-              </a:spcBef>
-              <a:spcAft>
-                <a:spcPts val="0"/>
-              </a:spcAft>
-              <a:buClr>
-                <a:schemeClr val="accent1"/>
-              </a:buClr>
-              <a:buSzPct val="80000"/>
-              <a:buFont typeface="Wingdings 3" charset="2"/>
-              <a:buNone/>
-              <a:defRPr sz="900" kern="1200">
-                <a:solidFill>
-                  <a:schemeClr val="tx1">
-                    <a:tint val="75000"/>
-                  </a:schemeClr>
-                </a:solidFill>
-                <a:latin typeface="+mn-lt"/>
-                <a:ea typeface="+mn-ea"/>
-                <a:cs typeface="+mn-cs"/>
-              </a:defRPr>
-            </a:lvl5pPr>
-            <a:lvl6pPr marL="1714500" indent="0" algn="ctr" defTabSz="342900" rtl="0" eaLnBrk="1" latinLnBrk="0" hangingPunct="1">
-              <a:spcBef>
-                <a:spcPts val="750"/>
-              </a:spcBef>
-              <a:spcAft>
-                <a:spcPts val="0"/>
-              </a:spcAft>
-              <a:buClr>
-                <a:schemeClr val="accent1"/>
-              </a:buClr>
-              <a:buSzPct val="80000"/>
-              <a:buFont typeface="Wingdings 3" charset="2"/>
-              <a:buNone/>
-              <a:defRPr sz="900" kern="1200">
-                <a:solidFill>
-                  <a:schemeClr val="tx1">
-                    <a:tint val="75000"/>
-                  </a:schemeClr>
-                </a:solidFill>
-                <a:latin typeface="+mn-lt"/>
-                <a:ea typeface="+mn-ea"/>
-                <a:cs typeface="+mn-cs"/>
-              </a:defRPr>
-            </a:lvl6pPr>
-            <a:lvl7pPr marL="2057400" indent="0" algn="ctr" defTabSz="342900" rtl="0" eaLnBrk="1" latinLnBrk="0" hangingPunct="1">
-              <a:spcBef>
-                <a:spcPts val="750"/>
-              </a:spcBef>
-              <a:spcAft>
-                <a:spcPts val="0"/>
-              </a:spcAft>
-              <a:buClr>
-                <a:schemeClr val="accent1"/>
-              </a:buClr>
-              <a:buSzPct val="80000"/>
-              <a:buFont typeface="Wingdings 3" charset="2"/>
-              <a:buNone/>
-              <a:defRPr sz="900" kern="1200">
-                <a:solidFill>
-                  <a:schemeClr val="tx1">
-                    <a:tint val="75000"/>
-                  </a:schemeClr>
-                </a:solidFill>
-                <a:latin typeface="+mn-lt"/>
-                <a:ea typeface="+mn-ea"/>
-                <a:cs typeface="+mn-cs"/>
-              </a:defRPr>
-            </a:lvl7pPr>
-            <a:lvl8pPr marL="2400300" indent="0" algn="ctr" defTabSz="342900" rtl="0" eaLnBrk="1" latinLnBrk="0" hangingPunct="1">
-              <a:spcBef>
-                <a:spcPts val="750"/>
-              </a:spcBef>
-              <a:spcAft>
-                <a:spcPts val="0"/>
-              </a:spcAft>
-              <a:buClr>
-                <a:schemeClr val="accent1"/>
-              </a:buClr>
-              <a:buSzPct val="80000"/>
-              <a:buFont typeface="Wingdings 3" charset="2"/>
-              <a:buNone/>
-              <a:defRPr sz="900" kern="1200">
-                <a:solidFill>
-                  <a:schemeClr val="tx1">
-                    <a:tint val="75000"/>
-                  </a:schemeClr>
-                </a:solidFill>
-                <a:latin typeface="+mn-lt"/>
-                <a:ea typeface="+mn-ea"/>
-                <a:cs typeface="+mn-cs"/>
-              </a:defRPr>
-            </a:lvl8pPr>
-            <a:lvl9pPr marL="2743200" indent="0" algn="ctr" defTabSz="342900" rtl="0" eaLnBrk="1" latinLnBrk="0" hangingPunct="1">
-              <a:spcBef>
-                <a:spcPts val="750"/>
-              </a:spcBef>
-              <a:spcAft>
-                <a:spcPts val="0"/>
-              </a:spcAft>
-              <a:buClr>
-                <a:schemeClr val="accent1"/>
-              </a:buClr>
-              <a:buSzPct val="80000"/>
-              <a:buFont typeface="Wingdings 3" charset="2"/>
-              <a:buNone/>
-              <a:defRPr sz="900" kern="1200">
-                <a:solidFill>
-                  <a:schemeClr val="tx1">
-                    <a:tint val="75000"/>
-                  </a:schemeClr>
-                </a:solidFill>
-                <a:latin typeface="+mn-lt"/>
-                <a:ea typeface="+mn-ea"/>
-                <a:cs typeface="+mn-cs"/>
-              </a:defRPr>
-            </a:lvl9pPr>
-          </a:lstStyle>
-          <a:p>
-            <a:r>
-              <a:rPr lang="en-GB" dirty="0" smtClean="0"/>
-              <a:t>PIC18FxxQ24</a:t>
-            </a:r>
-          </a:p>
-          <a:p>
-            <a:r>
-              <a:rPr lang="en-GB" dirty="0" smtClean="0"/>
-              <a:t>Part 16 - Progmem, SAF memory, EEPROM and DATA blocks</a:t>
-            </a:r>
-            <a:endParaRPr lang="en-GB" dirty="0"/>
-          </a:p>
-        </p:txBody>
-      </p:sp>
-      <p:pic>
-        <p:nvPicPr>
-          <p:cNvPr id="10" name="Picture 2" descr="PIC18F26Q24"/>
-          <p:cNvPicPr>
-            <a:picLocks noChangeAspect="1" noChangeArrowheads="1"/>
-          </p:cNvPicPr>
-          <p:nvPr/>
-        </p:nvPicPr>
-        <p:blipFill>
-          <a:blip r:embed="rId3" cstate="print">
-            <a:extLst>
-              <a:ext uri="{28A0092B-C50C-407E-A947-70E740481C1C}">
-                <a14:useLocalDpi xmlns:a14="http://schemas.microsoft.com/office/drawing/2010/main" val="0"/>
-              </a:ext>
-            </a:extLst>
-          </a:blip>
-          <a:srcRect/>
-          <a:stretch>
-            <a:fillRect/>
-          </a:stretch>
-        </p:blipFill>
-        <p:spPr bwMode="auto">
-          <a:xfrm>
-            <a:off x="1907705" y="4116163"/>
-            <a:ext cx="1280738" cy="922132"/>
-          </a:xfrm>
-          <a:prstGeom prst="rect">
-            <a:avLst/>
-          </a:prstGeom>
-          <a:noFill/>
-          <a:extLst>
-            <a:ext uri="{909E8E84-426E-40DD-AFC4-6F175D3DCCD1}">
-              <a14:hiddenFill xmlns:a14="http://schemas.microsoft.com/office/drawing/2010/main">
-                <a:solidFill>
-                  <a:srgbClr val="FFFFFF"/>
-                </a:solidFill>
-              </a14:hiddenFill>
-            </a:ext>
-          </a:extLst>
-        </p:spPr>
-      </p:pic>
-    </p:spTree>
-    <p:extLst>
-      <p:ext uri="{BB962C8B-B14F-4D97-AF65-F5344CB8AC3E}">
-        <p14:creationId xmlns:p14="http://schemas.microsoft.com/office/powerpoint/2010/main" val="1215653422"/>
-      </p:ext>
-    </p:extLst>
-  </p:cSld>
-  <p:clrMapOvr>
-    <a:masterClrMapping/>
-  </p:clrMapOvr>
-  <mc:AlternateContent xmlns:mc="http://schemas.openxmlformats.org/markup-compatibility/2006" xmlns:p14="http://schemas.microsoft.com/office/powerpoint/2010/main">
-    <mc:Choice Requires="p14">
-      <p:transition spd="slow" p14:dur="2000"/>
-    </mc:Choice>
-    <mc:Fallback xmlns="">
-      <p:transition spd="slow"/>
-    </mc:Fallback>
-  </mc:AlternateContent>
   <p:timing>
     <p:tnLst>
       <p:par>
@@ -13664,6 +11225,54 @@
           </a:p>
         </p:txBody>
       </p:sp>
+      <p:sp>
+        <p:nvSpPr>
+          <p:cNvPr id="3" name="Subtitle 2"/>
+          <p:cNvSpPr>
+            <a:spLocks noGrp="1"/>
+          </p:cNvSpPr>
+          <p:nvPr>
+            <p:ph type="subTitle" idx="1"/>
+          </p:nvPr>
+        </p:nvSpPr>
+        <p:spPr>
+          <a:xfrm>
+            <a:off x="179513" y="2914650"/>
+            <a:ext cx="6840759" cy="1925352"/>
+          </a:xfrm>
+        </p:spPr>
+        <p:txBody>
+          <a:bodyPr>
+            <a:normAutofit/>
+          </a:bodyPr>
+          <a:lstStyle/>
+          <a:p>
+            <a:r>
+              <a:rPr lang="en-GB" dirty="0" smtClean="0"/>
+              <a:t>PIC16Fxxxx chip Family ( Legacy )</a:t>
+            </a:r>
+            <a:endParaRPr lang="en-GB" dirty="0"/>
+          </a:p>
+          <a:p>
+            <a:r>
+              <a:rPr lang="en-GB" dirty="0"/>
+              <a:t>Part 16 - Progmem, SAF memory, EEPROM and DATA blocks</a:t>
+            </a:r>
+            <a:endParaRPr lang="en-GB" sz="1600" dirty="0"/>
+          </a:p>
+          <a:p>
+            <a:r>
+              <a:rPr lang="en-GB" sz="1700" dirty="0" smtClean="0"/>
+              <a:t>January </a:t>
+            </a:r>
+            <a:r>
+              <a:rPr lang="en-GB" sz="1700" dirty="0" smtClean="0"/>
+              <a:t>2025</a:t>
+            </a:r>
+            <a:endParaRPr lang="en-GB" sz="1700" dirty="0"/>
+          </a:p>
+        </p:txBody>
+      </p:sp>
       <p:pic>
         <p:nvPicPr>
           <p:cNvPr id="1026" name="Picture 2" descr="D:\Build\AnobiumTransparent.jpg"/>
@@ -13720,303 +11329,12 @@
           </a:p>
         </p:txBody>
       </p:sp>
-      <p:sp>
-        <p:nvSpPr>
-          <p:cNvPr id="8" name="Text Placeholder 4"/>
-          <p:cNvSpPr txBox="1">
-            <a:spLocks/>
-          </p:cNvSpPr>
-          <p:nvPr/>
-        </p:nvSpPr>
-        <p:spPr>
-          <a:xfrm>
-            <a:off x="3805512" y="2931790"/>
-            <a:ext cx="3342861" cy="645300"/>
-          </a:xfrm>
-          <a:prstGeom prst="rect">
-            <a:avLst/>
-          </a:prstGeom>
-        </p:spPr>
-        <p:txBody>
-          <a:bodyPr vert="horz" lIns="68580" tIns="34290" rIns="68580" bIns="34290" rtlCol="0" anchor="t">
-            <a:normAutofit fontScale="85000" lnSpcReduction="20000"/>
-          </a:bodyPr>
-          <a:lstStyle>
-            <a:lvl1pPr marL="0" indent="0" algn="r" defTabSz="342900" rtl="0" eaLnBrk="1" latinLnBrk="0" hangingPunct="1">
-              <a:spcBef>
-                <a:spcPts val="750"/>
-              </a:spcBef>
-              <a:spcAft>
-                <a:spcPts val="0"/>
-              </a:spcAft>
-              <a:buClr>
-                <a:schemeClr val="accent1"/>
-              </a:buClr>
-              <a:buSzPct val="80000"/>
-              <a:buFont typeface="Wingdings 3" charset="2"/>
-              <a:buNone/>
-              <a:defRPr sz="1400" kern="1200">
-                <a:solidFill>
-                  <a:schemeClr val="tx1">
-                    <a:lumMod val="50000"/>
-                    <a:lumOff val="50000"/>
-                  </a:schemeClr>
-                </a:solidFill>
-                <a:latin typeface="+mn-lt"/>
-                <a:ea typeface="+mn-ea"/>
-                <a:cs typeface="+mn-cs"/>
-              </a:defRPr>
-            </a:lvl1pPr>
-            <a:lvl2pPr marL="342900" indent="0" algn="ctr" defTabSz="342900" rtl="0" eaLnBrk="1" latinLnBrk="0" hangingPunct="1">
-              <a:spcBef>
-                <a:spcPts val="750"/>
-              </a:spcBef>
-              <a:spcAft>
-                <a:spcPts val="0"/>
-              </a:spcAft>
-              <a:buClr>
-                <a:schemeClr val="accent1"/>
-              </a:buClr>
-              <a:buSzPct val="80000"/>
-              <a:buFont typeface="Wingdings 3" charset="2"/>
-              <a:buNone/>
-              <a:defRPr sz="1200" kern="1200">
-                <a:solidFill>
-                  <a:schemeClr val="tx1">
-                    <a:tint val="75000"/>
-                  </a:schemeClr>
-                </a:solidFill>
-                <a:latin typeface="+mn-lt"/>
-                <a:ea typeface="+mn-ea"/>
-                <a:cs typeface="+mn-cs"/>
-              </a:defRPr>
-            </a:lvl2pPr>
-            <a:lvl3pPr marL="685800" indent="0" algn="ctr" defTabSz="342900" rtl="0" eaLnBrk="1" latinLnBrk="0" hangingPunct="1">
-              <a:spcBef>
-                <a:spcPts val="750"/>
-              </a:spcBef>
-              <a:spcAft>
-                <a:spcPts val="0"/>
-              </a:spcAft>
-              <a:buClr>
-                <a:schemeClr val="accent1"/>
-              </a:buClr>
-              <a:buSzPct val="80000"/>
-              <a:buFont typeface="Wingdings 3" charset="2"/>
-              <a:buNone/>
-              <a:defRPr sz="1100" kern="1200">
-                <a:solidFill>
-                  <a:schemeClr val="tx1">
-                    <a:tint val="75000"/>
-                  </a:schemeClr>
-                </a:solidFill>
-                <a:latin typeface="+mn-lt"/>
-                <a:ea typeface="+mn-ea"/>
-                <a:cs typeface="+mn-cs"/>
-              </a:defRPr>
-            </a:lvl3pPr>
-            <a:lvl4pPr marL="1028700" indent="0" algn="ctr" defTabSz="342900" rtl="0" eaLnBrk="1" latinLnBrk="0" hangingPunct="1">
-              <a:spcBef>
-                <a:spcPts val="750"/>
-              </a:spcBef>
-              <a:spcAft>
-                <a:spcPts val="0"/>
-              </a:spcAft>
-              <a:buClr>
-                <a:schemeClr val="accent1"/>
-              </a:buClr>
-              <a:buSzPct val="80000"/>
-              <a:buFont typeface="Wingdings 3" charset="2"/>
-              <a:buNone/>
-              <a:defRPr sz="900" kern="1200">
-                <a:solidFill>
-                  <a:schemeClr val="tx1">
-                    <a:tint val="75000"/>
-                  </a:schemeClr>
-                </a:solidFill>
-                <a:latin typeface="+mn-lt"/>
-                <a:ea typeface="+mn-ea"/>
-                <a:cs typeface="+mn-cs"/>
-              </a:defRPr>
-            </a:lvl4pPr>
-            <a:lvl5pPr marL="1371600" indent="0" algn="ctr" defTabSz="342900" rtl="0" eaLnBrk="1" latinLnBrk="0" hangingPunct="1">
-              <a:spcBef>
-                <a:spcPts val="750"/>
-              </a:spcBef>
-              <a:spcAft>
-                <a:spcPts val="0"/>
-              </a:spcAft>
-              <a:buClr>
-                <a:schemeClr val="accent1"/>
-              </a:buClr>
-              <a:buSzPct val="80000"/>
-              <a:buFont typeface="Wingdings 3" charset="2"/>
-              <a:buNone/>
-              <a:defRPr sz="900" kern="1200">
-                <a:solidFill>
-                  <a:schemeClr val="tx1">
-                    <a:tint val="75000"/>
-                  </a:schemeClr>
-                </a:solidFill>
-                <a:latin typeface="+mn-lt"/>
-                <a:ea typeface="+mn-ea"/>
-                <a:cs typeface="+mn-cs"/>
-              </a:defRPr>
-            </a:lvl5pPr>
-            <a:lvl6pPr marL="1714500" indent="0" algn="ctr" defTabSz="342900" rtl="0" eaLnBrk="1" latinLnBrk="0" hangingPunct="1">
-              <a:spcBef>
-                <a:spcPts val="750"/>
-              </a:spcBef>
-              <a:spcAft>
-                <a:spcPts val="0"/>
-              </a:spcAft>
-              <a:buClr>
-                <a:schemeClr val="accent1"/>
-              </a:buClr>
-              <a:buSzPct val="80000"/>
-              <a:buFont typeface="Wingdings 3" charset="2"/>
-              <a:buNone/>
-              <a:defRPr sz="900" kern="1200">
-                <a:solidFill>
-                  <a:schemeClr val="tx1">
-                    <a:tint val="75000"/>
-                  </a:schemeClr>
-                </a:solidFill>
-                <a:latin typeface="+mn-lt"/>
-                <a:ea typeface="+mn-ea"/>
-                <a:cs typeface="+mn-cs"/>
-              </a:defRPr>
-            </a:lvl6pPr>
-            <a:lvl7pPr marL="2057400" indent="0" algn="ctr" defTabSz="342900" rtl="0" eaLnBrk="1" latinLnBrk="0" hangingPunct="1">
-              <a:spcBef>
-                <a:spcPts val="750"/>
-              </a:spcBef>
-              <a:spcAft>
-                <a:spcPts val="0"/>
-              </a:spcAft>
-              <a:buClr>
-                <a:schemeClr val="accent1"/>
-              </a:buClr>
-              <a:buSzPct val="80000"/>
-              <a:buFont typeface="Wingdings 3" charset="2"/>
-              <a:buNone/>
-              <a:defRPr sz="900" kern="1200">
-                <a:solidFill>
-                  <a:schemeClr val="tx1">
-                    <a:tint val="75000"/>
-                  </a:schemeClr>
-                </a:solidFill>
-                <a:latin typeface="+mn-lt"/>
-                <a:ea typeface="+mn-ea"/>
-                <a:cs typeface="+mn-cs"/>
-              </a:defRPr>
-            </a:lvl7pPr>
-            <a:lvl8pPr marL="2400300" indent="0" algn="ctr" defTabSz="342900" rtl="0" eaLnBrk="1" latinLnBrk="0" hangingPunct="1">
-              <a:spcBef>
-                <a:spcPts val="750"/>
-              </a:spcBef>
-              <a:spcAft>
-                <a:spcPts val="0"/>
-              </a:spcAft>
-              <a:buClr>
-                <a:schemeClr val="accent1"/>
-              </a:buClr>
-              <a:buSzPct val="80000"/>
-              <a:buFont typeface="Wingdings 3" charset="2"/>
-              <a:buNone/>
-              <a:defRPr sz="900" kern="1200">
-                <a:solidFill>
-                  <a:schemeClr val="tx1">
-                    <a:tint val="75000"/>
-                  </a:schemeClr>
-                </a:solidFill>
-                <a:latin typeface="+mn-lt"/>
-                <a:ea typeface="+mn-ea"/>
-                <a:cs typeface="+mn-cs"/>
-              </a:defRPr>
-            </a:lvl8pPr>
-            <a:lvl9pPr marL="2743200" indent="0" algn="ctr" defTabSz="342900" rtl="0" eaLnBrk="1" latinLnBrk="0" hangingPunct="1">
-              <a:spcBef>
-                <a:spcPts val="750"/>
-              </a:spcBef>
-              <a:spcAft>
-                <a:spcPts val="0"/>
-              </a:spcAft>
-              <a:buClr>
-                <a:schemeClr val="accent1"/>
-              </a:buClr>
-              <a:buSzPct val="80000"/>
-              <a:buFont typeface="Wingdings 3" charset="2"/>
-              <a:buNone/>
-              <a:defRPr sz="900" kern="1200">
-                <a:solidFill>
-                  <a:schemeClr val="tx1">
-                    <a:tint val="75000"/>
-                  </a:schemeClr>
-                </a:solidFill>
-                <a:latin typeface="+mn-lt"/>
-                <a:ea typeface="+mn-ea"/>
-                <a:cs typeface="+mn-cs"/>
-              </a:defRPr>
-            </a:lvl9pPr>
-          </a:lstStyle>
-          <a:p>
-            <a:r>
-              <a:rPr lang="en-GB" dirty="0" smtClean="0"/>
-              <a:t>PIC18FxxQ24</a:t>
-            </a:r>
-          </a:p>
-          <a:p>
-            <a:r>
-              <a:rPr lang="en-GB" dirty="0" smtClean="0"/>
-              <a:t>Part 16 - Progmem, SAF memory, EEPROM and DATA blocks</a:t>
-            </a:r>
-            <a:endParaRPr lang="en-GB" dirty="0"/>
-          </a:p>
-        </p:txBody>
-      </p:sp>
-      <p:pic>
-        <p:nvPicPr>
-          <p:cNvPr id="10" name="Picture 2" descr="PIC18F26Q24"/>
-          <p:cNvPicPr>
-            <a:picLocks noChangeAspect="1" noChangeArrowheads="1"/>
-          </p:cNvPicPr>
-          <p:nvPr/>
-        </p:nvPicPr>
-        <p:blipFill>
-          <a:blip r:embed="rId3" cstate="print">
-            <a:extLst>
-              <a:ext uri="{28A0092B-C50C-407E-A947-70E740481C1C}">
-                <a14:useLocalDpi xmlns:a14="http://schemas.microsoft.com/office/drawing/2010/main" val="0"/>
-              </a:ext>
-            </a:extLst>
-          </a:blip>
-          <a:srcRect/>
-          <a:stretch>
-            <a:fillRect/>
-          </a:stretch>
-        </p:blipFill>
-        <p:spPr bwMode="auto">
-          <a:xfrm>
-            <a:off x="1907705" y="4116163"/>
-            <a:ext cx="1280738" cy="922132"/>
-          </a:xfrm>
-          <a:prstGeom prst="rect">
-            <a:avLst/>
-          </a:prstGeom>
-          <a:noFill/>
-          <a:extLst>
-            <a:ext uri="{909E8E84-426E-40DD-AFC4-6F175D3DCCD1}">
-              <a14:hiddenFill xmlns:a14="http://schemas.microsoft.com/office/drawing/2010/main">
-                <a:solidFill>
-                  <a:srgbClr val="FFFFFF"/>
-                </a:solidFill>
-              </a14:hiddenFill>
-            </a:ext>
-          </a:extLst>
-        </p:spPr>
-      </p:pic>
     </p:spTree>
+    <p:extLst>
+      <p:ext uri="{BB962C8B-B14F-4D97-AF65-F5344CB8AC3E}">
+        <p14:creationId xmlns:p14="http://schemas.microsoft.com/office/powerpoint/2010/main" val="473771074"/>
+      </p:ext>
+    </p:extLst>
   </p:cSld>
   <p:clrMapOvr>
     <a:masterClrMapping/>
@@ -14212,121 +11530,10 @@
           </a:p>
         </p:txBody>
       </p:sp>
-      <p:pic>
-        <p:nvPicPr>
-          <p:cNvPr id="8" name="Picture 2" descr="PIC18F26Q24"/>
-          <p:cNvPicPr>
-            <a:picLocks noChangeAspect="1" noChangeArrowheads="1"/>
-          </p:cNvPicPr>
-          <p:nvPr/>
-        </p:nvPicPr>
-        <p:blipFill>
-          <a:blip r:embed="rId3" cstate="print">
-            <a:extLst>
-              <a:ext uri="{28A0092B-C50C-407E-A947-70E740481C1C}">
-                <a14:useLocalDpi xmlns:a14="http://schemas.microsoft.com/office/drawing/2010/main" val="0"/>
-              </a:ext>
-            </a:extLst>
-          </a:blip>
-          <a:srcRect/>
-          <a:stretch>
-            <a:fillRect/>
-          </a:stretch>
-        </p:blipFill>
-        <p:spPr bwMode="auto">
-          <a:xfrm>
-            <a:off x="1907705" y="4116163"/>
-            <a:ext cx="1280738" cy="922132"/>
-          </a:xfrm>
-          <a:prstGeom prst="rect">
-            <a:avLst/>
-          </a:prstGeom>
-          <a:noFill/>
-          <a:extLst>
-            <a:ext uri="{909E8E84-426E-40DD-AFC4-6F175D3DCCD1}">
-              <a14:hiddenFill xmlns:a14="http://schemas.microsoft.com/office/drawing/2010/main">
-                <a:solidFill>
-                  <a:srgbClr val="FFFFFF"/>
-                </a:solidFill>
-              </a14:hiddenFill>
-            </a:ext>
-          </a:extLst>
-        </p:spPr>
-      </p:pic>
-      <p:pic>
-        <p:nvPicPr>
-          <p:cNvPr id="10" name="Picture 8" descr="C:\Users\admin\OneDrive\Desktop\Picture1.jpg"/>
-          <p:cNvPicPr>
-            <a:picLocks noChangeAspect="1" noChangeArrowheads="1"/>
-          </p:cNvPicPr>
-          <p:nvPr/>
-        </p:nvPicPr>
-        <p:blipFill>
-          <a:blip r:embed="rId4">
-            <a:extLst>
-              <a:ext uri="{28A0092B-C50C-407E-A947-70E740481C1C}">
-                <a14:useLocalDpi xmlns:a14="http://schemas.microsoft.com/office/drawing/2010/main" val="0"/>
-              </a:ext>
-            </a:extLst>
-          </a:blip>
-          <a:srcRect/>
-          <a:stretch>
-            <a:fillRect/>
-          </a:stretch>
-        </p:blipFill>
-        <p:spPr bwMode="auto">
-          <a:xfrm>
-            <a:off x="3995936" y="3937587"/>
-            <a:ext cx="2320300" cy="1129258"/>
-          </a:xfrm>
-          <a:prstGeom prst="rect">
-            <a:avLst/>
-          </a:prstGeom>
-          <a:noFill/>
-          <a:extLst>
-            <a:ext uri="{909E8E84-426E-40DD-AFC4-6F175D3DCCD1}">
-              <a14:hiddenFill xmlns:a14="http://schemas.microsoft.com/office/drawing/2010/main">
-                <a:solidFill>
-                  <a:srgbClr val="FFFFFF"/>
-                </a:solidFill>
-              </a14:hiddenFill>
-            </a:ext>
-          </a:extLst>
-        </p:spPr>
-      </p:pic>
-      <p:sp>
-        <p:nvSpPr>
-          <p:cNvPr id="11" name="Date Placeholder 3"/>
-          <p:cNvSpPr>
-            <a:spLocks noGrp="1"/>
-          </p:cNvSpPr>
-          <p:nvPr>
-            <p:ph type="dt" sz="half" idx="10"/>
-          </p:nvPr>
-        </p:nvSpPr>
-        <p:spPr>
-          <a:xfrm>
-            <a:off x="6113182" y="4384422"/>
-            <a:ext cx="354882" cy="305233"/>
-          </a:xfrm>
-        </p:spPr>
-        <p:txBody>
-          <a:bodyPr/>
-          <a:lstStyle/>
-          <a:p>
-            <a:fld id="{1E700B27-DE4C-4B9E-BB11-B9027034A00F}" type="datetimeFigureOut">
-              <a:rPr lang="en-US" smtClean="0"/>
-              <a:pPr/>
-              <a:t>12/14/2024</a:t>
-            </a:fld>
-            <a:endParaRPr lang="en-US" dirty="0"/>
-          </a:p>
-        </p:txBody>
-      </p:sp>
     </p:spTree>
     <p:extLst>
       <p:ext uri="{BB962C8B-B14F-4D97-AF65-F5344CB8AC3E}">
-        <p14:creationId xmlns:p14="http://schemas.microsoft.com/office/powerpoint/2010/main" val="2553573428"/>
+        <p14:creationId xmlns:p14="http://schemas.microsoft.com/office/powerpoint/2010/main" val="1637062429"/>
       </p:ext>
     </p:extLst>
   </p:cSld>
@@ -14386,7 +11593,7 @@
             <a:pPr algn="l"/>
             <a:r>
               <a:rPr lang="en-GB" dirty="0" smtClean="0"/>
-              <a:t>PIC18FxxQ24</a:t>
+              <a:t>PIC16Fxxxx</a:t>
             </a:r>
             <a:endParaRPr lang="en-GB" dirty="0"/>
           </a:p>
@@ -14405,27 +11612,39 @@
         <p:spPr/>
         <p:txBody>
           <a:bodyPr>
-            <a:normAutofit fontScale="92500" lnSpcReduction="10000"/>
+            <a:normAutofit/>
           </a:bodyPr>
           <a:lstStyle/>
           <a:p>
             <a:r>
+              <a:rPr lang="en-GB" dirty="0"/>
+              <a:t>PIC16Fxxxx </a:t>
+            </a:r>
+            <a:r>
               <a:rPr lang="en-GB" dirty="0" smtClean="0"/>
-              <a:t>PIC18-Q24 is a high performance PIC18 </a:t>
+              <a:t> is a high performance PIC16</a:t>
             </a:r>
           </a:p>
           <a:p>
             <a:pPr lvl="1"/>
             <a:r>
               <a:rPr lang="en-GB" dirty="0" smtClean="0"/>
-              <a:t>Digital and Analog peripherals </a:t>
+              <a:t>Digital and </a:t>
+            </a:r>
+            <a:r>
+              <a:rPr lang="en-GB" dirty="0" err="1" smtClean="0"/>
+              <a:t>Analog</a:t>
+            </a:r>
+            <a:r>
+              <a:rPr lang="en-GB" dirty="0" smtClean="0"/>
+              <a:t> peripherals </a:t>
             </a:r>
           </a:p>
           <a:p>
             <a:pPr lvl="1"/>
             <a:r>
               <a:rPr lang="en-GB" dirty="0" smtClean="0"/>
-              <a:t>10-bit ADC</a:t>
+              <a:t>8 –bit or 10-bit ADC</a:t>
             </a:r>
           </a:p>
           <a:p>
@@ -14450,26 +11669,12 @@
             </a:r>
           </a:p>
           <a:p>
-            <a:pPr lvl="1"/>
+            <a:endParaRPr lang="en-GB" dirty="0" smtClean="0"/>
+          </a:p>
+          <a:p>
             <a:r>
               <a:rPr lang="en-GB" dirty="0" smtClean="0"/>
-              <a:t>Configurable Logic Cells</a:t>
-            </a:r>
-          </a:p>
-          <a:p>
-            <a:pPr lvl="1"/>
-            <a:r>
-              <a:rPr lang="en-GB" dirty="0" smtClean="0"/>
-              <a:t>Multi voltage domains</a:t>
-            </a:r>
-          </a:p>
-          <a:p>
-            <a:endParaRPr lang="en-GB" dirty="0" smtClean="0"/>
-          </a:p>
-          <a:p>
-            <a:r>
-              <a:rPr lang="en-GB" dirty="0" smtClean="0"/>
-              <a:t>The PIC18xxQ24 offers 28, 40 and 48-pin products in small footprint packages to support customers in a wide variety of applications. </a:t>
+              <a:t>The PIC16 offers 8, 14,18,20, 28, 40 and 48-pin packages to support customers in a wide variety of applications. </a:t>
             </a:r>
           </a:p>
           <a:p>
@@ -14478,6 +11683,11 @@
         </p:txBody>
       </p:sp>
     </p:spTree>
+    <p:extLst>
+      <p:ext uri="{BB962C8B-B14F-4D97-AF65-F5344CB8AC3E}">
+        <p14:creationId xmlns:p14="http://schemas.microsoft.com/office/powerpoint/2010/main" val="3224618791"/>
+      </p:ext>
+    </p:extLst>
   </p:cSld>
   <p:clrMapOvr>
     <a:masterClrMapping/>
@@ -14576,8 +11786,13 @@
             </a:pPr>
             <a:r>
               <a:rPr lang="en-GB" sz="1100" dirty="0"/>
-              <a:t>Install the hardware and make the board work – three LED programs</a:t>
-            </a:r>
+              <a:t>Install the hardware and make the board work </a:t>
+            </a:r>
+            <a:r>
+              <a:rPr lang="en-GB" sz="1100" dirty="0" smtClean="0"/>
+              <a:t>– make LEDs work</a:t>
+            </a:r>
+            <a:endParaRPr lang="en-GB" sz="1100" b="1" dirty="0"/>
           </a:p>
           <a:p>
             <a:pPr marL="180000" indent="-478483">
@@ -14680,15 +11895,7 @@
             </a:pPr>
             <a:r>
               <a:rPr lang="en-GB" sz="1100" dirty="0"/>
-              <a:t>Using the </a:t>
-            </a:r>
-            <a:r>
-              <a:rPr lang="en-GB" sz="1100" dirty="0" smtClean="0"/>
-              <a:t>timer0 </a:t>
-            </a:r>
-            <a:r>
-              <a:rPr lang="en-GB" sz="1100" dirty="0"/>
-              <a:t>overflow, 8bit timer, 16bit timer to flash the LEDs</a:t>
+              <a:t>Using the timer0 overflow, 8bit timer, 16bit timer to flash the LEDs</a:t>
             </a:r>
           </a:p>
           <a:p>
@@ -14701,7 +11908,15 @@
             </a:pPr>
             <a:r>
               <a:rPr lang="en-GB" sz="1100" dirty="0"/>
-              <a:t>Using EEProm – showing values on the serial terminal, and more constants insights</a:t>
+              <a:t>Using </a:t>
+            </a:r>
+            <a:r>
+              <a:rPr lang="en-GB" sz="1100" dirty="0" err="1"/>
+              <a:t>EEProm</a:t>
+            </a:r>
+            <a:r>
+              <a:rPr lang="en-GB" sz="1100" dirty="0"/>
+              <a:t> – showing values on the serial terminal, and more constants insights</a:t>
             </a:r>
           </a:p>
           <a:p>
@@ -14727,21 +11942,8 @@
             </a:pPr>
             <a:r>
               <a:rPr lang="en-GB" sz="1100" dirty="0"/>
-              <a:t>Using </a:t>
-            </a:r>
-            <a:r>
-              <a:rPr lang="en-GB" sz="1100" dirty="0" smtClean="0"/>
-              <a:t>I2C </a:t>
-            </a:r>
-            <a:r>
-              <a:rPr lang="en-GB" sz="1100" dirty="0"/>
-              <a:t>GCLD </a:t>
-            </a:r>
-            <a:r>
-              <a:rPr lang="en-GB" sz="1100" dirty="0" smtClean="0"/>
-              <a:t>display solutions</a:t>
-            </a:r>
-            <a:endParaRPr lang="en-GB" sz="1100" dirty="0"/>
+              <a:t>Using an I2C GCLD display</a:t>
+            </a:r>
           </a:p>
           <a:p>
             <a:pPr marL="180000" indent="-478483">
@@ -14753,13 +11955,8 @@
             </a:pPr>
             <a:r>
               <a:rPr lang="en-GB" sz="1100" dirty="0"/>
-              <a:t>Using a </a:t>
-            </a:r>
-            <a:r>
-              <a:rPr lang="en-GB" sz="1100" dirty="0" smtClean="0"/>
-              <a:t>SPI GLCD  display solutions</a:t>
-            </a:r>
-            <a:endParaRPr lang="en-GB" sz="1100" dirty="0"/>
+              <a:t>Using a SPI GCLD display</a:t>
+            </a:r>
           </a:p>
           <a:p>
             <a:pPr marL="180000" indent="-478483">
@@ -14775,11 +11972,11 @@
             </a:r>
             <a:r>
               <a:rPr lang="en-GB" sz="1100" dirty="0" smtClean="0"/>
-              <a:t>6  </a:t>
+              <a:t>many ways</a:t>
             </a:r>
             <a:r>
               <a:rPr lang="en-GB" sz="1100" dirty="0"/>
-              <a:t>ways,  to dim the LEDS</a:t>
+              <a:t>,  to dim the LEDS</a:t>
             </a:r>
           </a:p>
           <a:p>
@@ -14805,7 +12002,15 @@
             </a:pPr>
             <a:r>
               <a:rPr lang="en-GB" sz="1100" b="1" dirty="0"/>
-              <a:t>Using storage within the chip – Progmem, SAF memory, EEPROM and DATA blocks</a:t>
+              <a:t>Using storage within the chip – Progmem, </a:t>
+            </a:r>
+            <a:r>
+              <a:rPr lang="en-GB" sz="1100" b="1" dirty="0" smtClean="0"/>
+              <a:t>EEPROM </a:t>
+            </a:r>
+            <a:r>
+              <a:rPr lang="en-GB" sz="1100" b="1" dirty="0"/>
+              <a:t>and DATA blocks</a:t>
             </a:r>
           </a:p>
           <a:p>
@@ -14817,21 +12022,12 @@
               <a:buAutoNum type="arabicPeriod"/>
             </a:pPr>
             <a:r>
+              <a:rPr lang="en-GB" sz="1100" dirty="0" smtClean="0"/>
+              <a:t>The </a:t>
+            </a:r>
+            <a:r>
               <a:rPr lang="en-GB" sz="1100" dirty="0"/>
-              <a:t>Using CLC</a:t>
-            </a:r>
-          </a:p>
-          <a:p>
-            <a:pPr marL="180000" indent="-478483">
-              <a:spcBef>
-                <a:spcPts val="300"/>
-              </a:spcBef>
-              <a:buFont typeface="+mj-lt"/>
-              <a:buAutoNum type="arabicPeriod"/>
-            </a:pPr>
-            <a:r>
-              <a:rPr lang="en-GB" sz="1100" dirty="0"/>
-              <a:t>The GCBASIC tool chain</a:t>
+              <a:t>GCBASIC tool chain</a:t>
             </a:r>
           </a:p>
           <a:p>
@@ -14940,7 +12136,7 @@
     </p:spTree>
     <p:extLst>
       <p:ext uri="{BB962C8B-B14F-4D97-AF65-F5344CB8AC3E}">
-        <p14:creationId xmlns:p14="http://schemas.microsoft.com/office/powerpoint/2010/main" val="1947865557"/>
+        <p14:creationId xmlns:p14="http://schemas.microsoft.com/office/powerpoint/2010/main" val="3564723328"/>
       </p:ext>
     </p:extLst>
   </p:cSld>
@@ -15063,7 +12259,7 @@
         <p:spPr>
           <a:xfrm>
             <a:off x="3563888" y="2643758"/>
-            <a:ext cx="3528392" cy="1393943"/>
+            <a:ext cx="3528392" cy="1655553"/>
           </a:xfrm>
           <a:prstGeom prst="rect">
             <a:avLst/>
@@ -15078,7 +12274,7 @@
           <a:p>
             <a:r>
               <a:rPr lang="en-GB" dirty="0" smtClean="0"/>
-              <a:t>GCBASIC is an Open Source compiler for PIC and AVR microcontrollers</a:t>
+              <a:t>GCBASIC is an Open Source compiler for PIC, AVR and LGT microcontrollers</a:t>
             </a:r>
           </a:p>
           <a:p>
@@ -15087,13 +12283,18 @@
           <a:p>
             <a:r>
               <a:rPr lang="en-GB" dirty="0" smtClean="0"/>
-              <a:t>GCBASIC now supports the 18FxxQ24 chip family</a:t>
+              <a:t>GCBASIC supports the 16Fxxxx chip family</a:t>
             </a:r>
             <a:endParaRPr lang="en-GB" dirty="0"/>
           </a:p>
         </p:txBody>
       </p:sp>
     </p:spTree>
+    <p:extLst>
+      <p:ext uri="{BB962C8B-B14F-4D97-AF65-F5344CB8AC3E}">
+        <p14:creationId xmlns:p14="http://schemas.microsoft.com/office/powerpoint/2010/main" val="3046762096"/>
+      </p:ext>
+    </p:extLst>
   </p:cSld>
   <p:clrMapOvr>
     <a:masterClrMapping/>
@@ -15119,14 +12320,6 @@
 <file path=ppt/slides/slide7.xml><?xml version="1.0" encoding="utf-8"?>
 <p:sld xmlns:a="http://schemas.openxmlformats.org/drawingml/2006/main" xmlns:r="http://schemas.openxmlformats.org/officeDocument/2006/relationships" xmlns:p="http://schemas.openxmlformats.org/presentationml/2006/main">
   <p:cSld>
-    <p:bg>
-      <p:bgPr>
-        <a:solidFill>
-          <a:schemeClr val="bg1"/>
-        </a:solidFill>
-        <a:effectLst/>
-      </p:bgPr>
-    </p:bg>
     <p:spTree>
       <p:nvGrpSpPr>
         <p:cNvPr id="1" name=""/>
@@ -15175,14 +12368,11 @@
             <p:ph idx="1"/>
           </p:nvPr>
         </p:nvSpPr>
-        <p:spPr>
-          <a:xfrm>
-            <a:off x="508001" y="1707654"/>
-            <a:ext cx="6447501" cy="2744167"/>
-          </a:xfrm>
-        </p:spPr>
-        <p:txBody>
-          <a:bodyPr/>
+        <p:spPr/>
+        <p:txBody>
+          <a:bodyPr>
+            <a:normAutofit/>
+          </a:bodyPr>
           <a:lstStyle/>
           <a:p>
             <a:r>
@@ -15208,7 +12398,7 @@
             <a:pPr marL="778521" lvl="1" indent="-478483"/>
             <a:r>
               <a:rPr lang="en-GB" dirty="0" smtClean="0"/>
-              <a:t>Test that you have the 18FxxQ24 attached</a:t>
+              <a:t>Test that you have the PIC attached</a:t>
             </a:r>
           </a:p>
           <a:p>
@@ -15229,30 +12419,46 @@
             <a:pPr marL="778521" lvl="1" indent="-478483"/>
             <a:r>
               <a:rPr lang="en-GB" dirty="0" smtClean="0"/>
-              <a:t>You have </a:t>
-            </a:r>
-            <a:r>
-              <a:rPr lang="en-GB" dirty="0" err="1" smtClean="0"/>
-              <a:t>SWITCHes</a:t>
-            </a:r>
+              <a:t>You have switches connected</a:t>
+            </a:r>
+          </a:p>
+          <a:p>
+            <a:pPr marL="778521" lvl="1" indent="-478483"/>
             <a:r>
               <a:rPr lang="en-GB" dirty="0" smtClean="0"/>
-              <a:t> connected</a:t>
+              <a:t>You have USB/TTL serial converter</a:t>
             </a:r>
           </a:p>
           <a:p>
             <a:pPr marL="778521" lvl="1" indent="-478483"/>
             <a:r>
               <a:rPr lang="en-GB" dirty="0" smtClean="0"/>
-              <a:t>You have a USB/TTL converter</a:t>
-            </a:r>
+              <a:t>You have LCD</a:t>
+            </a:r>
+          </a:p>
+          <a:p>
+            <a:pPr marL="0" indent="0">
+              <a:buNone/>
+            </a:pPr>
+            <a:endParaRPr lang="en-GB" dirty="0" smtClean="0"/>
+          </a:p>
+          <a:p>
+            <a:pPr marL="0" indent="0">
+              <a:buNone/>
+            </a:pPr>
+            <a:endParaRPr lang="en-GB" dirty="0"/>
           </a:p>
         </p:txBody>
       </p:sp>
     </p:spTree>
+    <p:extLst>
+      <p:ext uri="{BB962C8B-B14F-4D97-AF65-F5344CB8AC3E}">
+        <p14:creationId xmlns:p14="http://schemas.microsoft.com/office/powerpoint/2010/main" val="109014673"/>
+      </p:ext>
+    </p:extLst>
   </p:cSld>
   <p:clrMapOvr>
-    <a:overrideClrMapping bg1="lt1" tx1="dk1" bg2="lt2" tx2="dk2" accent1="accent1" accent2="accent2" accent3="accent3" accent4="accent4" accent5="accent5" accent6="accent6" hlink="hlink" folHlink="folHlink"/>
+    <a:masterClrMapping/>
   </p:clrMapOvr>
   <mc:AlternateContent xmlns:mc="http://schemas.openxmlformats.org/markup-compatibility/2006" xmlns:p14="http://schemas.microsoft.com/office/powerpoint/2010/main">
     <mc:Choice Requires="p14">
@@ -15289,32 +12495,9 @@
           <a:chExt cx="0" cy="0"/>
         </a:xfrm>
       </p:grpSpPr>
-      <p:sp>
-        <p:nvSpPr>
-          <p:cNvPr id="2" name="Title 1"/>
-          <p:cNvSpPr>
-            <a:spLocks noGrp="1"/>
-          </p:cNvSpPr>
-          <p:nvPr>
-            <p:ph type="title"/>
-          </p:nvPr>
-        </p:nvSpPr>
-        <p:spPr/>
-        <p:txBody>
-          <a:bodyPr/>
-          <a:lstStyle/>
-          <a:p>
-            <a:r>
-              <a:rPr lang="en-GB" dirty="0" smtClean="0"/>
-              <a:t>Power Domain – VDDIO2</a:t>
-            </a:r>
-            <a:endParaRPr lang="en-GB" dirty="0"/>
-          </a:p>
-        </p:txBody>
-      </p:sp>
       <p:pic>
         <p:nvPicPr>
-          <p:cNvPr id="4" name="Picture 2"/>
+          <p:cNvPr id="1026" name="Picture 2"/>
           <p:cNvPicPr>
             <a:picLocks noChangeAspect="1" noChangeArrowheads="1"/>
           </p:cNvPicPr>
@@ -15335,8 +12518,8 @@
         </p:blipFill>
         <p:spPr bwMode="auto">
           <a:xfrm>
-            <a:off x="1619672" y="987574"/>
-            <a:ext cx="4680520" cy="4086415"/>
+            <a:off x="107504" y="778048"/>
+            <a:ext cx="5087696" cy="4362922"/>
           </a:xfrm>
           <a:prstGeom prst="rect">
             <a:avLst/>
@@ -15376,10 +12559,560 @@
           </a:extLst>
         </p:spPr>
       </p:pic>
+      <p:sp>
+        <p:nvSpPr>
+          <p:cNvPr id="2" name="Title 1"/>
+          <p:cNvSpPr>
+            <a:spLocks noGrp="1"/>
+          </p:cNvSpPr>
+          <p:nvPr>
+            <p:ph type="title"/>
+          </p:nvPr>
+        </p:nvSpPr>
+        <p:spPr/>
+        <p:txBody>
+          <a:bodyPr/>
+          <a:lstStyle/>
+          <a:p>
+            <a:pPr algn="l"/>
+            <a:r>
+              <a:rPr lang="en-GB" dirty="0" smtClean="0"/>
+              <a:t>Hardware</a:t>
+            </a:r>
+            <a:endParaRPr lang="en-GB" dirty="0"/>
+          </a:p>
+        </p:txBody>
+      </p:sp>
+      <p:sp>
+        <p:nvSpPr>
+          <p:cNvPr id="5" name="Rectangle 4"/>
+          <p:cNvSpPr/>
+          <p:nvPr/>
+        </p:nvSpPr>
+        <p:spPr>
+          <a:xfrm>
+            <a:off x="5239650" y="1173882"/>
+            <a:ext cx="3825992" cy="3216265"/>
+          </a:xfrm>
+          <a:prstGeom prst="rect">
+            <a:avLst/>
+          </a:prstGeom>
+          <a:solidFill>
+            <a:schemeClr val="bg1"/>
+          </a:solidFill>
+        </p:spPr>
+        <p:txBody>
+          <a:bodyPr wrap="square">
+            <a:spAutoFit/>
+          </a:bodyPr>
+          <a:lstStyle/>
+          <a:p>
+            <a:r>
+              <a:rPr lang="en-GB" sz="700" b="1" dirty="0">
+                <a:latin typeface="Courier New" panose="02070309020205020404" pitchFamily="49" charset="0"/>
+                <a:cs typeface="Courier New" panose="02070309020205020404" pitchFamily="49" charset="0"/>
+              </a:rPr>
+              <a:t>The PICDEM 2 Plus Demonstration Board </a:t>
+            </a:r>
+            <a:endParaRPr lang="en-GB" sz="700" b="1" dirty="0" smtClean="0">
+              <a:latin typeface="Courier New" panose="02070309020205020404" pitchFamily="49" charset="0"/>
+              <a:cs typeface="Courier New" panose="02070309020205020404" pitchFamily="49" charset="0"/>
+            </a:endParaRPr>
+          </a:p>
+          <a:p>
+            <a:endParaRPr lang="en-GB" sz="700" b="1" dirty="0" smtClean="0">
+              <a:latin typeface="Courier New" panose="02070309020205020404" pitchFamily="49" charset="0"/>
+              <a:cs typeface="Courier New" panose="02070309020205020404" pitchFamily="49" charset="0"/>
+            </a:endParaRPr>
+          </a:p>
+          <a:p>
+            <a:pPr marL="228600" indent="-228600">
+              <a:buAutoNum type="arabicPeriod"/>
+            </a:pPr>
+            <a:r>
+              <a:rPr lang="en-GB" sz="700" dirty="0" smtClean="0">
+                <a:latin typeface="Courier New" panose="02070309020205020404" pitchFamily="49" charset="0"/>
+                <a:cs typeface="Courier New" panose="02070309020205020404" pitchFamily="49" charset="0"/>
+              </a:rPr>
+              <a:t>18-</a:t>
+            </a:r>
+            <a:r>
+              <a:rPr lang="en-GB" sz="700" dirty="0">
+                <a:latin typeface="Courier New" panose="02070309020205020404" pitchFamily="49" charset="0"/>
+                <a:cs typeface="Courier New" panose="02070309020205020404" pitchFamily="49" charset="0"/>
+              </a:rPr>
+              <a:t>, 28- and 40-pin DIP sockets (although three sockets are provided, only one device may be used at a time) </a:t>
+            </a:r>
+            <a:endParaRPr lang="en-GB" sz="700" dirty="0" smtClean="0">
+              <a:latin typeface="Courier New" panose="02070309020205020404" pitchFamily="49" charset="0"/>
+              <a:cs typeface="Courier New" panose="02070309020205020404" pitchFamily="49" charset="0"/>
+            </a:endParaRPr>
+          </a:p>
+          <a:p>
+            <a:pPr marL="228600" indent="-228600">
+              <a:buAutoNum type="arabicPeriod"/>
+            </a:pPr>
+            <a:r>
+              <a:rPr lang="en-GB" sz="700" dirty="0" smtClean="0">
+                <a:latin typeface="Courier New" panose="02070309020205020404" pitchFamily="49" charset="0"/>
+                <a:cs typeface="Courier New" panose="02070309020205020404" pitchFamily="49" charset="0"/>
+              </a:rPr>
+              <a:t>On-board</a:t>
+            </a:r>
+            <a:r>
+              <a:rPr lang="en-GB" sz="700" dirty="0">
+                <a:latin typeface="Courier New" panose="02070309020205020404" pitchFamily="49" charset="0"/>
+                <a:cs typeface="Courier New" panose="02070309020205020404" pitchFamily="49" charset="0"/>
+              </a:rPr>
+              <a:t>, +5V regulator for direct input from 9V, 100 mA AC/DC wall adapter or 9V battery, or hooks for a +5V, 100 mA regulated DC supply </a:t>
+            </a:r>
+            <a:endParaRPr lang="en-GB" sz="700" dirty="0" smtClean="0">
+              <a:latin typeface="Courier New" panose="02070309020205020404" pitchFamily="49" charset="0"/>
+              <a:cs typeface="Courier New" panose="02070309020205020404" pitchFamily="49" charset="0"/>
+            </a:endParaRPr>
+          </a:p>
+          <a:p>
+            <a:pPr marL="228600" indent="-228600">
+              <a:buAutoNum type="arabicPeriod"/>
+            </a:pPr>
+            <a:r>
+              <a:rPr lang="en-GB" sz="700" dirty="0" smtClean="0">
+                <a:latin typeface="Courier New" panose="02070309020205020404" pitchFamily="49" charset="0"/>
+                <a:cs typeface="Courier New" panose="02070309020205020404" pitchFamily="49" charset="0"/>
+              </a:rPr>
+              <a:t>RS-232 </a:t>
+            </a:r>
+            <a:r>
+              <a:rPr lang="en-GB" sz="700" dirty="0">
+                <a:latin typeface="Courier New" panose="02070309020205020404" pitchFamily="49" charset="0"/>
+                <a:cs typeface="Courier New" panose="02070309020205020404" pitchFamily="49" charset="0"/>
+              </a:rPr>
+              <a:t>socket and associated hardware for direct connection to an RS-232 </a:t>
+            </a:r>
+            <a:r>
+              <a:rPr lang="en-GB" sz="700" dirty="0" smtClean="0">
+                <a:latin typeface="Courier New" panose="02070309020205020404" pitchFamily="49" charset="0"/>
+                <a:cs typeface="Courier New" panose="02070309020205020404" pitchFamily="49" charset="0"/>
+              </a:rPr>
+              <a:t>interface</a:t>
+            </a:r>
+          </a:p>
+          <a:p>
+            <a:pPr marL="228600" indent="-228600">
+              <a:buAutoNum type="arabicPeriod"/>
+            </a:pPr>
+            <a:r>
+              <a:rPr lang="en-GB" sz="700" dirty="0" smtClean="0">
+                <a:latin typeface="Courier New" panose="02070309020205020404" pitchFamily="49" charset="0"/>
+                <a:cs typeface="Courier New" panose="02070309020205020404" pitchFamily="49" charset="0"/>
+              </a:rPr>
+              <a:t>Programmer/debugger </a:t>
+            </a:r>
+            <a:r>
+              <a:rPr lang="en-GB" sz="700" dirty="0">
+                <a:latin typeface="Courier New" panose="02070309020205020404" pitchFamily="49" charset="0"/>
+                <a:cs typeface="Courier New" panose="02070309020205020404" pitchFamily="49" charset="0"/>
+              </a:rPr>
+              <a:t>connectivity supporting MPLAB® ICD 3, MPLAB REAL ICE, </a:t>
+            </a:r>
+            <a:r>
+              <a:rPr lang="en-GB" sz="700" dirty="0" err="1">
+                <a:latin typeface="Courier New" panose="02070309020205020404" pitchFamily="49" charset="0"/>
+                <a:cs typeface="Courier New" panose="02070309020205020404" pitchFamily="49" charset="0"/>
+              </a:rPr>
+              <a:t>PICkit</a:t>
+            </a:r>
+            <a:r>
+              <a:rPr lang="en-GB" sz="700" dirty="0">
+                <a:latin typeface="Courier New" panose="02070309020205020404" pitchFamily="49" charset="0"/>
+                <a:cs typeface="Courier New" panose="02070309020205020404" pitchFamily="49" charset="0"/>
+              </a:rPr>
+              <a:t> </a:t>
+            </a:r>
+            <a:r>
+              <a:rPr lang="en-GB" sz="700" dirty="0" smtClean="0">
+                <a:latin typeface="Courier New" panose="02070309020205020404" pitchFamily="49" charset="0"/>
+                <a:cs typeface="Courier New" panose="02070309020205020404" pitchFamily="49" charset="0"/>
+              </a:rPr>
+              <a:t>2 </a:t>
+            </a:r>
+            <a:r>
+              <a:rPr lang="en-GB" sz="700" dirty="0">
+                <a:latin typeface="Courier New" panose="02070309020205020404" pitchFamily="49" charset="0"/>
+                <a:cs typeface="Courier New" panose="02070309020205020404" pitchFamily="49" charset="0"/>
+              </a:rPr>
+              <a:t>and </a:t>
+            </a:r>
+            <a:r>
+              <a:rPr lang="en-GB" sz="700" dirty="0" err="1">
+                <a:latin typeface="Courier New" panose="02070309020205020404" pitchFamily="49" charset="0"/>
+                <a:cs typeface="Courier New" panose="02070309020205020404" pitchFamily="49" charset="0"/>
+              </a:rPr>
+              <a:t>PICkit</a:t>
+            </a:r>
+            <a:r>
+              <a:rPr lang="en-GB" sz="700" dirty="0">
+                <a:latin typeface="Courier New" panose="02070309020205020404" pitchFamily="49" charset="0"/>
+                <a:cs typeface="Courier New" panose="02070309020205020404" pitchFamily="49" charset="0"/>
+              </a:rPr>
+              <a:t> 3 </a:t>
+            </a:r>
+            <a:endParaRPr lang="en-GB" sz="700" dirty="0" smtClean="0">
+              <a:latin typeface="Courier New" panose="02070309020205020404" pitchFamily="49" charset="0"/>
+              <a:cs typeface="Courier New" panose="02070309020205020404" pitchFamily="49" charset="0"/>
+            </a:endParaRPr>
+          </a:p>
+          <a:p>
+            <a:pPr marL="228600" indent="-228600">
+              <a:buAutoNum type="arabicPeriod"/>
+            </a:pPr>
+            <a:r>
+              <a:rPr lang="en-GB" sz="700" dirty="0" err="1" smtClean="0">
+                <a:latin typeface="Courier New" panose="02070309020205020404" pitchFamily="49" charset="0"/>
+                <a:cs typeface="Courier New" panose="02070309020205020404" pitchFamily="49" charset="0"/>
+              </a:rPr>
+              <a:t>PICkit</a:t>
+            </a:r>
+            <a:r>
+              <a:rPr lang="en-GB" sz="700" dirty="0" smtClean="0">
+                <a:latin typeface="Courier New" panose="02070309020205020404" pitchFamily="49" charset="0"/>
+                <a:cs typeface="Courier New" panose="02070309020205020404" pitchFamily="49" charset="0"/>
+              </a:rPr>
+              <a:t> </a:t>
+            </a:r>
+            <a:r>
+              <a:rPr lang="en-GB" sz="700" dirty="0">
+                <a:latin typeface="Courier New" panose="02070309020205020404" pitchFamily="49" charset="0"/>
+                <a:cs typeface="Courier New" panose="02070309020205020404" pitchFamily="49" charset="0"/>
+              </a:rPr>
+              <a:t>Serial Connector for analysis of serial communications peripherals such as SPI or I2C™ </a:t>
+            </a:r>
+            <a:endParaRPr lang="en-GB" sz="700" dirty="0" smtClean="0">
+              <a:latin typeface="Courier New" panose="02070309020205020404" pitchFamily="49" charset="0"/>
+              <a:cs typeface="Courier New" panose="02070309020205020404" pitchFamily="49" charset="0"/>
+            </a:endParaRPr>
+          </a:p>
+          <a:p>
+            <a:pPr marL="228600" indent="-228600">
+              <a:buAutoNum type="arabicPeriod"/>
+            </a:pPr>
+            <a:r>
+              <a:rPr lang="en-GB" sz="700" dirty="0" smtClean="0">
+                <a:latin typeface="Courier New" panose="02070309020205020404" pitchFamily="49" charset="0"/>
+                <a:cs typeface="Courier New" panose="02070309020205020404" pitchFamily="49" charset="0"/>
+              </a:rPr>
+              <a:t>5 k </a:t>
+            </a:r>
+            <a:r>
+              <a:rPr lang="en-GB" sz="700" dirty="0">
+                <a:latin typeface="Courier New" panose="02070309020205020404" pitchFamily="49" charset="0"/>
+                <a:cs typeface="Courier New" panose="02070309020205020404" pitchFamily="49" charset="0"/>
+              </a:rPr>
+              <a:t>pot for devices with </a:t>
+            </a:r>
+            <a:r>
+              <a:rPr lang="en-GB" sz="700" dirty="0" err="1">
+                <a:latin typeface="Courier New" panose="02070309020205020404" pitchFamily="49" charset="0"/>
+                <a:cs typeface="Courier New" panose="02070309020205020404" pitchFamily="49" charset="0"/>
+              </a:rPr>
+              <a:t>analog</a:t>
+            </a:r>
+            <a:r>
+              <a:rPr lang="en-GB" sz="700" dirty="0">
+                <a:latin typeface="Courier New" panose="02070309020205020404" pitchFamily="49" charset="0"/>
+                <a:cs typeface="Courier New" panose="02070309020205020404" pitchFamily="49" charset="0"/>
+              </a:rPr>
+              <a:t> inputs </a:t>
+            </a:r>
+            <a:endParaRPr lang="en-GB" sz="700" dirty="0" smtClean="0">
+              <a:latin typeface="Courier New" panose="02070309020205020404" pitchFamily="49" charset="0"/>
+              <a:cs typeface="Courier New" panose="02070309020205020404" pitchFamily="49" charset="0"/>
+            </a:endParaRPr>
+          </a:p>
+          <a:p>
+            <a:pPr marL="228600" indent="-228600">
+              <a:buAutoNum type="arabicPeriod"/>
+            </a:pPr>
+            <a:r>
+              <a:rPr lang="en-GB" sz="700" dirty="0" smtClean="0">
+                <a:latin typeface="Courier New" panose="02070309020205020404" pitchFamily="49" charset="0"/>
+                <a:cs typeface="Courier New" panose="02070309020205020404" pitchFamily="49" charset="0"/>
+              </a:rPr>
+              <a:t>Three </a:t>
+            </a:r>
+            <a:r>
+              <a:rPr lang="en-GB" sz="700" dirty="0">
+                <a:latin typeface="Courier New" panose="02070309020205020404" pitchFamily="49" charset="0"/>
+                <a:cs typeface="Courier New" panose="02070309020205020404" pitchFamily="49" charset="0"/>
+              </a:rPr>
+              <a:t>push button switches for external stimulus and Reset </a:t>
+            </a:r>
+            <a:endParaRPr lang="en-GB" sz="700" dirty="0" smtClean="0">
+              <a:latin typeface="Courier New" panose="02070309020205020404" pitchFamily="49" charset="0"/>
+              <a:cs typeface="Courier New" panose="02070309020205020404" pitchFamily="49" charset="0"/>
+            </a:endParaRPr>
+          </a:p>
+          <a:p>
+            <a:pPr marL="228600" indent="-228600">
+              <a:buAutoNum type="arabicPeriod"/>
+            </a:pPr>
+            <a:r>
+              <a:rPr lang="en-GB" sz="700" dirty="0" smtClean="0">
+                <a:latin typeface="Courier New" panose="02070309020205020404" pitchFamily="49" charset="0"/>
+                <a:cs typeface="Courier New" panose="02070309020205020404" pitchFamily="49" charset="0"/>
+              </a:rPr>
+              <a:t>Power-on </a:t>
+            </a:r>
+            <a:r>
+              <a:rPr lang="en-GB" sz="700" dirty="0">
+                <a:latin typeface="Courier New" panose="02070309020205020404" pitchFamily="49" charset="0"/>
+                <a:cs typeface="Courier New" panose="02070309020205020404" pitchFamily="49" charset="0"/>
+              </a:rPr>
+              <a:t>indicator LED </a:t>
+            </a:r>
+            <a:endParaRPr lang="en-GB" sz="700" dirty="0" smtClean="0">
+              <a:latin typeface="Courier New" panose="02070309020205020404" pitchFamily="49" charset="0"/>
+              <a:cs typeface="Courier New" panose="02070309020205020404" pitchFamily="49" charset="0"/>
+            </a:endParaRPr>
+          </a:p>
+          <a:p>
+            <a:pPr marL="228600" indent="-228600">
+              <a:buAutoNum type="arabicPeriod"/>
+            </a:pPr>
+            <a:r>
+              <a:rPr lang="en-GB" sz="700" dirty="0" smtClean="0">
+                <a:latin typeface="Courier New" panose="02070309020205020404" pitchFamily="49" charset="0"/>
+                <a:cs typeface="Courier New" panose="02070309020205020404" pitchFamily="49" charset="0"/>
+              </a:rPr>
+              <a:t>Four </a:t>
+            </a:r>
+            <a:r>
+              <a:rPr lang="en-GB" sz="700" dirty="0">
+                <a:latin typeface="Courier New" panose="02070309020205020404" pitchFamily="49" charset="0"/>
+                <a:cs typeface="Courier New" panose="02070309020205020404" pitchFamily="49" charset="0"/>
+              </a:rPr>
+              <a:t>LEDs connected to PORTB </a:t>
+            </a:r>
+            <a:endParaRPr lang="en-GB" sz="700" dirty="0" smtClean="0">
+              <a:latin typeface="Courier New" panose="02070309020205020404" pitchFamily="49" charset="0"/>
+              <a:cs typeface="Courier New" panose="02070309020205020404" pitchFamily="49" charset="0"/>
+            </a:endParaRPr>
+          </a:p>
+          <a:p>
+            <a:pPr marL="228600" indent="-228600">
+              <a:buAutoNum type="arabicPeriod"/>
+            </a:pPr>
+            <a:r>
+              <a:rPr lang="en-GB" sz="700" dirty="0" smtClean="0">
+                <a:latin typeface="Courier New" panose="02070309020205020404" pitchFamily="49" charset="0"/>
+                <a:cs typeface="Courier New" panose="02070309020205020404" pitchFamily="49" charset="0"/>
+              </a:rPr>
+              <a:t>On-board </a:t>
+            </a:r>
+            <a:r>
+              <a:rPr lang="en-GB" sz="700" dirty="0">
+                <a:latin typeface="Courier New" panose="02070309020205020404" pitchFamily="49" charset="0"/>
+                <a:cs typeface="Courier New" panose="02070309020205020404" pitchFamily="49" charset="0"/>
+              </a:rPr>
+              <a:t>external oscillators including: a) Unpopulated DIP socket for canned crystal oscillator (Y2) b) RC oscillator circuit (R4, C3) c) Unpopulated holes for crystal connection (Y1) d) 32.768 kHz crystal for Timer1 clock operation (Y3</a:t>
+            </a:r>
+            <a:r>
+              <a:rPr lang="en-GB" sz="700" dirty="0" smtClean="0">
+                <a:latin typeface="Courier New" panose="02070309020205020404" pitchFamily="49" charset="0"/>
+                <a:cs typeface="Courier New" panose="02070309020205020404" pitchFamily="49" charset="0"/>
+              </a:rPr>
+              <a:t>)</a:t>
+            </a:r>
+          </a:p>
+          <a:p>
+            <a:pPr marL="228600" indent="-228600">
+              <a:buAutoNum type="arabicPeriod"/>
+            </a:pPr>
+            <a:r>
+              <a:rPr lang="en-GB" sz="700" dirty="0">
+                <a:latin typeface="Courier New" panose="02070309020205020404" pitchFamily="49" charset="0"/>
+                <a:cs typeface="Courier New" panose="02070309020205020404" pitchFamily="49" charset="0"/>
+              </a:rPr>
+              <a:t>32K x 8 Serial EEPROM</a:t>
+            </a:r>
+          </a:p>
+          <a:p>
+            <a:pPr marL="228600" indent="-228600">
+              <a:buAutoNum type="arabicPeriod"/>
+            </a:pPr>
+            <a:r>
+              <a:rPr lang="en-GB" sz="700" dirty="0" smtClean="0">
+                <a:latin typeface="Courier New" panose="02070309020205020404" pitchFamily="49" charset="0"/>
+                <a:cs typeface="Courier New" panose="02070309020205020404" pitchFamily="49" charset="0"/>
+              </a:rPr>
+              <a:t>LCD </a:t>
+            </a:r>
+            <a:r>
+              <a:rPr lang="en-GB" sz="700" dirty="0">
+                <a:latin typeface="Courier New" panose="02070309020205020404" pitchFamily="49" charset="0"/>
+                <a:cs typeface="Courier New" panose="02070309020205020404" pitchFamily="49" charset="0"/>
+              </a:rPr>
+              <a:t>display</a:t>
+            </a:r>
+          </a:p>
+          <a:p>
+            <a:pPr marL="228600" indent="-228600">
+              <a:buAutoNum type="arabicPeriod"/>
+            </a:pPr>
+            <a:r>
+              <a:rPr lang="en-GB" sz="700" dirty="0" smtClean="0">
+                <a:latin typeface="Courier New" panose="02070309020205020404" pitchFamily="49" charset="0"/>
+                <a:cs typeface="Courier New" panose="02070309020205020404" pitchFamily="49" charset="0"/>
+              </a:rPr>
+              <a:t>Piezo </a:t>
+            </a:r>
+            <a:r>
+              <a:rPr lang="en-GB" sz="700" dirty="0">
+                <a:latin typeface="Courier New" panose="02070309020205020404" pitchFamily="49" charset="0"/>
+                <a:cs typeface="Courier New" panose="02070309020205020404" pitchFamily="49" charset="0"/>
+              </a:rPr>
+              <a:t>buzzer</a:t>
+            </a:r>
+          </a:p>
+          <a:p>
+            <a:pPr marL="228600" indent="-228600">
+              <a:buAutoNum type="arabicPeriod"/>
+            </a:pPr>
+            <a:r>
+              <a:rPr lang="en-GB" sz="700" dirty="0" smtClean="0">
+                <a:latin typeface="Courier New" panose="02070309020205020404" pitchFamily="49" charset="0"/>
+                <a:cs typeface="Courier New" panose="02070309020205020404" pitchFamily="49" charset="0"/>
+              </a:rPr>
+              <a:t>Prototype </a:t>
+            </a:r>
+            <a:r>
+              <a:rPr lang="en-GB" sz="700" dirty="0">
+                <a:latin typeface="Courier New" panose="02070309020205020404" pitchFamily="49" charset="0"/>
+                <a:cs typeface="Courier New" panose="02070309020205020404" pitchFamily="49" charset="0"/>
+              </a:rPr>
+              <a:t>area for user hardware</a:t>
+            </a:r>
+          </a:p>
+          <a:p>
+            <a:pPr marL="228600" indent="-228600">
+              <a:buAutoNum type="arabicPeriod"/>
+            </a:pPr>
+            <a:r>
+              <a:rPr lang="en-GB" sz="700" dirty="0" smtClean="0">
+                <a:latin typeface="Courier New" panose="02070309020205020404" pitchFamily="49" charset="0"/>
+                <a:cs typeface="Courier New" panose="02070309020205020404" pitchFamily="49" charset="0"/>
+              </a:rPr>
+              <a:t>Expansion </a:t>
+            </a:r>
+            <a:r>
+              <a:rPr lang="en-GB" sz="700" dirty="0">
+                <a:latin typeface="Courier New" panose="02070309020205020404" pitchFamily="49" charset="0"/>
+                <a:cs typeface="Courier New" panose="02070309020205020404" pitchFamily="49" charset="0"/>
+              </a:rPr>
+              <a:t>Header for </a:t>
+            </a:r>
+            <a:r>
+              <a:rPr lang="en-GB" sz="700" dirty="0" err="1">
+                <a:latin typeface="Courier New" panose="02070309020205020404" pitchFamily="49" charset="0"/>
+                <a:cs typeface="Courier New" panose="02070309020205020404" pitchFamily="49" charset="0"/>
+              </a:rPr>
+              <a:t>PICtail</a:t>
+            </a:r>
+            <a:r>
+              <a:rPr lang="en-GB" sz="700" dirty="0">
+                <a:latin typeface="Courier New" panose="02070309020205020404" pitchFamily="49" charset="0"/>
+                <a:cs typeface="Courier New" panose="02070309020205020404" pitchFamily="49" charset="0"/>
+              </a:rPr>
+              <a:t>™ daughter card connectivity or user access to</a:t>
+            </a:r>
+          </a:p>
+          <a:p>
+            <a:pPr marL="228600" indent="-228600">
+              <a:buAutoNum type="arabicPeriod"/>
+            </a:pPr>
+            <a:r>
+              <a:rPr lang="en-GB" sz="700" dirty="0" smtClean="0">
+                <a:latin typeface="Courier New" panose="02070309020205020404" pitchFamily="49" charset="0"/>
+                <a:cs typeface="Courier New" panose="02070309020205020404" pitchFamily="49" charset="0"/>
+              </a:rPr>
+              <a:t>MCUs</a:t>
+            </a:r>
+            <a:endParaRPr lang="en-GB" sz="700" dirty="0">
+              <a:latin typeface="Courier New" panose="02070309020205020404" pitchFamily="49" charset="0"/>
+              <a:cs typeface="Courier New" panose="02070309020205020404" pitchFamily="49" charset="0"/>
+            </a:endParaRPr>
+          </a:p>
+          <a:p>
+            <a:pPr marL="228600" indent="-228600">
+              <a:buAutoNum type="arabicPeriod"/>
+            </a:pPr>
+            <a:r>
+              <a:rPr lang="en-GB" sz="700" dirty="0" smtClean="0">
+                <a:latin typeface="Courier New" panose="02070309020205020404" pitchFamily="49" charset="0"/>
+                <a:cs typeface="Courier New" panose="02070309020205020404" pitchFamily="49" charset="0"/>
+              </a:rPr>
+              <a:t>Microchip </a:t>
+            </a:r>
+            <a:r>
+              <a:rPr lang="en-GB" sz="700" dirty="0">
+                <a:latin typeface="Courier New" panose="02070309020205020404" pitchFamily="49" charset="0"/>
+                <a:cs typeface="Courier New" panose="02070309020205020404" pitchFamily="49" charset="0"/>
+              </a:rPr>
+              <a:t>TC74 thermal sensor</a:t>
+            </a:r>
+          </a:p>
+        </p:txBody>
+      </p:sp>
+      <p:sp>
+        <p:nvSpPr>
+          <p:cNvPr id="3" name="Oval 2"/>
+          <p:cNvSpPr/>
+          <p:nvPr/>
+        </p:nvSpPr>
+        <p:spPr>
+          <a:xfrm>
+            <a:off x="1460844" y="2355725"/>
+            <a:ext cx="288032" cy="391739"/>
+          </a:xfrm>
+          <a:prstGeom prst="ellipse">
+            <a:avLst/>
+          </a:prstGeom>
+          <a:noFill/>
+          <a:ln>
+            <a:solidFill>
+              <a:srgbClr val="FF0000"/>
+            </a:solidFill>
+          </a:ln>
+        </p:spPr>
+        <p:style>
+          <a:lnRef idx="2">
+            <a:schemeClr val="accent1">
+              <a:shade val="50000"/>
+            </a:schemeClr>
+          </a:lnRef>
+          <a:fillRef idx="1">
+            <a:schemeClr val="accent1"/>
+          </a:fillRef>
+          <a:effectRef idx="0">
+            <a:schemeClr val="accent1"/>
+          </a:effectRef>
+          <a:fontRef idx="minor">
+            <a:schemeClr val="lt1"/>
+          </a:fontRef>
+        </p:style>
+        <p:txBody>
+          <a:bodyPr rtlCol="0" anchor="ctr"/>
+          <a:lstStyle/>
+          <a:p>
+            <a:pPr algn="ctr"/>
+            <a:endParaRPr lang="en-GB"/>
+          </a:p>
+        </p:txBody>
+      </p:sp>
     </p:spTree>
     <p:extLst>
       <p:ext uri="{BB962C8B-B14F-4D97-AF65-F5344CB8AC3E}">
-        <p14:creationId xmlns:p14="http://schemas.microsoft.com/office/powerpoint/2010/main" val="1666153811"/>
+        <p14:creationId xmlns:p14="http://schemas.microsoft.com/office/powerpoint/2010/main" val="1150362395"/>
       </p:ext>
     </p:extLst>
   </p:cSld>
@@ -15455,7 +13188,12 @@
             <p:ph idx="1"/>
           </p:nvPr>
         </p:nvSpPr>
-        <p:spPr/>
+        <p:spPr>
+          <a:xfrm>
+            <a:off x="251520" y="1779662"/>
+            <a:ext cx="6447501" cy="2744167"/>
+          </a:xfrm>
+        </p:spPr>
         <p:txBody>
           <a:bodyPr/>
           <a:lstStyle/>
@@ -15487,8 +13225,20 @@
           <a:p>
             <a:r>
               <a:rPr lang="en-GB" dirty="0" smtClean="0"/>
-              <a:t>Switches &amp; resistors</a:t>
-            </a:r>
+              <a:t>Switches</a:t>
+            </a:r>
+          </a:p>
+          <a:p>
+            <a:r>
+              <a:rPr lang="en-GB" dirty="0" smtClean="0"/>
+              <a:t>TTL/USB</a:t>
+            </a:r>
+          </a:p>
+          <a:p>
+            <a:pPr marL="0" indent="0">
+              <a:buNone/>
+            </a:pPr>
+            <a:endParaRPr lang="en-GB" dirty="0" smtClean="0"/>
           </a:p>
           <a:p>
             <a:endParaRPr lang="en-GB" dirty="0"/>
@@ -15503,8 +13253,8 @@
         </p:nvSpPr>
         <p:spPr>
           <a:xfrm>
-            <a:off x="2843808" y="1295349"/>
-            <a:ext cx="4356653" cy="3508649"/>
+            <a:off x="2206278" y="168176"/>
+            <a:ext cx="5328592" cy="4893647"/>
           </a:xfrm>
           <a:prstGeom prst="rect">
             <a:avLst/>
@@ -15514,13 +13264,13 @@
           </a:solidFill>
         </p:spPr>
         <p:txBody>
-          <a:bodyPr wrap="square" lIns="121917" tIns="60958" rIns="121917" bIns="60958" rtlCol="0">
+          <a:bodyPr wrap="square" rtlCol="0">
             <a:spAutoFit/>
           </a:bodyPr>
           <a:lstStyle/>
           <a:p>
             <a:r>
-              <a:rPr lang="en-GB" sz="1100" dirty="0">
+              <a:rPr lang="en-GB" sz="1200" b="1" dirty="0">
                 <a:latin typeface="Courier New" panose="02070309020205020404" pitchFamily="49" charset="0"/>
                 <a:cs typeface="Courier New" panose="02070309020205020404" pitchFamily="49" charset="0"/>
               </a:rPr>
@@ -15529,238 +13279,316 @@
           </a:p>
           <a:p>
             <a:r>
-              <a:rPr lang="en-GB" sz="1100" dirty="0">
+              <a:rPr lang="en-GB" sz="1200" b="1" dirty="0">
                 <a:latin typeface="Courier New" panose="02070309020205020404" pitchFamily="49" charset="0"/>
                 <a:cs typeface="Courier New" panose="02070309020205020404" pitchFamily="49" charset="0"/>
               </a:rPr>
-              <a:t>    -------------------PORTA----------------</a:t>
-            </a:r>
-          </a:p>
-          <a:p>
-            <a:r>
-              <a:rPr lang="en-GB" sz="1100" dirty="0">
+              <a:t> </a:t>
+            </a:r>
+            <a:r>
+              <a:rPr lang="en-GB" sz="1200" b="1" dirty="0" smtClean="0">
                 <a:latin typeface="Courier New" panose="02070309020205020404" pitchFamily="49" charset="0"/>
                 <a:cs typeface="Courier New" panose="02070309020205020404" pitchFamily="49" charset="0"/>
               </a:rPr>
-              <a:t>    Bit#:  -7---6---5---4---3---2---1---0---</a:t>
-            </a:r>
-          </a:p>
-          <a:p>
-            <a:r>
-              <a:rPr lang="en-GB" sz="1100" dirty="0">
+              <a:t>           ------------</a:t>
+            </a:r>
+            <a:r>
+              <a:rPr lang="en-GB" sz="1200" b="1" dirty="0">
                 <a:latin typeface="Courier New" panose="02070309020205020404" pitchFamily="49" charset="0"/>
                 <a:cs typeface="Courier New" panose="02070309020205020404" pitchFamily="49" charset="0"/>
               </a:rPr>
-              <a:t>    IO:    ----------------SW----------ADC-- </a:t>
-            </a:r>
-          </a:p>
-          <a:p>
-            <a:r>
-              <a:rPr lang="en-GB" sz="1100" dirty="0">
+              <a:t>PORTA---------------</a:t>
+            </a:r>
+          </a:p>
+          <a:p>
+            <a:r>
+              <a:rPr lang="en-GB" sz="1200" b="1" dirty="0">
                 <a:latin typeface="Courier New" panose="02070309020205020404" pitchFamily="49" charset="0"/>
                 <a:cs typeface="Courier New" panose="02070309020205020404" pitchFamily="49" charset="0"/>
               </a:rPr>
-              <a:t>    ----------------------------------------</a:t>
-            </a:r>
-          </a:p>
-          <a:p>
-            <a:r>
-              <a:rPr lang="en-GB" sz="1100" dirty="0">
+              <a:t>    Bit#:  -7---6---5---4---3---2---1---0---</a:t>
+            </a:r>
+          </a:p>
+          <a:p>
+            <a:r>
+              <a:rPr lang="en-GB" sz="1200" b="1" dirty="0">
                 <a:latin typeface="Courier New" panose="02070309020205020404" pitchFamily="49" charset="0"/>
                 <a:cs typeface="Courier New" panose="02070309020205020404" pitchFamily="49" charset="0"/>
               </a:rPr>
-              <a:t/>
+              <a:t>    IO:    </a:t>
+            </a:r>
+            <a:r>
+              <a:rPr lang="en-GB" sz="1200" b="1" dirty="0" smtClean="0">
+                <a:latin typeface="Courier New" panose="02070309020205020404" pitchFamily="49" charset="0"/>
+                <a:cs typeface="Courier New" panose="02070309020205020404" pitchFamily="49" charset="0"/>
+              </a:rPr>
+              <a:t>------------SW2-------------</a:t>
+            </a:r>
+            <a:r>
+              <a:rPr lang="en-GB" sz="1200" b="1" dirty="0">
+                <a:latin typeface="Courier New" panose="02070309020205020404" pitchFamily="49" charset="0"/>
+                <a:cs typeface="Courier New" panose="02070309020205020404" pitchFamily="49" charset="0"/>
+              </a:rPr>
+              <a:t>ADC--</a:t>
+            </a:r>
+          </a:p>
+          <a:p>
+            <a:r>
+              <a:rPr lang="en-GB" sz="1200" b="1" dirty="0">
+                <a:latin typeface="Courier New" panose="02070309020205020404" pitchFamily="49" charset="0"/>
+                <a:cs typeface="Courier New" panose="02070309020205020404" pitchFamily="49" charset="0"/>
+              </a:rPr>
+              <a:t>    IO:    ---------------------------------</a:t>
+            </a:r>
+          </a:p>
+          <a:p>
+            <a:endParaRPr lang="en-GB" sz="1200" b="1" dirty="0">
+              <a:latin typeface="Courier New" panose="02070309020205020404" pitchFamily="49" charset="0"/>
+              <a:cs typeface="Courier New" panose="02070309020205020404" pitchFamily="49" charset="0"/>
+            </a:endParaRPr>
+          </a:p>
+          <a:p>
+            <a:r>
+              <a:rPr lang="en-GB" sz="1200" b="1" dirty="0">
+                <a:latin typeface="Courier New" panose="02070309020205020404" pitchFamily="49" charset="0"/>
+                <a:cs typeface="Courier New" panose="02070309020205020404" pitchFamily="49" charset="0"/>
+              </a:rPr>
+              <a:t>            ------------PORTB----------------</a:t>
+            </a:r>
+          </a:p>
+          <a:p>
+            <a:r>
+              <a:rPr lang="en-GB" sz="1200" b="1" dirty="0">
+                <a:latin typeface="Courier New" panose="02070309020205020404" pitchFamily="49" charset="0"/>
+                <a:cs typeface="Courier New" panose="02070309020205020404" pitchFamily="49" charset="0"/>
+              </a:rPr>
+              <a:t>    Bit#:  -7---6---5---4---3---2---1---0---</a:t>
+            </a:r>
+          </a:p>
+          <a:p>
+            <a:r>
+              <a:rPr lang="en-GB" sz="1200" b="1" dirty="0">
+                <a:latin typeface="Courier New" panose="02070309020205020404" pitchFamily="49" charset="0"/>
+                <a:cs typeface="Courier New" panose="02070309020205020404" pitchFamily="49" charset="0"/>
+              </a:rPr>
+              <a:t>    IO:    ----------------</a:t>
+            </a:r>
+            <a:r>
+              <a:rPr lang="en-GB" sz="1200" b="1" dirty="0" smtClean="0">
+                <a:latin typeface="Courier New" panose="02070309020205020404" pitchFamily="49" charset="0"/>
+                <a:cs typeface="Courier New" panose="02070309020205020404" pitchFamily="49" charset="0"/>
+              </a:rPr>
+              <a:t>LED-LED-LED-INT--</a:t>
+            </a:r>
+            <a:endParaRPr lang="en-GB" sz="1200" b="1" dirty="0">
+              <a:latin typeface="Courier New" panose="02070309020205020404" pitchFamily="49" charset="0"/>
+              <a:cs typeface="Courier New" panose="02070309020205020404" pitchFamily="49" charset="0"/>
+            </a:endParaRPr>
+          </a:p>
+          <a:p>
+            <a:r>
+              <a:rPr lang="en-GB" sz="1200" b="1" dirty="0">
+                <a:latin typeface="Courier New" panose="02070309020205020404" pitchFamily="49" charset="0"/>
+                <a:cs typeface="Courier New" panose="02070309020205020404" pitchFamily="49" charset="0"/>
+              </a:rPr>
+              <a:t>    IO:    ---------------------------------</a:t>
+            </a:r>
+          </a:p>
+          <a:p>
+            <a:endParaRPr lang="en-GB" sz="1200" b="1" dirty="0">
+              <a:latin typeface="Courier New" panose="02070309020205020404" pitchFamily="49" charset="0"/>
+              <a:cs typeface="Courier New" panose="02070309020205020404" pitchFamily="49" charset="0"/>
+            </a:endParaRPr>
+          </a:p>
+          <a:p>
+            <a:r>
+              <a:rPr lang="en-GB" sz="1200" b="1" dirty="0">
+                <a:latin typeface="Courier New" panose="02070309020205020404" pitchFamily="49" charset="0"/>
+                <a:cs typeface="Courier New" panose="02070309020205020404" pitchFamily="49" charset="0"/>
+              </a:rPr>
+              <a:t>            ------------PORTC----------------</a:t>
+            </a:r>
+          </a:p>
+          <a:p>
+            <a:r>
+              <a:rPr lang="en-GB" sz="1200" b="1" dirty="0">
+                <a:latin typeface="Courier New" panose="02070309020205020404" pitchFamily="49" charset="0"/>
+                <a:cs typeface="Courier New" panose="02070309020205020404" pitchFamily="49" charset="0"/>
+              </a:rPr>
+              <a:t>    Bit#:  -7---6---5---4---3---2---1---0---</a:t>
+            </a:r>
+          </a:p>
+          <a:p>
+            <a:r>
+              <a:rPr lang="en-GB" sz="1200" b="1" dirty="0">
+                <a:latin typeface="Courier New" panose="02070309020205020404" pitchFamily="49" charset="0"/>
+                <a:cs typeface="Courier New" panose="02070309020205020404" pitchFamily="49" charset="0"/>
+              </a:rPr>
+              <a:t> </a:t>
+            </a:r>
+            <a:r>
+              <a:rPr lang="en-GB" sz="1200" b="1" dirty="0" smtClean="0">
+                <a:latin typeface="Courier New" panose="02070309020205020404" pitchFamily="49" charset="0"/>
+                <a:cs typeface="Courier New" panose="02070309020205020404" pitchFamily="49" charset="0"/>
+              </a:rPr>
+              <a:t>   IO</a:t>
+            </a:r>
+            <a:r>
+              <a:rPr lang="en-GB" sz="1200" b="1" dirty="0">
+                <a:latin typeface="Courier New" panose="02070309020205020404" pitchFamily="49" charset="0"/>
+                <a:cs typeface="Courier New" panose="02070309020205020404" pitchFamily="49" charset="0"/>
+              </a:rPr>
+              <a:t>:    -----TX-</a:t>
+            </a:r>
+            <a:r>
+              <a:rPr lang="en-GB" sz="1200" b="1" dirty="0" smtClean="0">
+                <a:latin typeface="Courier New" panose="02070309020205020404" pitchFamily="49" charset="0"/>
+                <a:cs typeface="Courier New" panose="02070309020205020404" pitchFamily="49" charset="0"/>
+              </a:rPr>
+              <a:t>-------------------------    </a:t>
+            </a:r>
+          </a:p>
+          <a:p>
+            <a:r>
+              <a:rPr lang="en-GB" sz="1200" b="1" dirty="0">
+                <a:latin typeface="Courier New" panose="02070309020205020404" pitchFamily="49" charset="0"/>
+                <a:cs typeface="Courier New" panose="02070309020205020404" pitchFamily="49" charset="0"/>
+              </a:rPr>
+              <a:t> </a:t>
+            </a:r>
+            <a:r>
+              <a:rPr lang="en-GB" sz="1200" b="1" dirty="0" smtClean="0">
+                <a:latin typeface="Courier New" panose="02070309020205020404" pitchFamily="49" charset="0"/>
+                <a:cs typeface="Courier New" panose="02070309020205020404" pitchFamily="49" charset="0"/>
+              </a:rPr>
+              <a:t>   IO</a:t>
+            </a:r>
+            <a:r>
+              <a:rPr lang="en-GB" sz="1200" b="1" dirty="0">
+                <a:latin typeface="Courier New" panose="02070309020205020404" pitchFamily="49" charset="0"/>
+                <a:cs typeface="Courier New" panose="02070309020205020404" pitchFamily="49" charset="0"/>
+              </a:rPr>
+              <a:t>:    ---------------------------------</a:t>
+            </a:r>
+          </a:p>
+          <a:p>
+            <a:endParaRPr lang="en-GB" sz="1200" b="1" dirty="0">
+              <a:latin typeface="Courier New" panose="02070309020205020404" pitchFamily="49" charset="0"/>
+              <a:cs typeface="Courier New" panose="02070309020205020404" pitchFamily="49" charset="0"/>
+            </a:endParaRPr>
+          </a:p>
+          <a:p>
+            <a:r>
+              <a:rPr lang="en-GB" sz="1200" b="1" dirty="0">
+                <a:latin typeface="Courier New" panose="02070309020205020404" pitchFamily="49" charset="0"/>
+                <a:cs typeface="Courier New" panose="02070309020205020404" pitchFamily="49" charset="0"/>
+              </a:rPr>
+              <a:t>            ------------PORTD----------------</a:t>
+            </a:r>
+          </a:p>
+          <a:p>
+            <a:r>
+              <a:rPr lang="en-GB" sz="1200" b="1" dirty="0">
+                <a:latin typeface="Courier New" panose="02070309020205020404" pitchFamily="49" charset="0"/>
+                <a:cs typeface="Courier New" panose="02070309020205020404" pitchFamily="49" charset="0"/>
+              </a:rPr>
+              <a:t>    Bit#:  -7---6---5---4---3---2---1---0---</a:t>
+            </a:r>
+          </a:p>
+          <a:p>
+            <a:r>
+              <a:rPr lang="en-GB" sz="1200" b="1" dirty="0">
+                <a:latin typeface="Courier New" panose="02070309020205020404" pitchFamily="49" charset="0"/>
+                <a:cs typeface="Courier New" panose="02070309020205020404" pitchFamily="49" charset="0"/>
+              </a:rPr>
+              <a:t>    IO:    ---------------------------------</a:t>
+            </a:r>
+          </a:p>
+          <a:p>
+            <a:r>
+              <a:rPr lang="en-GB" sz="1200" b="1" dirty="0" smtClean="0">
+                <a:latin typeface="Courier New" panose="02070309020205020404" pitchFamily="49" charset="0"/>
+                <a:cs typeface="Courier New" panose="02070309020205020404" pitchFamily="49" charset="0"/>
+              </a:rPr>
+              <a:t>    </a:t>
+            </a:r>
+            <a:r>
+              <a:rPr lang="en-GB" sz="1200" b="1" dirty="0">
+                <a:latin typeface="Courier New" panose="02070309020205020404" pitchFamily="49" charset="0"/>
+                <a:cs typeface="Courier New" panose="02070309020205020404" pitchFamily="49" charset="0"/>
+              </a:rPr>
+              <a:t>IO:    ---------------------------------</a:t>
+            </a:r>
+          </a:p>
+          <a:p>
+            <a:endParaRPr lang="en-GB" sz="1200" b="1" dirty="0">
+              <a:latin typeface="Courier New" panose="02070309020205020404" pitchFamily="49" charset="0"/>
+              <a:cs typeface="Courier New" panose="02070309020205020404" pitchFamily="49" charset="0"/>
+            </a:endParaRPr>
+          </a:p>
+          <a:p>
+            <a:r>
+              <a:rPr lang="en-GB" sz="1200" b="1" dirty="0">
+                <a:latin typeface="Courier New" panose="02070309020205020404" pitchFamily="49" charset="0"/>
+                <a:cs typeface="Courier New" panose="02070309020205020404" pitchFamily="49" charset="0"/>
+              </a:rPr>
+              <a:t>            ------------PORTE----------------</a:t>
+            </a:r>
+          </a:p>
+          <a:p>
+            <a:r>
+              <a:rPr lang="en-GB" sz="1200" b="1" dirty="0">
+                <a:latin typeface="Courier New" panose="02070309020205020404" pitchFamily="49" charset="0"/>
+                <a:cs typeface="Courier New" panose="02070309020205020404" pitchFamily="49" charset="0"/>
+              </a:rPr>
+              <a:t>    Bit#:  -7---6---5---4---3---2---1---0---</a:t>
+            </a:r>
+          </a:p>
+          <a:p>
+            <a:r>
+              <a:rPr lang="en-GB" sz="1200" b="1" dirty="0">
+                <a:latin typeface="Courier New" panose="02070309020205020404" pitchFamily="49" charset="0"/>
+                <a:cs typeface="Courier New" panose="02070309020205020404" pitchFamily="49" charset="0"/>
+              </a:rPr>
+              <a:t>    IO:    </a:t>
+            </a:r>
+            <a:r>
+              <a:rPr lang="en-GB" sz="1200" b="1" dirty="0" smtClean="0">
+                <a:latin typeface="Courier New" panose="02070309020205020404" pitchFamily="49" charset="0"/>
+                <a:cs typeface="Courier New" panose="02070309020205020404" pitchFamily="49" charset="0"/>
+              </a:rPr>
+              <a:t>----------------RST---------------</a:t>
+            </a:r>
+            <a:endParaRPr lang="en-GB" sz="1200" b="1" dirty="0">
+              <a:latin typeface="Courier New" panose="02070309020205020404" pitchFamily="49" charset="0"/>
+              <a:cs typeface="Courier New" panose="02070309020205020404" pitchFamily="49" charset="0"/>
+            </a:endParaRPr>
+          </a:p>
+          <a:p>
+            <a:r>
+              <a:rPr lang="en-GB" sz="1200" b="1" dirty="0">
+                <a:latin typeface="Courier New" panose="02070309020205020404" pitchFamily="49" charset="0"/>
+                <a:cs typeface="Courier New" panose="02070309020205020404" pitchFamily="49" charset="0"/>
+              </a:rPr>
+              <a:t>    IO:    ---------------------------------</a:t>
             </a:r>
             <a:br>
-              <a:rPr lang="en-GB" sz="1100" dirty="0">
+              <a:rPr lang="en-GB" sz="1200" b="1" dirty="0">
                 <a:latin typeface="Courier New" panose="02070309020205020404" pitchFamily="49" charset="0"/>
                 <a:cs typeface="Courier New" panose="02070309020205020404" pitchFamily="49" charset="0"/>
               </a:rPr>
             </a:br>
-            <a:r>
-              <a:rPr lang="en-GB" sz="1100" dirty="0">
-                <a:latin typeface="Courier New" panose="02070309020205020404" pitchFamily="49" charset="0"/>
-                <a:cs typeface="Courier New" panose="02070309020205020404" pitchFamily="49" charset="0"/>
-              </a:rPr>
-              <a:t>    -------------------PORTB----------------</a:t>
-            </a:r>
-          </a:p>
-          <a:p>
-            <a:r>
-              <a:rPr lang="en-GB" sz="1100" dirty="0">
-                <a:latin typeface="Courier New" panose="02070309020205020404" pitchFamily="49" charset="0"/>
-                <a:cs typeface="Courier New" panose="02070309020205020404" pitchFamily="49" charset="0"/>
-              </a:rPr>
-              <a:t>    Bit#:  -7---6---5---4---3---2---1---0---</a:t>
-            </a:r>
-          </a:p>
-          <a:p>
-            <a:r>
-              <a:rPr lang="en-GB" sz="1100" dirty="0">
-                <a:latin typeface="Courier New" panose="02070309020205020404" pitchFamily="49" charset="0"/>
-                <a:cs typeface="Courier New" panose="02070309020205020404" pitchFamily="49" charset="0"/>
-              </a:rPr>
-              <a:t>    IO:    ----------------LED-LED-LED-LED--</a:t>
-            </a:r>
-          </a:p>
-          <a:p>
-            <a:r>
-              <a:rPr lang="en-GB" sz="1100" dirty="0">
-                <a:latin typeface="Courier New" panose="02070309020205020404" pitchFamily="49" charset="0"/>
-                <a:cs typeface="Courier New" panose="02070309020205020404" pitchFamily="49" charset="0"/>
-              </a:rPr>
-              <a:t>    ----------------------------------------</a:t>
-            </a:r>
-          </a:p>
-          <a:p>
-            <a:r>
-              <a:rPr lang="en-GB" sz="1100" dirty="0">
-                <a:latin typeface="Courier New" panose="02070309020205020404" pitchFamily="49" charset="0"/>
-                <a:cs typeface="Courier New" panose="02070309020205020404" pitchFamily="49" charset="0"/>
-              </a:rPr>
-              <a:t>    </a:t>
-            </a:r>
-          </a:p>
-          <a:p>
-            <a:r>
-              <a:rPr lang="en-GB" sz="1100" dirty="0">
-                <a:latin typeface="Courier New" panose="02070309020205020404" pitchFamily="49" charset="0"/>
-                <a:cs typeface="Courier New" panose="02070309020205020404" pitchFamily="49" charset="0"/>
-              </a:rPr>
-              <a:t>    ------------------PORTC-----------------</a:t>
-            </a:r>
-          </a:p>
-          <a:p>
-            <a:r>
-              <a:rPr lang="en-GB" sz="1100" dirty="0">
-                <a:latin typeface="Courier New" panose="02070309020205020404" pitchFamily="49" charset="0"/>
-                <a:cs typeface="Courier New" panose="02070309020205020404" pitchFamily="49" charset="0"/>
-              </a:rPr>
-              <a:t>    Bit#:  -X---6---5---4---3---2---1---0---</a:t>
-            </a:r>
-          </a:p>
-          <a:p>
-            <a:r>
-              <a:rPr lang="en-GB" sz="1100" dirty="0">
-                <a:latin typeface="Courier New" panose="02070309020205020404" pitchFamily="49" charset="0"/>
-                <a:cs typeface="Courier New" panose="02070309020205020404" pitchFamily="49" charset="0"/>
-              </a:rPr>
-              <a:t>    IO:    -</a:t>
-            </a:r>
-            <a:r>
-              <a:rPr lang="en-GB" sz="1100" b="1" dirty="0">
-                <a:latin typeface="Courier New" panose="02070309020205020404" pitchFamily="49" charset="0"/>
-                <a:cs typeface="Courier New" panose="02070309020205020404" pitchFamily="49" charset="0"/>
-              </a:rPr>
-              <a:t>^</a:t>
-            </a:r>
-            <a:r>
-              <a:rPr lang="en-GB" sz="1100" dirty="0">
-                <a:latin typeface="Courier New" panose="02070309020205020404" pitchFamily="49" charset="0"/>
-                <a:cs typeface="Courier New" panose="02070309020205020404" pitchFamily="49" charset="0"/>
-              </a:rPr>
-              <a:t>--</a:t>
-            </a:r>
-            <a:r>
-              <a:rPr lang="en-GB" sz="1100" b="1" dirty="0">
-                <a:latin typeface="Courier New" panose="02070309020205020404" pitchFamily="49" charset="0"/>
-                <a:cs typeface="Courier New" panose="02070309020205020404" pitchFamily="49" charset="0"/>
-              </a:rPr>
-              <a:t>TX</a:t>
-            </a:r>
-            <a:r>
-              <a:rPr lang="en-GB" sz="1100" dirty="0">
-                <a:latin typeface="Courier New" panose="02070309020205020404" pitchFamily="49" charset="0"/>
-                <a:cs typeface="Courier New" panose="02070309020205020404" pitchFamily="49" charset="0"/>
-              </a:rPr>
-              <a:t>-</a:t>
-            </a:r>
-            <a:r>
-              <a:rPr lang="en-GB" sz="1100" dirty="0" smtClean="0">
-                <a:latin typeface="Courier New" panose="02070309020205020404" pitchFamily="49" charset="0"/>
-                <a:cs typeface="Courier New" panose="02070309020205020404" pitchFamily="49" charset="0"/>
-              </a:rPr>
-              <a:t>--------------------------</a:t>
-            </a:r>
-            <a:endParaRPr lang="en-GB" sz="1100" dirty="0">
+            <a:endParaRPr lang="en-GB" sz="1200" b="1" dirty="0">
               <a:latin typeface="Courier New" panose="02070309020205020404" pitchFamily="49" charset="0"/>
               <a:cs typeface="Courier New" panose="02070309020205020404" pitchFamily="49" charset="0"/>
             </a:endParaRPr>
           </a:p>
-          <a:p>
-            <a:r>
-              <a:rPr lang="en-GB" sz="1100" dirty="0">
-                <a:latin typeface="Courier New" panose="02070309020205020404" pitchFamily="49" charset="0"/>
-                <a:cs typeface="Courier New" panose="02070309020205020404" pitchFamily="49" charset="0"/>
-              </a:rPr>
-              <a:t>    -----</a:t>
-            </a:r>
-            <a:r>
-              <a:rPr lang="en-GB" sz="1100" b="1" dirty="0">
-                <a:latin typeface="Courier New" panose="02070309020205020404" pitchFamily="49" charset="0"/>
-                <a:cs typeface="Courier New" panose="02070309020205020404" pitchFamily="49" charset="0"/>
-              </a:rPr>
-              <a:t>VDDIO2</a:t>
-            </a:r>
-            <a:r>
-              <a:rPr lang="en-GB" sz="1100" dirty="0">
-                <a:latin typeface="Courier New" panose="02070309020205020404" pitchFamily="49" charset="0"/>
-                <a:cs typeface="Courier New" panose="02070309020205020404" pitchFamily="49" charset="0"/>
-              </a:rPr>
-              <a:t>----------------------------- </a:t>
-            </a:r>
-          </a:p>
-          <a:p>
-            <a:r>
-              <a:rPr lang="en-GB" sz="1100" dirty="0">
-                <a:latin typeface="Courier New" panose="02070309020205020404" pitchFamily="49" charset="0"/>
-                <a:cs typeface="Courier New" panose="02070309020205020404" pitchFamily="49" charset="0"/>
-              </a:rPr>
-              <a:t>    You must apply correct Voltage</a:t>
-            </a:r>
-          </a:p>
-          <a:p>
-            <a:r>
-              <a:rPr lang="en-GB" sz="1100" dirty="0">
-                <a:latin typeface="Courier New" panose="02070309020205020404" pitchFamily="49" charset="0"/>
-                <a:cs typeface="Courier New" panose="02070309020205020404" pitchFamily="49" charset="0"/>
-              </a:rPr>
-              <a:t>   </a:t>
-            </a:r>
-          </a:p>
-          <a:p>
-            <a:r>
-              <a:rPr lang="en-GB" sz="1100" dirty="0">
-                <a:latin typeface="Courier New" panose="02070309020205020404" pitchFamily="49" charset="0"/>
-                <a:cs typeface="Courier New" panose="02070309020205020404" pitchFamily="49" charset="0"/>
-              </a:rPr>
-              <a:t>    ------------------PORTE-----------------</a:t>
-            </a:r>
-          </a:p>
-          <a:p>
-            <a:r>
-              <a:rPr lang="en-GB" sz="1100" dirty="0">
-                <a:latin typeface="Courier New" panose="02070309020205020404" pitchFamily="49" charset="0"/>
-                <a:cs typeface="Courier New" panose="02070309020205020404" pitchFamily="49" charset="0"/>
-              </a:rPr>
-              <a:t>    Bit#:  -----------------3---------------</a:t>
-            </a:r>
-          </a:p>
-          <a:p>
-            <a:r>
-              <a:rPr lang="en-GB" sz="1100" dirty="0">
-                <a:latin typeface="Courier New" panose="02070309020205020404" pitchFamily="49" charset="0"/>
-                <a:cs typeface="Courier New" panose="02070309020205020404" pitchFamily="49" charset="0"/>
-              </a:rPr>
-              <a:t>    IO:    ----------------SW---------------</a:t>
-            </a:r>
-          </a:p>
         </p:txBody>
       </p:sp>
     </p:spTree>
     <p:extLst>
       <p:ext uri="{BB962C8B-B14F-4D97-AF65-F5344CB8AC3E}">
-        <p14:creationId xmlns:p14="http://schemas.microsoft.com/office/powerpoint/2010/main" val="3213168251"/>
+        <p14:creationId xmlns:p14="http://schemas.microsoft.com/office/powerpoint/2010/main" val="1472204153"/>
       </p:ext>
     </p:extLst>
   </p:cSld>
@@ -15976,7 +13804,7 @@
   <a:extraClrSchemeLst/>
   <a:extLst>
     <a:ext uri="{05A4C25C-085E-4340-85A3-A5531E510DB2}">
-      <thm15:themeFamily xmlns="" xmlns:thm15="http://schemas.microsoft.com/office/thememl/2012/main" name="GCstudioThemeLight" id="{4C740F94-33C0-4EEC-9234-F56C348A0987}" vid="{A43F8B96-90D8-489D-B80F-92F9D6F351CC}"/>
+      <thm15:themeFamily xmlns:thm15="http://schemas.microsoft.com/office/thememl/2012/main" xmlns="" name="GCstudioThemeLight" id="{4C740F94-33C0-4EEC-9234-F56C348A0987}" vid="{A43F8B96-90D8-489D-B80F-92F9D6F351CC}"/>
     </a:ext>
   </a:extLst>
 </a:theme>
@@ -16546,47 +14374,4 @@
   <a:objectDefaults/>
   <a:extraClrSchemeLst/>
 </a:theme>
-</file>
-
-<file path=ppt/theme/themeOverride1.xml><?xml version="1.0" encoding="utf-8"?>
-<a:themeOverride xmlns:a="http://schemas.openxmlformats.org/drawingml/2006/main">
-  <a:clrScheme name="Blue">
-    <a:dk1>
-      <a:sysClr val="windowText" lastClr="000000"/>
-    </a:dk1>
-    <a:lt1>
-      <a:sysClr val="window" lastClr="FFFFFF"/>
-    </a:lt1>
-    <a:dk2>
-      <a:srgbClr val="17406D"/>
-    </a:dk2>
-    <a:lt2>
-      <a:srgbClr val="DBEFF9"/>
-    </a:lt2>
-    <a:accent1>
-      <a:srgbClr val="0F6FC6"/>
-    </a:accent1>
-    <a:accent2>
-      <a:srgbClr val="009DD9"/>
-    </a:accent2>
-    <a:accent3>
-      <a:srgbClr val="0BD0D9"/>
-    </a:accent3>
-    <a:accent4>
-      <a:srgbClr val="10CF9B"/>
-    </a:accent4>
-    <a:accent5>
-      <a:srgbClr val="7CCA62"/>
-    </a:accent5>
-    <a:accent6>
-      <a:srgbClr val="A5C249"/>
-    </a:accent6>
-    <a:hlink>
-      <a:srgbClr val="F49100"/>
-    </a:hlink>
-    <a:folHlink>
-      <a:srgbClr val="85DFD0"/>
-    </a:folHlink>
-  </a:clrScheme>
-</a:themeOverride>
 </file>
--- a/Vendor_Boards/Microchip_PICDEM 2 plus_board_2010/tutorials/GCBASIC_Part16_storage.pptx
+++ b/Vendor_Boards/Microchip_PICDEM 2 plus_board_2010/tutorials/GCBASIC_Part16_storage.pptx
@@ -212,7 +212,7 @@
             <a:fld id="{742E545A-AB39-44F0-B5A6-04A90C6C9399}" type="datetimeFigureOut">
               <a:rPr lang="en-GB" smtClean="0"/>
               <a:pPr/>
-              <a:t>28/01/2025</a:t>
+              <a:t>29/01/2025</a:t>
             </a:fld>
             <a:endParaRPr lang="en-GB" dirty="0"/>
           </a:p>
@@ -379,7 +379,7 @@
             <a:fld id="{FF100B3C-2E11-428B-8555-A77018253716}" type="datetimeFigureOut">
               <a:rPr lang="en-GB" smtClean="0"/>
               <a:pPr/>
-              <a:t>28/01/2025</a:t>
+              <a:t>29/01/2025</a:t>
             </a:fld>
             <a:endParaRPr lang="en-GB" dirty="0"/>
           </a:p>
@@ -672,7 +672,7 @@
           <p:cNvPr id="7" name="Rectangle 6">
             <a:extLst>
               <a:ext uri="{FF2B5EF4-FFF2-40B4-BE49-F238E27FC236}">
-                <a16:creationId xmlns:a16="http://schemas.microsoft.com/office/drawing/2014/main" xmlns="" id="{9C757326-0232-4CDF-81FF-302CA676961B}"/>
+                <a16:creationId xmlns="" xmlns:a16="http://schemas.microsoft.com/office/drawing/2014/main" id="{9C757326-0232-4CDF-81FF-302CA676961B}"/>
               </a:ext>
             </a:extLst>
           </p:cNvPr>
@@ -724,7 +724,7 @@
           <p:cNvPr id="8" name="Picture 7">
             <a:extLst>
               <a:ext uri="{FF2B5EF4-FFF2-40B4-BE49-F238E27FC236}">
-                <a16:creationId xmlns:a16="http://schemas.microsoft.com/office/drawing/2014/main" xmlns="" id="{4987E008-68E6-4A43-85BC-1A6ACDF91DE1}"/>
+                <a16:creationId xmlns="" xmlns:a16="http://schemas.microsoft.com/office/drawing/2014/main" id="{4987E008-68E6-4A43-85BC-1A6ACDF91DE1}"/>
               </a:ext>
             </a:extLst>
           </p:cNvPr>
@@ -753,7 +753,7 @@
           <p:cNvPr id="11" name="Picture 10">
             <a:extLst>
               <a:ext uri="{FF2B5EF4-FFF2-40B4-BE49-F238E27FC236}">
-                <a16:creationId xmlns:a16="http://schemas.microsoft.com/office/drawing/2014/main" xmlns="" id="{A1F8C892-C868-4DF6-91AB-B18CE632B10F}"/>
+                <a16:creationId xmlns="" xmlns:a16="http://schemas.microsoft.com/office/drawing/2014/main" id="{A1F8C892-C868-4DF6-91AB-B18CE632B10F}"/>
               </a:ext>
             </a:extLst>
           </p:cNvPr>
@@ -939,7 +939,7 @@
           <p:cNvPr id="12" name="Text Placeholder 2">
             <a:extLst>
               <a:ext uri="{FF2B5EF4-FFF2-40B4-BE49-F238E27FC236}">
-                <a16:creationId xmlns:a16="http://schemas.microsoft.com/office/drawing/2014/main" xmlns="" id="{D547E580-E6D6-4D97-BB04-05795A830147}"/>
+                <a16:creationId xmlns="" xmlns:a16="http://schemas.microsoft.com/office/drawing/2014/main" id="{D547E580-E6D6-4D97-BB04-05795A830147}"/>
               </a:ext>
             </a:extLst>
           </p:cNvPr>
@@ -1092,7 +1092,7 @@
           <p:cNvPr id="9" name="Picture 8">
             <a:extLst>
               <a:ext uri="{FF2B5EF4-FFF2-40B4-BE49-F238E27FC236}">
-                <a16:creationId xmlns:a16="http://schemas.microsoft.com/office/drawing/2014/main" xmlns="" id="{7CE2C968-D10A-4226-8FDC-CBC4C7EDD0B7}"/>
+                <a16:creationId xmlns="" xmlns:a16="http://schemas.microsoft.com/office/drawing/2014/main" id="{7CE2C968-D10A-4226-8FDC-CBC4C7EDD0B7}"/>
               </a:ext>
             </a:extLst>
           </p:cNvPr>
@@ -1294,7 +1294,7 @@
             <a:fld id="{C473AACB-D821-4991-9D88-46EB8D29E619}" type="datetimeFigureOut">
               <a:rPr lang="en-GB" smtClean="0"/>
               <a:pPr/>
-              <a:t>28/01/2025</a:t>
+              <a:t>29/01/2025</a:t>
             </a:fld>
             <a:endParaRPr lang="en-GB" dirty="0"/>
           </a:p>
@@ -1378,7 +1378,7 @@
           <p:cNvPr id="9" name="Picture 8">
             <a:extLst>
               <a:ext uri="{FF2B5EF4-FFF2-40B4-BE49-F238E27FC236}">
-                <a16:creationId xmlns:a16="http://schemas.microsoft.com/office/drawing/2014/main" xmlns="" id="{6AB5D66D-00C1-40EA-BFC8-305566F10369}"/>
+                <a16:creationId xmlns="" xmlns:a16="http://schemas.microsoft.com/office/drawing/2014/main" id="{6AB5D66D-00C1-40EA-BFC8-305566F10369}"/>
               </a:ext>
             </a:extLst>
           </p:cNvPr>
@@ -1588,7 +1588,7 @@
             <a:fld id="{C473AACB-D821-4991-9D88-46EB8D29E619}" type="datetimeFigureOut">
               <a:rPr lang="en-GB" smtClean="0"/>
               <a:pPr/>
-              <a:t>28/01/2025</a:t>
+              <a:t>29/01/2025</a:t>
             </a:fld>
             <a:endParaRPr lang="en-GB" dirty="0"/>
           </a:p>
@@ -1841,7 +1841,7 @@
             <a:fld id="{C473AACB-D821-4991-9D88-46EB8D29E619}" type="datetimeFigureOut">
               <a:rPr lang="en-GB" smtClean="0"/>
               <a:pPr/>
-              <a:t>28/01/2025</a:t>
+              <a:t>29/01/2025</a:t>
             </a:fld>
             <a:endParaRPr lang="en-GB" dirty="0"/>
           </a:p>
@@ -1895,7 +1895,7 @@
           <p:cNvPr id="8" name="Picture 7">
             <a:extLst>
               <a:ext uri="{FF2B5EF4-FFF2-40B4-BE49-F238E27FC236}">
-                <a16:creationId xmlns:a16="http://schemas.microsoft.com/office/drawing/2014/main" xmlns="" id="{AD4D4CB4-D965-4BB6-B218-086244C13BAE}"/>
+                <a16:creationId xmlns="" xmlns:a16="http://schemas.microsoft.com/office/drawing/2014/main" id="{AD4D4CB4-D965-4BB6-B218-086244C13BAE}"/>
               </a:ext>
             </a:extLst>
           </p:cNvPr>
@@ -2186,7 +2186,7 @@
             <a:fld id="{C473AACB-D821-4991-9D88-46EB8D29E619}" type="datetimeFigureOut">
               <a:rPr lang="en-GB" smtClean="0"/>
               <a:pPr/>
-              <a:t>28/01/2025</a:t>
+              <a:t>29/01/2025</a:t>
             </a:fld>
             <a:endParaRPr lang="en-GB" dirty="0"/>
           </a:p>
@@ -2330,7 +2330,7 @@
           <p:cNvPr id="11" name="Picture 10">
             <a:extLst>
               <a:ext uri="{FF2B5EF4-FFF2-40B4-BE49-F238E27FC236}">
-                <a16:creationId xmlns:a16="http://schemas.microsoft.com/office/drawing/2014/main" xmlns="" id="{A3B58C4E-0EF0-466C-9740-EC9F485CBD03}"/>
+                <a16:creationId xmlns="" xmlns:a16="http://schemas.microsoft.com/office/drawing/2014/main" id="{A3B58C4E-0EF0-466C-9740-EC9F485CBD03}"/>
               </a:ext>
             </a:extLst>
           </p:cNvPr>
@@ -2558,7 +2558,7 @@
             <a:fld id="{C473AACB-D821-4991-9D88-46EB8D29E619}" type="datetimeFigureOut">
               <a:rPr lang="en-GB" smtClean="0"/>
               <a:pPr/>
-              <a:t>28/01/2025</a:t>
+              <a:t>29/01/2025</a:t>
             </a:fld>
             <a:endParaRPr lang="en-GB" dirty="0"/>
           </a:p>
@@ -2612,7 +2612,7 @@
           <p:cNvPr id="7" name="Picture 6">
             <a:extLst>
               <a:ext uri="{FF2B5EF4-FFF2-40B4-BE49-F238E27FC236}">
-                <a16:creationId xmlns:a16="http://schemas.microsoft.com/office/drawing/2014/main" xmlns="" id="{2D0B9223-1250-44AA-A6C3-F2013B85AEF3}"/>
+                <a16:creationId xmlns="" xmlns:a16="http://schemas.microsoft.com/office/drawing/2014/main" id="{2D0B9223-1250-44AA-A6C3-F2013B85AEF3}"/>
               </a:ext>
             </a:extLst>
           </p:cNvPr>
@@ -2904,7 +2904,7 @@
             <a:fld id="{C473AACB-D821-4991-9D88-46EB8D29E619}" type="datetimeFigureOut">
               <a:rPr lang="en-GB" smtClean="0"/>
               <a:pPr/>
-              <a:t>28/01/2025</a:t>
+              <a:t>29/01/2025</a:t>
             </a:fld>
             <a:endParaRPr lang="en-GB" dirty="0"/>
           </a:p>
@@ -3040,7 +3040,7 @@
           <p:cNvPr id="11" name="Picture 10">
             <a:extLst>
               <a:ext uri="{FF2B5EF4-FFF2-40B4-BE49-F238E27FC236}">
-                <a16:creationId xmlns:a16="http://schemas.microsoft.com/office/drawing/2014/main" xmlns="" id="{D49E1C7C-7E53-49A2-B2C9-52307876DB7E}"/>
+                <a16:creationId xmlns="" xmlns:a16="http://schemas.microsoft.com/office/drawing/2014/main" id="{D49E1C7C-7E53-49A2-B2C9-52307876DB7E}"/>
               </a:ext>
             </a:extLst>
           </p:cNvPr>
@@ -3328,7 +3328,7 @@
             <a:fld id="{C473AACB-D821-4991-9D88-46EB8D29E619}" type="datetimeFigureOut">
               <a:rPr lang="en-GB" smtClean="0"/>
               <a:pPr/>
-              <a:t>28/01/2025</a:t>
+              <a:t>29/01/2025</a:t>
             </a:fld>
             <a:endParaRPr lang="en-GB" dirty="0"/>
           </a:p>
@@ -3382,7 +3382,7 @@
           <p:cNvPr id="9" name="Picture 8">
             <a:extLst>
               <a:ext uri="{FF2B5EF4-FFF2-40B4-BE49-F238E27FC236}">
-                <a16:creationId xmlns:a16="http://schemas.microsoft.com/office/drawing/2014/main" xmlns="" id="{23082AB0-2BB5-46FE-9A17-15E1ACC06965}"/>
+                <a16:creationId xmlns="" xmlns:a16="http://schemas.microsoft.com/office/drawing/2014/main" id="{23082AB0-2BB5-46FE-9A17-15E1ACC06965}"/>
               </a:ext>
             </a:extLst>
           </p:cNvPr>
@@ -3441,7 +3441,7 @@
           <p:cNvPr id="8" name="Picture 7">
             <a:extLst>
               <a:ext uri="{FF2B5EF4-FFF2-40B4-BE49-F238E27FC236}">
-                <a16:creationId xmlns:a16="http://schemas.microsoft.com/office/drawing/2014/main" xmlns="" id="{1862E859-E5AF-4D76-9FC9-2355B24FF141}"/>
+                <a16:creationId xmlns="" xmlns:a16="http://schemas.microsoft.com/office/drawing/2014/main" id="{1862E859-E5AF-4D76-9FC9-2355B24FF141}"/>
               </a:ext>
             </a:extLst>
           </p:cNvPr>
@@ -3563,7 +3563,7 @@
             <a:fld id="{C473AACB-D821-4991-9D88-46EB8D29E619}" type="datetimeFigureOut">
               <a:rPr lang="en-GB" smtClean="0"/>
               <a:pPr/>
-              <a:t>28/01/2025</a:t>
+              <a:t>29/01/2025</a:t>
             </a:fld>
             <a:endParaRPr lang="en-GB" dirty="0"/>
           </a:p>
@@ -3647,7 +3647,7 @@
           <p:cNvPr id="8" name="Picture 7">
             <a:extLst>
               <a:ext uri="{FF2B5EF4-FFF2-40B4-BE49-F238E27FC236}">
-                <a16:creationId xmlns:a16="http://schemas.microsoft.com/office/drawing/2014/main" xmlns="" id="{91908D0E-7544-4687-965B-72EF64AA4C54}"/>
+                <a16:creationId xmlns="" xmlns:a16="http://schemas.microsoft.com/office/drawing/2014/main" id="{91908D0E-7544-4687-965B-72EF64AA4C54}"/>
               </a:ext>
             </a:extLst>
           </p:cNvPr>
@@ -3774,7 +3774,7 @@
             <a:fld id="{C473AACB-D821-4991-9D88-46EB8D29E619}" type="datetimeFigureOut">
               <a:rPr lang="en-GB" smtClean="0"/>
               <a:pPr/>
-              <a:t>28/01/2025</a:t>
+              <a:t>29/01/2025</a:t>
             </a:fld>
             <a:endParaRPr lang="en-GB" dirty="0"/>
           </a:p>
@@ -3858,7 +3858,7 @@
           <p:cNvPr id="8" name="Picture 7">
             <a:extLst>
               <a:ext uri="{FF2B5EF4-FFF2-40B4-BE49-F238E27FC236}">
-                <a16:creationId xmlns:a16="http://schemas.microsoft.com/office/drawing/2014/main" xmlns="" id="{5B5B8CA2-02D4-408C-B548-182D4F5F54B2}"/>
+                <a16:creationId xmlns="" xmlns:a16="http://schemas.microsoft.com/office/drawing/2014/main" id="{5B5B8CA2-02D4-408C-B548-182D4F5F54B2}"/>
               </a:ext>
             </a:extLst>
           </p:cNvPr>
@@ -3992,7 +3992,7 @@
             <a:fld id="{C473AACB-D821-4991-9D88-46EB8D29E619}" type="datetimeFigureOut">
               <a:rPr lang="en-GB" smtClean="0"/>
               <a:pPr/>
-              <a:t>28/01/2025</a:t>
+              <a:t>29/01/2025</a:t>
             </a:fld>
             <a:endParaRPr lang="en-GB" dirty="0"/>
           </a:p>
@@ -4076,7 +4076,7 @@
           <p:cNvPr id="11" name="Picture 10">
             <a:extLst>
               <a:ext uri="{FF2B5EF4-FFF2-40B4-BE49-F238E27FC236}">
-                <a16:creationId xmlns:a16="http://schemas.microsoft.com/office/drawing/2014/main" xmlns="" id="{EA8DB33B-8BF9-4C99-B31C-55246227EFDE}"/>
+                <a16:creationId xmlns="" xmlns:a16="http://schemas.microsoft.com/office/drawing/2014/main" id="{EA8DB33B-8BF9-4C99-B31C-55246227EFDE}"/>
               </a:ext>
             </a:extLst>
           </p:cNvPr>
@@ -4807,7 +4807,7 @@
             <a:fld id="{C473AACB-D821-4991-9D88-46EB8D29E619}" type="datetimeFigureOut">
               <a:rPr lang="en-GB" smtClean="0"/>
               <a:pPr/>
-              <a:t>28/01/2025</a:t>
+              <a:t>29/01/2025</a:t>
             </a:fld>
             <a:endParaRPr lang="en-GB" dirty="0"/>
           </a:p>
@@ -4891,7 +4891,7 @@
           <p:cNvPr id="11" name="Picture 10">
             <a:extLst>
               <a:ext uri="{FF2B5EF4-FFF2-40B4-BE49-F238E27FC236}">
-                <a16:creationId xmlns:a16="http://schemas.microsoft.com/office/drawing/2014/main" xmlns="" id="{EA8DB33B-8BF9-4C99-B31C-55246227EFDE}"/>
+                <a16:creationId xmlns="" xmlns:a16="http://schemas.microsoft.com/office/drawing/2014/main" id="{EA8DB33B-8BF9-4C99-B31C-55246227EFDE}"/>
               </a:ext>
             </a:extLst>
           </p:cNvPr>
@@ -5621,7 +5621,7 @@
             <a:fld id="{C473AACB-D821-4991-9D88-46EB8D29E619}" type="datetimeFigureOut">
               <a:rPr lang="en-GB" smtClean="0"/>
               <a:pPr/>
-              <a:t>28/01/2025</a:t>
+              <a:t>29/01/2025</a:t>
             </a:fld>
             <a:endParaRPr lang="en-GB" dirty="0"/>
           </a:p>
@@ -5870,7 +5870,7 @@
             <a:fld id="{C473AACB-D821-4991-9D88-46EB8D29E619}" type="datetimeFigureOut">
               <a:rPr lang="en-GB" smtClean="0"/>
               <a:pPr/>
-              <a:t>28/01/2025</a:t>
+              <a:t>29/01/2025</a:t>
             </a:fld>
             <a:endParaRPr lang="en-GB" dirty="0"/>
           </a:p>
@@ -5924,7 +5924,7 @@
           <p:cNvPr id="7" name="Picture 6">
             <a:extLst>
               <a:ext uri="{FF2B5EF4-FFF2-40B4-BE49-F238E27FC236}">
-                <a16:creationId xmlns:a16="http://schemas.microsoft.com/office/drawing/2014/main" xmlns="" id="{6331EFED-43C1-4CBA-8BE3-308E3AA13B9B}"/>
+                <a16:creationId xmlns="" xmlns:a16="http://schemas.microsoft.com/office/drawing/2014/main" id="{6331EFED-43C1-4CBA-8BE3-308E3AA13B9B}"/>
               </a:ext>
             </a:extLst>
           </p:cNvPr>
@@ -6134,7 +6134,7 @@
             <a:fld id="{C473AACB-D821-4991-9D88-46EB8D29E619}" type="datetimeFigureOut">
               <a:rPr lang="en-GB" smtClean="0"/>
               <a:pPr/>
-              <a:t>28/01/2025</a:t>
+              <a:t>29/01/2025</a:t>
             </a:fld>
             <a:endParaRPr lang="en-GB" dirty="0"/>
           </a:p>
@@ -6188,7 +6188,7 @@
           <p:cNvPr id="9" name="Picture 8">
             <a:extLst>
               <a:ext uri="{FF2B5EF4-FFF2-40B4-BE49-F238E27FC236}">
-                <a16:creationId xmlns:a16="http://schemas.microsoft.com/office/drawing/2014/main" xmlns="" id="{1034EA63-4BE3-4A73-A7E6-4A75BE4C1D48}"/>
+                <a16:creationId xmlns="" xmlns:a16="http://schemas.microsoft.com/office/drawing/2014/main" id="{1034EA63-4BE3-4A73-A7E6-4A75BE4C1D48}"/>
               </a:ext>
             </a:extLst>
           </p:cNvPr>
@@ -6247,7 +6247,7 @@
           <p:cNvPr id="10" name="Picture 9">
             <a:extLst>
               <a:ext uri="{FF2B5EF4-FFF2-40B4-BE49-F238E27FC236}">
-                <a16:creationId xmlns:a16="http://schemas.microsoft.com/office/drawing/2014/main" xmlns="" id="{204DC1E6-B5F4-4160-90F3-351FB3242E92}"/>
+                <a16:creationId xmlns="" xmlns:a16="http://schemas.microsoft.com/office/drawing/2014/main" id="{204DC1E6-B5F4-4160-90F3-351FB3242E92}"/>
               </a:ext>
             </a:extLst>
           </p:cNvPr>
@@ -6574,7 +6574,7 @@
             <a:fld id="{C473AACB-D821-4991-9D88-46EB8D29E619}" type="datetimeFigureOut">
               <a:rPr lang="en-GB" smtClean="0"/>
               <a:pPr/>
-              <a:t>28/01/2025</a:t>
+              <a:t>29/01/2025</a:t>
             </a:fld>
             <a:endParaRPr lang="en-GB" dirty="0"/>
           </a:p>
@@ -6658,7 +6658,7 @@
           <p:cNvPr id="6" name="Picture 5">
             <a:extLst>
               <a:ext uri="{FF2B5EF4-FFF2-40B4-BE49-F238E27FC236}">
-                <a16:creationId xmlns:a16="http://schemas.microsoft.com/office/drawing/2014/main" xmlns="" id="{E7897C67-3827-4595-8E3A-71E9F2EAB3AF}"/>
+                <a16:creationId xmlns="" xmlns:a16="http://schemas.microsoft.com/office/drawing/2014/main" id="{E7897C67-3827-4595-8E3A-71E9F2EAB3AF}"/>
               </a:ext>
             </a:extLst>
           </p:cNvPr>
@@ -6729,7 +6729,7 @@
             <a:fld id="{C473AACB-D821-4991-9D88-46EB8D29E619}" type="datetimeFigureOut">
               <a:rPr lang="en-GB" smtClean="0"/>
               <a:pPr/>
-              <a:t>28/01/2025</a:t>
+              <a:t>29/01/2025</a:t>
             </a:fld>
             <a:endParaRPr lang="en-GB" dirty="0"/>
           </a:p>
@@ -6826,7 +6826,7 @@
             <a:fld id="{C473AACB-D821-4991-9D88-46EB8D29E619}" type="datetimeFigureOut">
               <a:rPr lang="en-GB" smtClean="0"/>
               <a:pPr/>
-              <a:t>28/01/2025</a:t>
+              <a:t>29/01/2025</a:t>
             </a:fld>
             <a:endParaRPr lang="en-GB" dirty="0"/>
           </a:p>
@@ -6880,7 +6880,7 @@
           <p:cNvPr id="6" name="Picture 5">
             <a:extLst>
               <a:ext uri="{FF2B5EF4-FFF2-40B4-BE49-F238E27FC236}">
-                <a16:creationId xmlns:a16="http://schemas.microsoft.com/office/drawing/2014/main" xmlns="" id="{F1825398-026A-4668-BB48-C16AD1C9062B}"/>
+                <a16:creationId xmlns="" xmlns:a16="http://schemas.microsoft.com/office/drawing/2014/main" id="{F1825398-026A-4668-BB48-C16AD1C9062B}"/>
               </a:ext>
             </a:extLst>
           </p:cNvPr>
@@ -7603,7 +7603,7 @@
             <a:fld id="{C473AACB-D821-4991-9D88-46EB8D29E619}" type="datetimeFigureOut">
               <a:rPr lang="en-GB" smtClean="0"/>
               <a:pPr/>
-              <a:t>28/01/2025</a:t>
+              <a:t>29/01/2025</a:t>
             </a:fld>
             <a:endParaRPr lang="en-GB" dirty="0"/>
           </a:p>
@@ -8166,7 +8166,7 @@
         <p:spPr/>
         <p:txBody>
           <a:bodyPr>
-            <a:normAutofit fontScale="85000" lnSpcReduction="20000"/>
+            <a:normAutofit fontScale="85000" lnSpcReduction="10000"/>
           </a:bodyPr>
           <a:lstStyle/>
           <a:p>
@@ -8181,8 +8181,12 @@
               <a:t>Part 16 - </a:t>
             </a:r>
             <a:r>
+              <a:rPr lang="en-GB" sz="1400" dirty="0" smtClean="0"/>
+              <a:t>Progmem, </a:t>
+            </a:r>
+            <a:r>
               <a:rPr lang="en-GB" sz="1400" dirty="0"/>
-              <a:t>Progmem, SAF memory, EEPROM and DATA blocks</a:t>
+              <a:t>EEPROM and DATA blocks</a:t>
             </a:r>
             <a:endParaRPr lang="en-GB" sz="1600" dirty="0"/>
           </a:p>
@@ -8383,7 +8387,6 @@
                         <a:rPr lang="en-ZA" dirty="0" smtClean="0"/>
                         <a:t>Program</a:t>
                       </a:r>
-                      <a:endParaRPr lang="en-ZA" dirty="0" smtClean="0"/>
                     </a:p>
                   </a:txBody>
                   <a:tcPr/>
@@ -8959,19 +8962,7 @@
               <a:pPr algn="ctr"/>
               <a:r>
                 <a:rPr lang="en-GB" sz="1600" b="1" dirty="0" smtClean="0"/>
-                <a:t>( </a:t>
-              </a:r>
-              <a:r>
-                <a:rPr lang="en-GB" sz="1600" b="1" dirty="0" smtClean="0"/>
-                <a:t>1 to 16</a:t>
-              </a:r>
-              <a:r>
-                <a:rPr lang="en-GB" sz="1600" b="1" dirty="0" smtClean="0"/>
-                <a:t> </a:t>
-              </a:r>
-              <a:r>
-                <a:rPr lang="en-GB" sz="1600" b="1" dirty="0" smtClean="0"/>
-                <a:t>KW )</a:t>
+                <a:t>( 1 to 16 KW )</a:t>
               </a:r>
             </a:p>
           </p:txBody>
@@ -9003,7 +8994,6 @@
                 <a:rPr lang="en-GB" sz="1600" b="1" dirty="0" smtClean="0"/>
                 <a:t>PIC16Fxxxx</a:t>
               </a:r>
-              <a:endParaRPr lang="en-GB" sz="1600" b="1" dirty="0" smtClean="0"/>
             </a:p>
           </p:txBody>
         </p:sp>
@@ -9193,19 +9183,7 @@
               <a:pPr algn="ctr"/>
               <a:r>
                 <a:rPr lang="en-GB" sz="1600" b="1" dirty="0" smtClean="0"/>
-                <a:t>( </a:t>
-              </a:r>
-              <a:r>
-                <a:rPr lang="en-GB" sz="1600" b="1" dirty="0" smtClean="0"/>
-                <a:t>1 to 16</a:t>
-              </a:r>
-              <a:r>
-                <a:rPr lang="en-GB" sz="1600" b="1" dirty="0" smtClean="0"/>
-                <a:t> </a:t>
-              </a:r>
-              <a:r>
-                <a:rPr lang="en-GB" sz="1600" b="1" dirty="0" smtClean="0"/>
-                <a:t>KW )</a:t>
+                <a:t>( 1 to 16 KW )</a:t>
               </a:r>
             </a:p>
           </p:txBody>
@@ -9237,7 +9215,6 @@
                 <a:rPr lang="en-GB" sz="1600" b="1" dirty="0" smtClean="0"/>
                 <a:t>PIC16Fxxxx</a:t>
               </a:r>
-              <a:endParaRPr lang="en-GB" sz="1600" b="1" dirty="0" smtClean="0"/>
             </a:p>
           </p:txBody>
         </p:sp>
@@ -9789,13 +9766,8 @@
               <a:pPr algn="ctr"/>
               <a:r>
                 <a:rPr lang="en-GB" sz="1600" b="1" dirty="0" smtClean="0"/>
-                <a:t>( </a:t>
+                <a:t>( 1 to 16 KW)</a:t>
               </a:r>
-              <a:r>
-                <a:rPr lang="en-GB" sz="1600" b="1" dirty="0" smtClean="0"/>
-                <a:t>1 to 16 KW)</a:t>
-              </a:r>
-              <a:endParaRPr lang="en-GB" sz="1600" b="1" dirty="0" smtClean="0"/>
             </a:p>
           </p:txBody>
         </p:sp>
@@ -9826,7 +9798,6 @@
                 <a:rPr lang="en-GB" sz="1600" b="1" dirty="0" smtClean="0"/>
                 <a:t>PIC16Fxxxx</a:t>
               </a:r>
-              <a:endParaRPr lang="en-GB" sz="1600" b="1" dirty="0" smtClean="0"/>
             </a:p>
           </p:txBody>
         </p:sp>
@@ -10063,13 +10034,8 @@
               <a:pPr algn="ctr"/>
               <a:r>
                 <a:rPr lang="en-GB" sz="1600" b="1" dirty="0" smtClean="0"/>
-                <a:t>( </a:t>
+                <a:t>( 1 to 16 KW)</a:t>
               </a:r>
-              <a:r>
-                <a:rPr lang="en-GB" sz="1600" b="1" dirty="0" smtClean="0"/>
-                <a:t>1 to 16 KW)</a:t>
-              </a:r>
-              <a:endParaRPr lang="en-GB" sz="1600" b="1" dirty="0" smtClean="0"/>
             </a:p>
           </p:txBody>
         </p:sp>
@@ -10100,7 +10066,6 @@
                 <a:rPr lang="en-GB" sz="1600" b="1" dirty="0" smtClean="0"/>
                 <a:t>PIC16Fxxxx</a:t>
               </a:r>
-              <a:endParaRPr lang="en-GB" sz="1600" b="1" dirty="0" smtClean="0"/>
             </a:p>
           </p:txBody>
         </p:sp>
@@ -10523,11 +10488,7 @@
             <a:pPr lvl="1"/>
             <a:r>
               <a:rPr lang="en-ZA" sz="1600" dirty="0" smtClean="0"/>
-              <a:t>EEPROM </a:t>
-            </a:r>
-            <a:r>
-              <a:rPr lang="en-ZA" sz="1600" dirty="0" smtClean="0"/>
-              <a:t>and DATA blocks</a:t>
+              <a:t>EEPROM and DATA blocks</a:t>
             </a:r>
             <a:endParaRPr lang="en-GB" sz="1600" dirty="0" smtClean="0"/>
           </a:p>
@@ -10930,15 +10891,15 @@
               <a:buAutoNum type="arabicPeriod"/>
             </a:pPr>
             <a:r>
-              <a:rPr lang="en-GB" sz="1100" b="1" dirty="0"/>
+              <a:rPr lang="en-GB" sz="1100" dirty="0"/>
               <a:t>Using storage within the chip – Progmem, </a:t>
             </a:r>
             <a:r>
-              <a:rPr lang="en-GB" sz="1100" b="1" dirty="0" smtClean="0"/>
+              <a:rPr lang="en-GB" sz="1100" dirty="0" smtClean="0"/>
               <a:t>EEPROM </a:t>
             </a:r>
             <a:r>
-              <a:rPr lang="en-GB" sz="1100" b="1" dirty="0"/>
+              <a:rPr lang="en-GB" sz="1100" dirty="0"/>
               <a:t>and DATA blocks</a:t>
             </a:r>
           </a:p>
@@ -10951,11 +10912,11 @@
               <a:buAutoNum type="arabicPeriod"/>
             </a:pPr>
             <a:r>
-              <a:rPr lang="en-GB" sz="1100" dirty="0" smtClean="0"/>
+              <a:rPr lang="en-GB" sz="1100" b="1" dirty="0" smtClean="0"/>
               <a:t>The </a:t>
             </a:r>
             <a:r>
-              <a:rPr lang="en-GB" sz="1100" dirty="0"/>
+              <a:rPr lang="en-GB" sz="1100" b="1" dirty="0"/>
               <a:t>GCBASIC tool chain</a:t>
             </a:r>
           </a:p>
@@ -11143,7 +11104,7 @@
         <p:spPr/>
         <p:txBody>
           <a:bodyPr>
-            <a:normAutofit fontScale="85000" lnSpcReduction="20000"/>
+            <a:normAutofit fontScale="85000" lnSpcReduction="10000"/>
           </a:bodyPr>
           <a:lstStyle/>
           <a:p>
@@ -11158,8 +11119,16 @@
               <a:t>Part 16 - </a:t>
             </a:r>
             <a:r>
+              <a:rPr lang="en-GB" sz="1400" dirty="0" smtClean="0"/>
+              <a:t>Progmem</a:t>
+            </a:r>
+            <a:r>
+              <a:rPr lang="en-GB" sz="1400" i="1" dirty="0" smtClean="0"/>
+              <a:t>, </a:t>
+            </a:r>
+            <a:r>
               <a:rPr lang="en-GB" sz="1400" dirty="0"/>
-              <a:t>Progmem, SAF memory, EEPROM and DATA blocks</a:t>
+              <a:t>EEPROM and DATA blocks</a:t>
             </a:r>
             <a:endParaRPr lang="en-GB" sz="1600" dirty="0"/>
           </a:p>
@@ -11256,18 +11225,22 @@
           <a:p>
             <a:r>
               <a:rPr lang="en-GB" dirty="0"/>
-              <a:t>Part 16 - Progmem, SAF memory, EEPROM and DATA blocks</a:t>
+              <a:t>Part 16 - </a:t>
+            </a:r>
+            <a:r>
+              <a:rPr lang="en-GB" dirty="0" smtClean="0"/>
+              <a:t>Progmem, </a:t>
+            </a:r>
+            <a:r>
+              <a:rPr lang="en-GB" dirty="0"/>
+              <a:t>EEPROM and DATA blocks</a:t>
             </a:r>
             <a:endParaRPr lang="en-GB" sz="1600" dirty="0"/>
           </a:p>
           <a:p>
             <a:r>
               <a:rPr lang="en-GB" sz="1700" dirty="0" smtClean="0"/>
-              <a:t>January </a:t>
-            </a:r>
-            <a:r>
-              <a:rPr lang="en-GB" sz="1700" dirty="0" smtClean="0"/>
-              <a:t>2025</a:t>
+              <a:t>January 2025</a:t>
             </a:r>
             <a:endParaRPr lang="en-GB" sz="1700" dirty="0"/>
           </a:p>
@@ -13378,7 +13351,14 @@
                 <a:latin typeface="Courier New" panose="02070309020205020404" pitchFamily="49" charset="0"/>
                 <a:cs typeface="Courier New" panose="02070309020205020404" pitchFamily="49" charset="0"/>
               </a:rPr>
-              <a:t>LED-LED-LED-INT--</a:t>
+              <a:t>LED-LED-LED-LED-</a:t>
+            </a:r>
+            <a:r>
+              <a:rPr lang="en-GB" sz="1200" b="1" dirty="0" smtClean="0">
+                <a:latin typeface="Courier New" panose="02070309020205020404" pitchFamily="49" charset="0"/>
+                <a:cs typeface="Courier New" panose="02070309020205020404" pitchFamily="49" charset="0"/>
+              </a:rPr>
+              <a:t>-</a:t>
             </a:r>
             <a:endParaRPr lang="en-GB" sz="1200" b="1" dirty="0">
               <a:latin typeface="Courier New" panose="02070309020205020404" pitchFamily="49" charset="0"/>
@@ -13804,7 +13784,7 @@
   <a:extraClrSchemeLst/>
   <a:extLst>
     <a:ext uri="{05A4C25C-085E-4340-85A3-A5531E510DB2}">
-      <thm15:themeFamily xmlns:thm15="http://schemas.microsoft.com/office/thememl/2012/main" xmlns="" name="GCstudioThemeLight" id="{4C740F94-33C0-4EEC-9234-F56C348A0987}" vid="{A43F8B96-90D8-489D-B80F-92F9D6F351CC}"/>
+      <thm15:themeFamily xmlns="" xmlns:thm15="http://schemas.microsoft.com/office/thememl/2012/main" name="GCstudioThemeLight" id="{4C740F94-33C0-4EEC-9234-F56C348A0987}" vid="{A43F8B96-90D8-489D-B80F-92F9D6F351CC}"/>
     </a:ext>
   </a:extLst>
 </a:theme>

--- a/Vendor_Boards/Microchip_PICDEM 2 plus_board_2010/tutorials/GCBASIC_Part16_storage.pptx
+++ b/Vendor_Boards/Microchip_PICDEM 2 plus_board_2010/tutorials/GCBASIC_Part16_storage.pptx
@@ -672,7 +672,7 @@
           <p:cNvPr id="7" name="Rectangle 6">
             <a:extLst>
               <a:ext uri="{FF2B5EF4-FFF2-40B4-BE49-F238E27FC236}">
-                <a16:creationId xmlns="" xmlns:a16="http://schemas.microsoft.com/office/drawing/2014/main" id="{9C757326-0232-4CDF-81FF-302CA676961B}"/>
+                <a16:creationId xmlns:a16="http://schemas.microsoft.com/office/drawing/2014/main" xmlns="" id="{9C757326-0232-4CDF-81FF-302CA676961B}"/>
               </a:ext>
             </a:extLst>
           </p:cNvPr>
@@ -724,7 +724,7 @@
           <p:cNvPr id="8" name="Picture 7">
             <a:extLst>
               <a:ext uri="{FF2B5EF4-FFF2-40B4-BE49-F238E27FC236}">
-                <a16:creationId xmlns="" xmlns:a16="http://schemas.microsoft.com/office/drawing/2014/main" id="{4987E008-68E6-4A43-85BC-1A6ACDF91DE1}"/>
+                <a16:creationId xmlns:a16="http://schemas.microsoft.com/office/drawing/2014/main" xmlns="" id="{4987E008-68E6-4A43-85BC-1A6ACDF91DE1}"/>
               </a:ext>
             </a:extLst>
           </p:cNvPr>
@@ -753,7 +753,7 @@
           <p:cNvPr id="11" name="Picture 10">
             <a:extLst>
               <a:ext uri="{FF2B5EF4-FFF2-40B4-BE49-F238E27FC236}">
-                <a16:creationId xmlns="" xmlns:a16="http://schemas.microsoft.com/office/drawing/2014/main" id="{A1F8C892-C868-4DF6-91AB-B18CE632B10F}"/>
+                <a16:creationId xmlns:a16="http://schemas.microsoft.com/office/drawing/2014/main" xmlns="" id="{A1F8C892-C868-4DF6-91AB-B18CE632B10F}"/>
               </a:ext>
             </a:extLst>
           </p:cNvPr>
@@ -939,7 +939,7 @@
           <p:cNvPr id="12" name="Text Placeholder 2">
             <a:extLst>
               <a:ext uri="{FF2B5EF4-FFF2-40B4-BE49-F238E27FC236}">
-                <a16:creationId xmlns="" xmlns:a16="http://schemas.microsoft.com/office/drawing/2014/main" id="{D547E580-E6D6-4D97-BB04-05795A830147}"/>
+                <a16:creationId xmlns:a16="http://schemas.microsoft.com/office/drawing/2014/main" xmlns="" id="{D547E580-E6D6-4D97-BB04-05795A830147}"/>
               </a:ext>
             </a:extLst>
           </p:cNvPr>
@@ -1092,7 +1092,7 @@
           <p:cNvPr id="9" name="Picture 8">
             <a:extLst>
               <a:ext uri="{FF2B5EF4-FFF2-40B4-BE49-F238E27FC236}">
-                <a16:creationId xmlns="" xmlns:a16="http://schemas.microsoft.com/office/drawing/2014/main" id="{7CE2C968-D10A-4226-8FDC-CBC4C7EDD0B7}"/>
+                <a16:creationId xmlns:a16="http://schemas.microsoft.com/office/drawing/2014/main" xmlns="" id="{7CE2C968-D10A-4226-8FDC-CBC4C7EDD0B7}"/>
               </a:ext>
             </a:extLst>
           </p:cNvPr>
@@ -1378,7 +1378,7 @@
           <p:cNvPr id="9" name="Picture 8">
             <a:extLst>
               <a:ext uri="{FF2B5EF4-FFF2-40B4-BE49-F238E27FC236}">
-                <a16:creationId xmlns="" xmlns:a16="http://schemas.microsoft.com/office/drawing/2014/main" id="{6AB5D66D-00C1-40EA-BFC8-305566F10369}"/>
+                <a16:creationId xmlns:a16="http://schemas.microsoft.com/office/drawing/2014/main" xmlns="" id="{6AB5D66D-00C1-40EA-BFC8-305566F10369}"/>
               </a:ext>
             </a:extLst>
           </p:cNvPr>
@@ -1895,7 +1895,7 @@
           <p:cNvPr id="8" name="Picture 7">
             <a:extLst>
               <a:ext uri="{FF2B5EF4-FFF2-40B4-BE49-F238E27FC236}">
-                <a16:creationId xmlns="" xmlns:a16="http://schemas.microsoft.com/office/drawing/2014/main" id="{AD4D4CB4-D965-4BB6-B218-086244C13BAE}"/>
+                <a16:creationId xmlns:a16="http://schemas.microsoft.com/office/drawing/2014/main" xmlns="" id="{AD4D4CB4-D965-4BB6-B218-086244C13BAE}"/>
               </a:ext>
             </a:extLst>
           </p:cNvPr>
@@ -2330,7 +2330,7 @@
           <p:cNvPr id="11" name="Picture 10">
             <a:extLst>
               <a:ext uri="{FF2B5EF4-FFF2-40B4-BE49-F238E27FC236}">
-                <a16:creationId xmlns="" xmlns:a16="http://schemas.microsoft.com/office/drawing/2014/main" id="{A3B58C4E-0EF0-466C-9740-EC9F485CBD03}"/>
+                <a16:creationId xmlns:a16="http://schemas.microsoft.com/office/drawing/2014/main" xmlns="" id="{A3B58C4E-0EF0-466C-9740-EC9F485CBD03}"/>
               </a:ext>
             </a:extLst>
           </p:cNvPr>
@@ -2612,7 +2612,7 @@
           <p:cNvPr id="7" name="Picture 6">
             <a:extLst>
               <a:ext uri="{FF2B5EF4-FFF2-40B4-BE49-F238E27FC236}">
-                <a16:creationId xmlns="" xmlns:a16="http://schemas.microsoft.com/office/drawing/2014/main" id="{2D0B9223-1250-44AA-A6C3-F2013B85AEF3}"/>
+                <a16:creationId xmlns:a16="http://schemas.microsoft.com/office/drawing/2014/main" xmlns="" id="{2D0B9223-1250-44AA-A6C3-F2013B85AEF3}"/>
               </a:ext>
             </a:extLst>
           </p:cNvPr>
@@ -3040,7 +3040,7 @@
           <p:cNvPr id="11" name="Picture 10">
             <a:extLst>
               <a:ext uri="{FF2B5EF4-FFF2-40B4-BE49-F238E27FC236}">
-                <a16:creationId xmlns="" xmlns:a16="http://schemas.microsoft.com/office/drawing/2014/main" id="{D49E1C7C-7E53-49A2-B2C9-52307876DB7E}"/>
+                <a16:creationId xmlns:a16="http://schemas.microsoft.com/office/drawing/2014/main" xmlns="" id="{D49E1C7C-7E53-49A2-B2C9-52307876DB7E}"/>
               </a:ext>
             </a:extLst>
           </p:cNvPr>
@@ -3382,7 +3382,7 @@
           <p:cNvPr id="9" name="Picture 8">
             <a:extLst>
               <a:ext uri="{FF2B5EF4-FFF2-40B4-BE49-F238E27FC236}">
-                <a16:creationId xmlns="" xmlns:a16="http://schemas.microsoft.com/office/drawing/2014/main" id="{23082AB0-2BB5-46FE-9A17-15E1ACC06965}"/>
+                <a16:creationId xmlns:a16="http://schemas.microsoft.com/office/drawing/2014/main" xmlns="" id="{23082AB0-2BB5-46FE-9A17-15E1ACC06965}"/>
               </a:ext>
             </a:extLst>
           </p:cNvPr>
@@ -3441,7 +3441,7 @@
           <p:cNvPr id="8" name="Picture 7">
             <a:extLst>
               <a:ext uri="{FF2B5EF4-FFF2-40B4-BE49-F238E27FC236}">
-                <a16:creationId xmlns="" xmlns:a16="http://schemas.microsoft.com/office/drawing/2014/main" id="{1862E859-E5AF-4D76-9FC9-2355B24FF141}"/>
+                <a16:creationId xmlns:a16="http://schemas.microsoft.com/office/drawing/2014/main" xmlns="" id="{1862E859-E5AF-4D76-9FC9-2355B24FF141}"/>
               </a:ext>
             </a:extLst>
           </p:cNvPr>
@@ -3647,7 +3647,7 @@
           <p:cNvPr id="8" name="Picture 7">
             <a:extLst>
               <a:ext uri="{FF2B5EF4-FFF2-40B4-BE49-F238E27FC236}">
-                <a16:creationId xmlns="" xmlns:a16="http://schemas.microsoft.com/office/drawing/2014/main" id="{91908D0E-7544-4687-965B-72EF64AA4C54}"/>
+                <a16:creationId xmlns:a16="http://schemas.microsoft.com/office/drawing/2014/main" xmlns="" id="{91908D0E-7544-4687-965B-72EF64AA4C54}"/>
               </a:ext>
             </a:extLst>
           </p:cNvPr>
@@ -3858,7 +3858,7 @@
           <p:cNvPr id="8" name="Picture 7">
             <a:extLst>
               <a:ext uri="{FF2B5EF4-FFF2-40B4-BE49-F238E27FC236}">
-                <a16:creationId xmlns="" xmlns:a16="http://schemas.microsoft.com/office/drawing/2014/main" id="{5B5B8CA2-02D4-408C-B548-182D4F5F54B2}"/>
+                <a16:creationId xmlns:a16="http://schemas.microsoft.com/office/drawing/2014/main" xmlns="" id="{5B5B8CA2-02D4-408C-B548-182D4F5F54B2}"/>
               </a:ext>
             </a:extLst>
           </p:cNvPr>
@@ -4076,7 +4076,7 @@
           <p:cNvPr id="11" name="Picture 10">
             <a:extLst>
               <a:ext uri="{FF2B5EF4-FFF2-40B4-BE49-F238E27FC236}">
-                <a16:creationId xmlns="" xmlns:a16="http://schemas.microsoft.com/office/drawing/2014/main" id="{EA8DB33B-8BF9-4C99-B31C-55246227EFDE}"/>
+                <a16:creationId xmlns:a16="http://schemas.microsoft.com/office/drawing/2014/main" xmlns="" id="{EA8DB33B-8BF9-4C99-B31C-55246227EFDE}"/>
               </a:ext>
             </a:extLst>
           </p:cNvPr>
@@ -4891,7 +4891,7 @@
           <p:cNvPr id="11" name="Picture 10">
             <a:extLst>
               <a:ext uri="{FF2B5EF4-FFF2-40B4-BE49-F238E27FC236}">
-                <a16:creationId xmlns="" xmlns:a16="http://schemas.microsoft.com/office/drawing/2014/main" id="{EA8DB33B-8BF9-4C99-B31C-55246227EFDE}"/>
+                <a16:creationId xmlns:a16="http://schemas.microsoft.com/office/drawing/2014/main" xmlns="" id="{EA8DB33B-8BF9-4C99-B31C-55246227EFDE}"/>
               </a:ext>
             </a:extLst>
           </p:cNvPr>
@@ -5924,7 +5924,7 @@
           <p:cNvPr id="7" name="Picture 6">
             <a:extLst>
               <a:ext uri="{FF2B5EF4-FFF2-40B4-BE49-F238E27FC236}">
-                <a16:creationId xmlns="" xmlns:a16="http://schemas.microsoft.com/office/drawing/2014/main" id="{6331EFED-43C1-4CBA-8BE3-308E3AA13B9B}"/>
+                <a16:creationId xmlns:a16="http://schemas.microsoft.com/office/drawing/2014/main" xmlns="" id="{6331EFED-43C1-4CBA-8BE3-308E3AA13B9B}"/>
               </a:ext>
             </a:extLst>
           </p:cNvPr>
@@ -6188,7 +6188,7 @@
           <p:cNvPr id="9" name="Picture 8">
             <a:extLst>
               <a:ext uri="{FF2B5EF4-FFF2-40B4-BE49-F238E27FC236}">
-                <a16:creationId xmlns="" xmlns:a16="http://schemas.microsoft.com/office/drawing/2014/main" id="{1034EA63-4BE3-4A73-A7E6-4A75BE4C1D48}"/>
+                <a16:creationId xmlns:a16="http://schemas.microsoft.com/office/drawing/2014/main" xmlns="" id="{1034EA63-4BE3-4A73-A7E6-4A75BE4C1D48}"/>
               </a:ext>
             </a:extLst>
           </p:cNvPr>
@@ -6247,7 +6247,7 @@
           <p:cNvPr id="10" name="Picture 9">
             <a:extLst>
               <a:ext uri="{FF2B5EF4-FFF2-40B4-BE49-F238E27FC236}">
-                <a16:creationId xmlns="" xmlns:a16="http://schemas.microsoft.com/office/drawing/2014/main" id="{204DC1E6-B5F4-4160-90F3-351FB3242E92}"/>
+                <a16:creationId xmlns:a16="http://schemas.microsoft.com/office/drawing/2014/main" xmlns="" id="{204DC1E6-B5F4-4160-90F3-351FB3242E92}"/>
               </a:ext>
             </a:extLst>
           </p:cNvPr>
@@ -6658,7 +6658,7 @@
           <p:cNvPr id="6" name="Picture 5">
             <a:extLst>
               <a:ext uri="{FF2B5EF4-FFF2-40B4-BE49-F238E27FC236}">
-                <a16:creationId xmlns="" xmlns:a16="http://schemas.microsoft.com/office/drawing/2014/main" id="{E7897C67-3827-4595-8E3A-71E9F2EAB3AF}"/>
+                <a16:creationId xmlns:a16="http://schemas.microsoft.com/office/drawing/2014/main" xmlns="" id="{E7897C67-3827-4595-8E3A-71E9F2EAB3AF}"/>
               </a:ext>
             </a:extLst>
           </p:cNvPr>
@@ -6880,7 +6880,7 @@
           <p:cNvPr id="6" name="Picture 5">
             <a:extLst>
               <a:ext uri="{FF2B5EF4-FFF2-40B4-BE49-F238E27FC236}">
-                <a16:creationId xmlns="" xmlns:a16="http://schemas.microsoft.com/office/drawing/2014/main" id="{F1825398-026A-4668-BB48-C16AD1C9062B}"/>
+                <a16:creationId xmlns:a16="http://schemas.microsoft.com/office/drawing/2014/main" xmlns="" id="{F1825398-026A-4668-BB48-C16AD1C9062B}"/>
               </a:ext>
             </a:extLst>
           </p:cNvPr>
@@ -13208,6 +13208,13 @@
             </a:r>
           </a:p>
           <a:p>
+            <a:r>
+              <a:rPr lang="en-GB" dirty="0" smtClean="0"/>
+              <a:t>LCD</a:t>
+            </a:r>
+            <a:endParaRPr lang="en-GB" dirty="0" smtClean="0"/>
+          </a:p>
+          <a:p>
             <a:pPr marL="0" indent="0">
               <a:buNone/>
             </a:pPr>
@@ -13351,14 +13358,7 @@
                 <a:latin typeface="Courier New" panose="02070309020205020404" pitchFamily="49" charset="0"/>
                 <a:cs typeface="Courier New" panose="02070309020205020404" pitchFamily="49" charset="0"/>
               </a:rPr>
-              <a:t>LED-LED-LED-LED-</a:t>
-            </a:r>
-            <a:r>
-              <a:rPr lang="en-GB" sz="1200" b="1" dirty="0" smtClean="0">
-                <a:latin typeface="Courier New" panose="02070309020205020404" pitchFamily="49" charset="0"/>
-                <a:cs typeface="Courier New" panose="02070309020205020404" pitchFamily="49" charset="0"/>
-              </a:rPr>
-              <a:t>-</a:t>
+              <a:t>LED-LED-LED-LED--</a:t>
             </a:r>
             <a:endParaRPr lang="en-GB" sz="1200" b="1" dirty="0">
               <a:latin typeface="Courier New" panose="02070309020205020404" pitchFamily="49" charset="0"/>
@@ -13481,23 +13481,51 @@
                 <a:latin typeface="Courier New" panose="02070309020205020404" pitchFamily="49" charset="0"/>
                 <a:cs typeface="Courier New" panose="02070309020205020404" pitchFamily="49" charset="0"/>
               </a:rPr>
-              <a:t>    IO:    ---------------------------------</a:t>
-            </a:r>
-          </a:p>
-          <a:p>
+              <a:t>    IO:    </a:t>
+            </a:r>
             <a:r>
               <a:rPr lang="en-GB" sz="1200" b="1" dirty="0" smtClean="0">
                 <a:latin typeface="Courier New" panose="02070309020205020404" pitchFamily="49" charset="0"/>
                 <a:cs typeface="Courier New" panose="02070309020205020404" pitchFamily="49" charset="0"/>
               </a:rPr>
-              <a:t>    </a:t>
+              <a:t>-PWR-EN-</a:t>
             </a:r>
             <a:r>
               <a:rPr lang="en-GB" sz="1200" b="1" dirty="0">
                 <a:latin typeface="Courier New" panose="02070309020205020404" pitchFamily="49" charset="0"/>
                 <a:cs typeface="Courier New" panose="02070309020205020404" pitchFamily="49" charset="0"/>
               </a:rPr>
-              <a:t>IO:    ---------------------------------</a:t>
+              <a:t>-RW--RS--</a:t>
+            </a:r>
+            <a:r>
+              <a:rPr lang="en-GB" sz="1200" b="1" dirty="0" smtClean="0">
+                <a:latin typeface="Courier New" panose="02070309020205020404" pitchFamily="49" charset="0"/>
+                <a:cs typeface="Courier New" panose="02070309020205020404" pitchFamily="49" charset="0"/>
+              </a:rPr>
+              <a:t>DB7-DB6-DB5-DB4-</a:t>
+            </a:r>
+          </a:p>
+          <a:p>
+            <a:r>
+              <a:rPr lang="en-GB" sz="1200" b="1" dirty="0">
+                <a:latin typeface="Courier New" panose="02070309020205020404" pitchFamily="49" charset="0"/>
+                <a:cs typeface="Courier New" panose="02070309020205020404" pitchFamily="49" charset="0"/>
+              </a:rPr>
+              <a:t> </a:t>
+            </a:r>
+            <a:r>
+              <a:rPr lang="en-GB" sz="1200" b="1" dirty="0" smtClean="0">
+                <a:latin typeface="Courier New" panose="02070309020205020404" pitchFamily="49" charset="0"/>
+                <a:cs typeface="Courier New" panose="02070309020205020404" pitchFamily="49" charset="0"/>
+              </a:rPr>
+              <a:t>   IO</a:t>
+            </a:r>
+            <a:r>
+              <a:rPr lang="en-GB" sz="1200" b="1" dirty="0">
+                <a:latin typeface="Courier New" panose="02070309020205020404" pitchFamily="49" charset="0"/>
+                <a:cs typeface="Courier New" panose="02070309020205020404" pitchFamily="49" charset="0"/>
+              </a:rPr>
+              <a:t>:    ---------------------------------</a:t>
             </a:r>
           </a:p>
           <a:p>
@@ -13784,7 +13812,7 @@
   <a:extraClrSchemeLst/>
   <a:extLst>
     <a:ext uri="{05A4C25C-085E-4340-85A3-A5531E510DB2}">
-      <thm15:themeFamily xmlns="" xmlns:thm15="http://schemas.microsoft.com/office/thememl/2012/main" name="GCstudioThemeLight" id="{4C740F94-33C0-4EEC-9234-F56C348A0987}" vid="{A43F8B96-90D8-489D-B80F-92F9D6F351CC}"/>
+      <thm15:themeFamily xmlns:thm15="http://schemas.microsoft.com/office/thememl/2012/main" xmlns="" name="GCstudioThemeLight" id="{4C740F94-33C0-4EEC-9234-F56C348A0987}" vid="{A43F8B96-90D8-489D-B80F-92F9D6F351CC}"/>
     </a:ext>
   </a:extLst>
 </a:theme>
